--- a/Data Visualization pt. 1/Data Visualization pt. 1.pptx
+++ b/Data Visualization pt. 1/Data Visualization pt. 1.pptx
@@ -17264,7 +17264,7 @@
                   <a:schemeClr val="dk1"/>
                 </a:solidFill>
               </a:rPr>
-              <a:t>Overlaping </a:t>
+              <a:t>Overlapping </a:t>
             </a:r>
             <a:r>
               <a:rPr lang="pl" sz="3200">
@@ -19898,8 +19898,8 @@
         </p:nvSpPr>
         <p:spPr>
           <a:xfrm>
-            <a:off x="493425" y="1547525"/>
-            <a:ext cx="8156400" cy="3042900"/>
+            <a:off x="493425" y="1158775"/>
+            <a:ext cx="8156400" cy="3431400"/>
           </a:xfrm>
           <a:prstGeom prst="rect">
             <a:avLst/>
@@ -19915,7 +19915,7 @@
           </a:bodyPr>
           <a:lstStyle/>
           <a:p>
-            <a:pPr indent="-298450" lvl="0" marL="457200" rtl="0" algn="l">
+            <a:pPr indent="0" lvl="0" marL="0" rtl="0" algn="l">
               <a:lnSpc>
                 <a:spcPct val="115000"/>
               </a:lnSpc>
@@ -19925,12 +19925,31 @@
               <a:spcAft>
                 <a:spcPts val="0"/>
               </a:spcAft>
-              <a:buClr>
-                <a:schemeClr val="dk2"/>
-              </a:buClr>
-              <a:buSzPts val="1100"/>
-              <a:buChar char="●"/>
+              <a:buNone/>
             </a:pPr>
+            <a:r>
+              <a:rPr b="1" lang="pl" sz="1100"/>
+              <a:t>Information sources:</a:t>
+            </a:r>
+            <a:endParaRPr b="1" sz="1100"/>
+          </a:p>
+          <a:p>
+            <a:pPr indent="0" lvl="0" marL="0" rtl="0" algn="l">
+              <a:lnSpc>
+                <a:spcPct val="115000"/>
+              </a:lnSpc>
+              <a:spcBef>
+                <a:spcPts val="0"/>
+              </a:spcBef>
+              <a:spcAft>
+                <a:spcPts val="0"/>
+              </a:spcAft>
+              <a:buNone/>
+            </a:pPr>
+            <a:r>
+              <a:rPr lang="pl" sz="1100"/>
+              <a:t>[1] Wes McKinney, </a:t>
+            </a:r>
             <a:r>
               <a:rPr lang="pl" sz="1100" u="sng">
                 <a:solidFill>
@@ -19938,12 +19957,16 @@
                 </a:solidFill>
                 <a:hlinkClick r:id="rId3"/>
               </a:rPr>
-              <a:t>https://github.com/Skamlo/Visualization-Techniques-in-Python</a:t>
+              <a:t>Python for Data Analysis, 3E</a:t>
+            </a:r>
+            <a:r>
+              <a:rPr lang="pl" sz="1100"/>
+              <a:t> (2022), Wes’s Blog</a:t>
             </a:r>
             <a:endParaRPr sz="1100"/>
           </a:p>
           <a:p>
-            <a:pPr indent="-298450" lvl="0" marL="457200" rtl="0" algn="l">
+            <a:pPr indent="0" lvl="0" marL="0" rtl="0" algn="l">
               <a:lnSpc>
                 <a:spcPct val="115000"/>
               </a:lnSpc>
@@ -19953,9 +19976,12 @@
               <a:spcAft>
                 <a:spcPts val="0"/>
               </a:spcAft>
-              <a:buSzPts val="1100"/>
-              <a:buChar char="●"/>
+              <a:buNone/>
             </a:pPr>
+            <a:r>
+              <a:rPr lang="pl" sz="1100"/>
+              <a:t>[2] Claus O. Wilke, </a:t>
+            </a:r>
             <a:r>
               <a:rPr lang="pl" sz="1100" u="sng">
                 <a:solidFill>
@@ -19963,12 +19989,16 @@
                 </a:solidFill>
                 <a:hlinkClick r:id="rId4"/>
               </a:rPr>
-              <a:t>https://towardsdatascience.com/kernel-density-estimation-explained-step-by-step-7cc5b5bc4517</a:t>
+              <a:t>Fundamentals of Data Visualization </a:t>
+            </a:r>
+            <a:r>
+              <a:rPr lang="pl" sz="1100"/>
+              <a:t>(2019), Claus Website</a:t>
             </a:r>
             <a:endParaRPr sz="1100"/>
           </a:p>
           <a:p>
-            <a:pPr indent="-298450" lvl="0" marL="457200" rtl="0" algn="l">
+            <a:pPr indent="0" lvl="0" marL="0" rtl="0" algn="l">
               <a:lnSpc>
                 <a:spcPct val="115000"/>
               </a:lnSpc>
@@ -19978,9 +20008,12 @@
               <a:spcAft>
                 <a:spcPts val="0"/>
               </a:spcAft>
-              <a:buSzPts val="1100"/>
-              <a:buChar char="●"/>
+              <a:buNone/>
             </a:pPr>
+            <a:r>
+              <a:rPr lang="pl" sz="1100"/>
+              <a:t>[3] Jarosław Drapala, </a:t>
+            </a:r>
             <a:r>
               <a:rPr lang="pl" sz="1100" u="sng">
                 <a:solidFill>
@@ -19988,12 +20021,16 @@
                 </a:solidFill>
                 <a:hlinkClick r:id="rId5"/>
               </a:rPr>
-              <a:t>https://www.kaggle.com/datasets/brendan45774/test-file</a:t>
+              <a:t>Kernel Density Estimator explained step by step</a:t>
+            </a:r>
+            <a:r>
+              <a:rPr lang="pl" sz="1100"/>
+              <a:t> (2023), Medium - Towards Data Science</a:t>
             </a:r>
             <a:endParaRPr sz="1100"/>
           </a:p>
           <a:p>
-            <a:pPr indent="-298450" lvl="0" marL="457200" rtl="0" algn="l">
+            <a:pPr indent="0" lvl="0" marL="0" rtl="0" algn="l">
               <a:lnSpc>
                 <a:spcPct val="115000"/>
               </a:lnSpc>
@@ -20003,49 +20040,12 @@
               <a:spcAft>
                 <a:spcPts val="0"/>
               </a:spcAft>
-              <a:buSzPts val="1100"/>
-              <a:buChar char="●"/>
+              <a:buNone/>
             </a:pPr>
             <a:r>
               <a:rPr lang="pl" sz="1100"/>
-              <a:t>https://stat.gov.pl/sygnalne/komunikaty-i-obwieszczenia/lista-komunikatow-i-obwieszczen/obwieszczenie-w-sprawie-wysokosci-przecietnego-miesiecznego-wynagrodzenia-brutto-w-gospodarce-narodowej-w-wojewodztwach-w-2022-roku,295,9.html</a:t>
+              <a:t>[4] 3Blue1Brown (Grant Sanderson), </a:t>
             </a:r>
-            <a:endParaRPr sz="1100"/>
-          </a:p>
-          <a:p>
-            <a:pPr indent="-298450" lvl="0" marL="457200" rtl="0" algn="l">
-              <a:lnSpc>
-                <a:spcPct val="115000"/>
-              </a:lnSpc>
-              <a:spcBef>
-                <a:spcPts val="0"/>
-              </a:spcBef>
-              <a:spcAft>
-                <a:spcPts val="0"/>
-              </a:spcAft>
-              <a:buSzPts val="1100"/>
-              <a:buChar char="●"/>
-            </a:pPr>
-            <a:r>
-              <a:rPr lang="pl" sz="1100"/>
-              <a:t>https://www.zus.pl/baza-wiedzy/skladki-wskazniki-odsetki/wskazniki/przecietne-wynagrodzenie-w-latach</a:t>
-            </a:r>
-            <a:endParaRPr sz="1100"/>
-          </a:p>
-          <a:p>
-            <a:pPr indent="-298450" lvl="0" marL="457200" rtl="0" algn="l">
-              <a:lnSpc>
-                <a:spcPct val="115000"/>
-              </a:lnSpc>
-              <a:spcBef>
-                <a:spcPts val="0"/>
-              </a:spcBef>
-              <a:spcAft>
-                <a:spcPts val="0"/>
-              </a:spcAft>
-              <a:buSzPts val="1100"/>
-              <a:buChar char="●"/>
-            </a:pPr>
             <a:r>
               <a:rPr lang="pl" sz="1100" u="sng">
                 <a:solidFill>
@@ -20053,12 +20053,16 @@
                 </a:solidFill>
                 <a:hlinkClick r:id="rId6"/>
               </a:rPr>
-              <a:t>https://www.kaggle.com/datasets/aleksandrglotov/car-prices-poland</a:t>
+              <a:t>Why π is in the normal distribution (beyond integral tricks)</a:t>
+            </a:r>
+            <a:r>
+              <a:rPr lang="pl" sz="1100"/>
+              <a:t> (2023), Youtube</a:t>
             </a:r>
             <a:endParaRPr sz="1100"/>
           </a:p>
           <a:p>
-            <a:pPr indent="-298450" lvl="0" marL="457200" rtl="0" algn="l">
+            <a:pPr indent="0" lvl="0" marL="0" rtl="0" algn="l">
               <a:lnSpc>
                 <a:spcPct val="115000"/>
               </a:lnSpc>
@@ -20068,9 +20072,49 @@
               <a:spcAft>
                 <a:spcPts val="0"/>
               </a:spcAft>
-              <a:buSzPts val="1100"/>
-              <a:buChar char="●"/>
+              <a:buNone/>
             </a:pPr>
+            <a:r>
+              <a:t/>
+            </a:r>
+            <a:endParaRPr sz="1100"/>
+          </a:p>
+          <a:p>
+            <a:pPr indent="0" lvl="0" marL="0" rtl="0" algn="l">
+              <a:lnSpc>
+                <a:spcPct val="115000"/>
+              </a:lnSpc>
+              <a:spcBef>
+                <a:spcPts val="0"/>
+              </a:spcBef>
+              <a:spcAft>
+                <a:spcPts val="0"/>
+              </a:spcAft>
+              <a:buNone/>
+            </a:pPr>
+            <a:r>
+              <a:rPr b="1" lang="pl" sz="1100"/>
+              <a:t>Data sources:</a:t>
+            </a:r>
+            <a:endParaRPr b="1" sz="1100"/>
+          </a:p>
+          <a:p>
+            <a:pPr indent="0" lvl="0" marL="0" rtl="0" algn="l">
+              <a:lnSpc>
+                <a:spcPct val="115000"/>
+              </a:lnSpc>
+              <a:spcBef>
+                <a:spcPts val="0"/>
+              </a:spcBef>
+              <a:spcAft>
+                <a:spcPts val="0"/>
+              </a:spcAft>
+              <a:buNone/>
+            </a:pPr>
+            <a:r>
+              <a:rPr lang="pl" sz="1100"/>
+              <a:t>[5] Brenda N, </a:t>
+            </a:r>
             <a:r>
               <a:rPr lang="pl" sz="1100" u="sng">
                 <a:solidFill>
@@ -20078,12 +20122,16 @@
                 </a:solidFill>
                 <a:hlinkClick r:id="rId7"/>
               </a:rPr>
-              <a:t>https://towardsdatascience.com/kernel-density-estimation-explained-step-by-step-7cc5b5bc4517</a:t>
+              <a:t>Titanic dataset</a:t>
+            </a:r>
+            <a:r>
+              <a:rPr lang="pl" sz="1100"/>
+              <a:t> (2021), Kaggle</a:t>
             </a:r>
             <a:endParaRPr sz="1100"/>
           </a:p>
           <a:p>
-            <a:pPr indent="-298450" lvl="0" marL="457200" rtl="0" algn="l">
+            <a:pPr indent="0" lvl="0" marL="0" rtl="0" algn="l">
               <a:lnSpc>
                 <a:spcPct val="115000"/>
               </a:lnSpc>
@@ -20093,14 +20141,187 @@
               <a:spcAft>
                 <a:spcPts val="0"/>
               </a:spcAft>
-              <a:buSzPts val="1100"/>
-              <a:buChar char="●"/>
+              <a:buNone/>
             </a:pPr>
             <a:r>
               <a:rPr lang="pl" sz="1100"/>
-              <a:t>https://www.youtube.com/watch?v=cy8r7WSuT1I</a:t>
+              <a:t>[6] </a:t>
+            </a:r>
+            <a:r>
+              <a:rPr lang="pl" sz="1050">
+                <a:solidFill>
+                  <a:srgbClr val="222222"/>
+                </a:solidFill>
+                <a:highlight>
+                  <a:srgbClr val="FDFDFD"/>
+                </a:highlight>
+              </a:rPr>
+              <a:t>Główny Urząd Statystyczny, </a:t>
+            </a:r>
+            <a:r>
+              <a:rPr lang="pl" sz="1050" u="sng">
+                <a:solidFill>
+                  <a:schemeClr val="hlink"/>
+                </a:solidFill>
+                <a:highlight>
+                  <a:srgbClr val="FDFDFD"/>
+                </a:highlight>
+                <a:hlinkClick r:id="rId8"/>
+              </a:rPr>
+              <a:t>Obwieszczenie w sprawie wysokości przeciętnego miesięcznego wynagrodzenia brutto w gospodarce narodowej w województwach w 2022 roku</a:t>
+            </a:r>
+            <a:r>
+              <a:rPr lang="pl" sz="1100"/>
+              <a:t> (2023), GUS</a:t>
             </a:r>
             <a:endParaRPr sz="1100"/>
+          </a:p>
+          <a:p>
+            <a:pPr indent="0" lvl="0" marL="0" rtl="0" algn="l">
+              <a:lnSpc>
+                <a:spcPct val="115000"/>
+              </a:lnSpc>
+              <a:spcBef>
+                <a:spcPts val="0"/>
+              </a:spcBef>
+              <a:spcAft>
+                <a:spcPts val="0"/>
+              </a:spcAft>
+              <a:buNone/>
+            </a:pPr>
+            <a:r>
+              <a:rPr lang="pl" sz="1100"/>
+              <a:t>[7] Aleksandr Glotov, </a:t>
+            </a:r>
+            <a:r>
+              <a:rPr lang="pl" sz="1100" u="sng">
+                <a:solidFill>
+                  <a:schemeClr val="hlink"/>
+                </a:solidFill>
+                <a:hlinkClick r:id="rId9"/>
+              </a:rPr>
+              <a:t>Car Prices Poland</a:t>
+            </a:r>
+            <a:r>
+              <a:rPr lang="pl" sz="1100"/>
+              <a:t> (2021), Kaggle</a:t>
+            </a:r>
+            <a:endParaRPr sz="1100"/>
+          </a:p>
+          <a:p>
+            <a:pPr indent="0" lvl="0" marL="0" rtl="0" algn="l">
+              <a:lnSpc>
+                <a:spcPct val="115000"/>
+              </a:lnSpc>
+              <a:spcBef>
+                <a:spcPts val="0"/>
+              </a:spcBef>
+              <a:spcAft>
+                <a:spcPts val="0"/>
+              </a:spcAft>
+              <a:buNone/>
+            </a:pPr>
+            <a:r>
+              <a:t/>
+            </a:r>
+            <a:endParaRPr sz="1100"/>
+          </a:p>
+          <a:p>
+            <a:pPr indent="0" lvl="0" marL="0" rtl="0" algn="l">
+              <a:lnSpc>
+                <a:spcPct val="115000"/>
+              </a:lnSpc>
+              <a:spcBef>
+                <a:spcPts val="0"/>
+              </a:spcBef>
+              <a:spcAft>
+                <a:spcPts val="0"/>
+              </a:spcAft>
+              <a:buNone/>
+            </a:pPr>
+            <a:r>
+              <a:rPr b="1" lang="pl" sz="1100"/>
+              <a:t>Other:</a:t>
+            </a:r>
+            <a:endParaRPr b="1" sz="1100"/>
+          </a:p>
+          <a:p>
+            <a:pPr indent="0" lvl="0" marL="0" rtl="0" algn="l">
+              <a:lnSpc>
+                <a:spcPct val="115000"/>
+              </a:lnSpc>
+              <a:spcBef>
+                <a:spcPts val="0"/>
+              </a:spcBef>
+              <a:spcAft>
+                <a:spcPts val="0"/>
+              </a:spcAft>
+              <a:buNone/>
+            </a:pPr>
+            <a:r>
+              <a:rPr lang="pl" sz="1100"/>
+              <a:t>[8] </a:t>
+            </a:r>
+            <a:r>
+              <a:rPr lang="pl" sz="1100" u="sng">
+                <a:solidFill>
+                  <a:schemeClr val="hlink"/>
+                </a:solidFill>
+                <a:hlinkClick r:id="rId10"/>
+              </a:rPr>
+              <a:t>My private notes about data visualization an examples</a:t>
+            </a:r>
+            <a:endParaRPr sz="1100"/>
+          </a:p>
+        </p:txBody>
+      </p:sp>
+      <p:sp>
+        <p:nvSpPr>
+          <p:cNvPr id="498" name="Google Shape;498;p83"/>
+          <p:cNvSpPr txBox="1"/>
+          <p:nvPr/>
+        </p:nvSpPr>
+        <p:spPr>
+          <a:xfrm>
+            <a:off x="493425" y="4590275"/>
+            <a:ext cx="8338800" cy="381300"/>
+          </a:xfrm>
+          <a:prstGeom prst="rect">
+            <a:avLst/>
+          </a:prstGeom>
+          <a:noFill/>
+          <a:ln>
+            <a:noFill/>
+          </a:ln>
+        </p:spPr>
+        <p:txBody>
+          <a:bodyPr anchorCtr="0" anchor="t" bIns="91425" lIns="91425" spcFirstLastPara="1" rIns="91425" wrap="square" tIns="91425">
+            <a:noAutofit/>
+          </a:bodyPr>
+          <a:lstStyle/>
+          <a:p>
+            <a:pPr indent="0" lvl="0" marL="0" rtl="0" algn="ctr">
+              <a:spcBef>
+                <a:spcPts val="0"/>
+              </a:spcBef>
+              <a:spcAft>
+                <a:spcPts val="0"/>
+              </a:spcAft>
+              <a:buNone/>
+            </a:pPr>
+            <a:r>
+              <a:rPr lang="pl" sz="1100">
+                <a:solidFill>
+                  <a:schemeClr val="dk2"/>
+                </a:solidFill>
+              </a:rPr>
+              <a:t>Presentation author: Maksymilian Norkiewicz</a:t>
+            </a:r>
+            <a:endParaRPr sz="1100">
+              <a:solidFill>
+                <a:schemeClr val="dk2"/>
+              </a:solidFill>
+            </a:endParaRPr>
           </a:p>
         </p:txBody>
       </p:sp>
@@ -20709,6 +20930,285 @@
 </file>
 
 <file path=ppt/theme/theme1.xml><?xml version="1.0" encoding="utf-8"?>
+<a:theme xmlns:a="http://schemas.openxmlformats.org/drawingml/2006/main" xmlns:r="http://schemas.openxmlformats.org/officeDocument/2006/relationships" name="Simple Light">
+  <a:themeElements>
+    <a:clrScheme name="Simple Light">
+      <a:dk1>
+        <a:srgbClr val="000000"/>
+      </a:dk1>
+      <a:lt1>
+        <a:srgbClr val="FFFFFF"/>
+      </a:lt1>
+      <a:dk2>
+        <a:srgbClr val="595959"/>
+      </a:dk2>
+      <a:lt2>
+        <a:srgbClr val="EEEEEE"/>
+      </a:lt2>
+      <a:accent1>
+        <a:srgbClr val="4285F4"/>
+      </a:accent1>
+      <a:accent2>
+        <a:srgbClr val="212121"/>
+      </a:accent2>
+      <a:accent3>
+        <a:srgbClr val="78909C"/>
+      </a:accent3>
+      <a:accent4>
+        <a:srgbClr val="FFAB40"/>
+      </a:accent4>
+      <a:accent5>
+        <a:srgbClr val="0097A7"/>
+      </a:accent5>
+      <a:accent6>
+        <a:srgbClr val="EEFF41"/>
+      </a:accent6>
+      <a:hlink>
+        <a:srgbClr val="0097A7"/>
+      </a:hlink>
+      <a:folHlink>
+        <a:srgbClr val="0097A7"/>
+      </a:folHlink>
+    </a:clrScheme>
+    <a:fontScheme name="Office">
+      <a:majorFont>
+        <a:latin typeface="Arial"/>
+        <a:ea typeface=""/>
+        <a:cs typeface=""/>
+        <a:font script="Jpan" typeface="ＭＳ Ｐゴシック"/>
+        <a:font script="Hang" typeface="맑은 고딕"/>
+        <a:font script="Hans" typeface="宋体"/>
+        <a:font script="Hant" typeface="新細明體"/>
+        <a:font script="Arab" typeface="Times New Roman"/>
+        <a:font script="Hebr" typeface="Times New Roman"/>
+        <a:font script="Thai" typeface="Angsana New"/>
+        <a:font script="Ethi" typeface="Nyala"/>
+        <a:font script="Beng" typeface="Vrinda"/>
+        <a:font script="Gujr" typeface="Shruti"/>
+        <a:font script="Khmr" typeface="MoolBoran"/>
+        <a:font script="Knda" typeface="Tunga"/>
+        <a:font script="Guru" typeface="Raavi"/>
+        <a:font script="Cans" typeface="Euphemia"/>
+        <a:font script="Cher" typeface="Plantagenet Cherokee"/>
+        <a:font script="Yiii" typeface="Microsoft Yi Baiti"/>
+        <a:font script="Tibt" typeface="Microsoft Himalaya"/>
+        <a:font script="Thaa" typeface="MV Boli"/>
+        <a:font script="Deva" typeface="Mangal"/>
+        <a:font script="Telu" typeface="Gautami"/>
+        <a:font script="Taml" typeface="Latha"/>
+        <a:font script="Syrc" typeface="Estrangelo Edessa"/>
+        <a:font script="Orya" typeface="Kalinga"/>
+        <a:font script="Mlym" typeface="Kartika"/>
+        <a:font script="Laoo" typeface="DokChampa"/>
+        <a:font script="Sinh" typeface="Iskoola Pota"/>
+        <a:font script="Mong" typeface="Mongolian Baiti"/>
+        <a:font script="Viet" typeface="Times New Roman"/>
+        <a:font script="Uigh" typeface="Microsoft Uighur"/>
+        <a:font script="Geor" typeface="Sylfaen"/>
+      </a:majorFont>
+      <a:minorFont>
+        <a:latin typeface="Arial"/>
+        <a:ea typeface=""/>
+        <a:cs typeface=""/>
+        <a:font script="Jpan" typeface="ＭＳ Ｐゴシック"/>
+        <a:font script="Hang" typeface="맑은 고딕"/>
+        <a:font script="Hans" typeface="宋体"/>
+        <a:font script="Hant" typeface="新細明體"/>
+        <a:font script="Arab" typeface="Arial"/>
+        <a:font script="Hebr" typeface="Arial"/>
+        <a:font script="Thai" typeface="Cordia New"/>
+        <a:font script="Ethi" typeface="Nyala"/>
+        <a:font script="Beng" typeface="Vrinda"/>
+        <a:font script="Gujr" typeface="Shruti"/>
+        <a:font script="Khmr" typeface="DaunPenh"/>
+        <a:font script="Knda" typeface="Tunga"/>
+        <a:font script="Guru" typeface="Raavi"/>
+        <a:font script="Cans" typeface="Euphemia"/>
+        <a:font script="Cher" typeface="Plantagenet Cherokee"/>
+        <a:font script="Yiii" typeface="Microsoft Yi Baiti"/>
+        <a:font script="Tibt" typeface="Microsoft Himalaya"/>
+        <a:font script="Thaa" typeface="MV Boli"/>
+        <a:font script="Deva" typeface="Mangal"/>
+        <a:font script="Telu" typeface="Gautami"/>
+        <a:font script="Taml" typeface="Latha"/>
+        <a:font script="Syrc" typeface="Estrangelo Edessa"/>
+        <a:font script="Orya" typeface="Kalinga"/>
+        <a:font script="Mlym" typeface="Kartika"/>
+        <a:font script="Laoo" typeface="DokChampa"/>
+        <a:font script="Sinh" typeface="Iskoola Pota"/>
+        <a:font script="Mong" typeface="Mongolian Baiti"/>
+        <a:font script="Viet" typeface="Arial"/>
+        <a:font script="Uigh" typeface="Microsoft Uighur"/>
+        <a:font script="Geor" typeface="Sylfaen"/>
+      </a:minorFont>
+    </a:fontScheme>
+    <a:fmtScheme name="Office">
+      <a:fillStyleLst>
+        <a:solidFill>
+          <a:schemeClr val="phClr"/>
+        </a:solidFill>
+        <a:gradFill rotWithShape="1">
+          <a:gsLst>
+            <a:gs pos="0">
+              <a:schemeClr val="phClr">
+                <a:tint val="50000"/>
+                <a:satMod val="300000"/>
+              </a:schemeClr>
+            </a:gs>
+            <a:gs pos="35000">
+              <a:schemeClr val="phClr">
+                <a:tint val="37000"/>
+                <a:satMod val="300000"/>
+              </a:schemeClr>
+            </a:gs>
+            <a:gs pos="100000">
+              <a:schemeClr val="phClr">
+                <a:tint val="15000"/>
+                <a:satMod val="350000"/>
+              </a:schemeClr>
+            </a:gs>
+          </a:gsLst>
+          <a:lin ang="16200000" scaled="1"/>
+        </a:gradFill>
+        <a:gradFill rotWithShape="1">
+          <a:gsLst>
+            <a:gs pos="0">
+              <a:schemeClr val="phClr">
+                <a:tint val="100000"/>
+                <a:shade val="100000"/>
+                <a:satMod val="130000"/>
+              </a:schemeClr>
+            </a:gs>
+            <a:gs pos="100000">
+              <a:schemeClr val="phClr">
+                <a:tint val="50000"/>
+                <a:shade val="100000"/>
+                <a:satMod val="350000"/>
+              </a:schemeClr>
+            </a:gs>
+          </a:gsLst>
+          <a:lin ang="16200000" scaled="0"/>
+        </a:gradFill>
+      </a:fillStyleLst>
+      <a:lnStyleLst>
+        <a:ln w="9525" cap="flat" cmpd="sng" algn="ctr">
+          <a:solidFill>
+            <a:schemeClr val="phClr">
+              <a:shade val="95000"/>
+              <a:satMod val="105000"/>
+            </a:schemeClr>
+          </a:solidFill>
+          <a:prstDash val="solid"/>
+        </a:ln>
+        <a:ln w="25400" cap="flat" cmpd="sng" algn="ctr">
+          <a:solidFill>
+            <a:schemeClr val="phClr"/>
+          </a:solidFill>
+          <a:prstDash val="solid"/>
+        </a:ln>
+        <a:ln w="38100" cap="flat" cmpd="sng" algn="ctr">
+          <a:solidFill>
+            <a:schemeClr val="phClr"/>
+          </a:solidFill>
+          <a:prstDash val="solid"/>
+        </a:ln>
+      </a:lnStyleLst>
+      <a:effectStyleLst>
+        <a:effectStyle>
+          <a:effectLst>
+            <a:outerShdw blurRad="40000" dist="20000" dir="5400000" rotWithShape="0">
+              <a:srgbClr val="000000">
+                <a:alpha val="38000"/>
+              </a:srgbClr>
+            </a:outerShdw>
+          </a:effectLst>
+        </a:effectStyle>
+        <a:effectStyle>
+          <a:effectLst>
+            <a:outerShdw blurRad="40000" dist="23000" dir="5400000" rotWithShape="0">
+              <a:srgbClr val="000000">
+                <a:alpha val="35000"/>
+              </a:srgbClr>
+            </a:outerShdw>
+          </a:effectLst>
+        </a:effectStyle>
+        <a:effectStyle>
+          <a:effectLst>
+            <a:outerShdw blurRad="40000" dist="23000" dir="5400000" rotWithShape="0">
+              <a:srgbClr val="000000">
+                <a:alpha val="35000"/>
+              </a:srgbClr>
+            </a:outerShdw>
+          </a:effectLst>
+          <a:scene3d>
+            <a:camera prst="orthographicFront">
+              <a:rot lat="0" lon="0" rev="0"/>
+            </a:camera>
+            <a:lightRig rig="threePt" dir="t">
+              <a:rot lat="0" lon="0" rev="1200000"/>
+            </a:lightRig>
+          </a:scene3d>
+          <a:sp3d>
+            <a:bevelT w="63500" h="25400"/>
+          </a:sp3d>
+        </a:effectStyle>
+      </a:effectStyleLst>
+      <a:bgFillStyleLst>
+        <a:solidFill>
+          <a:schemeClr val="phClr"/>
+        </a:solidFill>
+        <a:gradFill rotWithShape="1">
+          <a:gsLst>
+            <a:gs pos="0">
+              <a:schemeClr val="phClr">
+                <a:tint val="40000"/>
+                <a:satMod val="350000"/>
+              </a:schemeClr>
+            </a:gs>
+            <a:gs pos="40000">
+              <a:schemeClr val="phClr">
+                <a:tint val="45000"/>
+                <a:shade val="99000"/>
+                <a:satMod val="350000"/>
+              </a:schemeClr>
+            </a:gs>
+            <a:gs pos="100000">
+              <a:schemeClr val="phClr">
+                <a:shade val="20000"/>
+                <a:satMod val="255000"/>
+              </a:schemeClr>
+            </a:gs>
+          </a:gsLst>
+          <a:path path="circle">
+            <a:fillToRect l="50000" t="-80000" r="50000" b="180000"/>
+          </a:path>
+        </a:gradFill>
+        <a:gradFill rotWithShape="1">
+          <a:gsLst>
+            <a:gs pos="0">
+              <a:schemeClr val="phClr">
+                <a:tint val="80000"/>
+                <a:satMod val="300000"/>
+              </a:schemeClr>
+            </a:gs>
+            <a:gs pos="100000">
+              <a:schemeClr val="phClr">
+                <a:shade val="30000"/>
+                <a:satMod val="200000"/>
+              </a:schemeClr>
+            </a:gs>
+          </a:gsLst>
+          <a:path path="circle">
+            <a:fillToRect l="50000" t="50000" r="50000" b="50000"/>
+          </a:path>
+        </a:gradFill>
+      </a:bgFillStyleLst>
+    </a:fmtScheme>
+  </a:themeElements>
+</a:theme>
+</file>
+
+<file path=ppt/theme/theme2.xml><?xml version="1.0" encoding="utf-8"?>
 <a:theme xmlns:a="http://schemas.openxmlformats.org/drawingml/2006/main" xmlns:r="http://schemas.openxmlformats.org/officeDocument/2006/relationships">
   <a:themeElements>
     <a:clrScheme name="Default">
@@ -20985,283 +21485,4 @@
     </a:fmtScheme>
   </a:themeElements>
 </a:theme>
-</file>
-
-<file path=ppt/theme/theme2.xml><?xml version="1.0" encoding="utf-8"?>
-<a:theme xmlns:a="http://schemas.openxmlformats.org/drawingml/2006/main" xmlns:r="http://schemas.openxmlformats.org/officeDocument/2006/relationships" name="Simple Light">
-  <a:themeElements>
-    <a:clrScheme name="Simple Light">
-      <a:dk1>
-        <a:srgbClr val="000000"/>
-      </a:dk1>
-      <a:lt1>
-        <a:srgbClr val="FFFFFF"/>
-      </a:lt1>
-      <a:dk2>
-        <a:srgbClr val="595959"/>
-      </a:dk2>
-      <a:lt2>
-        <a:srgbClr val="EEEEEE"/>
-      </a:lt2>
-      <a:accent1>
-        <a:srgbClr val="4285F4"/>
-      </a:accent1>
-      <a:accent2>
-        <a:srgbClr val="212121"/>
-      </a:accent2>
-      <a:accent3>
-        <a:srgbClr val="78909C"/>
-      </a:accent3>
-      <a:accent4>
-        <a:srgbClr val="FFAB40"/>
-      </a:accent4>
-      <a:accent5>
-        <a:srgbClr val="0097A7"/>
-      </a:accent5>
-      <a:accent6>
-        <a:srgbClr val="EEFF41"/>
-      </a:accent6>
-      <a:hlink>
-        <a:srgbClr val="0097A7"/>
-      </a:hlink>
-      <a:folHlink>
-        <a:srgbClr val="0097A7"/>
-      </a:folHlink>
-    </a:clrScheme>
-    <a:fontScheme name="Office">
-      <a:majorFont>
-        <a:latin typeface="Arial"/>
-        <a:ea typeface=""/>
-        <a:cs typeface=""/>
-        <a:font script="Jpan" typeface="ＭＳ Ｐゴシック"/>
-        <a:font script="Hang" typeface="맑은 고딕"/>
-        <a:font script="Hans" typeface="宋体"/>
-        <a:font script="Hant" typeface="新細明體"/>
-        <a:font script="Arab" typeface="Times New Roman"/>
-        <a:font script="Hebr" typeface="Times New Roman"/>
-        <a:font script="Thai" typeface="Angsana New"/>
-        <a:font script="Ethi" typeface="Nyala"/>
-        <a:font script="Beng" typeface="Vrinda"/>
-        <a:font script="Gujr" typeface="Shruti"/>
-        <a:font script="Khmr" typeface="MoolBoran"/>
-        <a:font script="Knda" typeface="Tunga"/>
-        <a:font script="Guru" typeface="Raavi"/>
-        <a:font script="Cans" typeface="Euphemia"/>
-        <a:font script="Cher" typeface="Plantagenet Cherokee"/>
-        <a:font script="Yiii" typeface="Microsoft Yi Baiti"/>
-        <a:font script="Tibt" typeface="Microsoft Himalaya"/>
-        <a:font script="Thaa" typeface="MV Boli"/>
-        <a:font script="Deva" typeface="Mangal"/>
-        <a:font script="Telu" typeface="Gautami"/>
-        <a:font script="Taml" typeface="Latha"/>
-        <a:font script="Syrc" typeface="Estrangelo Edessa"/>
-        <a:font script="Orya" typeface="Kalinga"/>
-        <a:font script="Mlym" typeface="Kartika"/>
-        <a:font script="Laoo" typeface="DokChampa"/>
-        <a:font script="Sinh" typeface="Iskoola Pota"/>
-        <a:font script="Mong" typeface="Mongolian Baiti"/>
-        <a:font script="Viet" typeface="Times New Roman"/>
-        <a:font script="Uigh" typeface="Microsoft Uighur"/>
-        <a:font script="Geor" typeface="Sylfaen"/>
-      </a:majorFont>
-      <a:minorFont>
-        <a:latin typeface="Arial"/>
-        <a:ea typeface=""/>
-        <a:cs typeface=""/>
-        <a:font script="Jpan" typeface="ＭＳ Ｐゴシック"/>
-        <a:font script="Hang" typeface="맑은 고딕"/>
-        <a:font script="Hans" typeface="宋体"/>
-        <a:font script="Hant" typeface="新細明體"/>
-        <a:font script="Arab" typeface="Arial"/>
-        <a:font script="Hebr" typeface="Arial"/>
-        <a:font script="Thai" typeface="Cordia New"/>
-        <a:font script="Ethi" typeface="Nyala"/>
-        <a:font script="Beng" typeface="Vrinda"/>
-        <a:font script="Gujr" typeface="Shruti"/>
-        <a:font script="Khmr" typeface="DaunPenh"/>
-        <a:font script="Knda" typeface="Tunga"/>
-        <a:font script="Guru" typeface="Raavi"/>
-        <a:font script="Cans" typeface="Euphemia"/>
-        <a:font script="Cher" typeface="Plantagenet Cherokee"/>
-        <a:font script="Yiii" typeface="Microsoft Yi Baiti"/>
-        <a:font script="Tibt" typeface="Microsoft Himalaya"/>
-        <a:font script="Thaa" typeface="MV Boli"/>
-        <a:font script="Deva" typeface="Mangal"/>
-        <a:font script="Telu" typeface="Gautami"/>
-        <a:font script="Taml" typeface="Latha"/>
-        <a:font script="Syrc" typeface="Estrangelo Edessa"/>
-        <a:font script="Orya" typeface="Kalinga"/>
-        <a:font script="Mlym" typeface="Kartika"/>
-        <a:font script="Laoo" typeface="DokChampa"/>
-        <a:font script="Sinh" typeface="Iskoola Pota"/>
-        <a:font script="Mong" typeface="Mongolian Baiti"/>
-        <a:font script="Viet" typeface="Arial"/>
-        <a:font script="Uigh" typeface="Microsoft Uighur"/>
-        <a:font script="Geor" typeface="Sylfaen"/>
-      </a:minorFont>
-    </a:fontScheme>
-    <a:fmtScheme name="Office">
-      <a:fillStyleLst>
-        <a:solidFill>
-          <a:schemeClr val="phClr"/>
-        </a:solidFill>
-        <a:gradFill rotWithShape="1">
-          <a:gsLst>
-            <a:gs pos="0">
-              <a:schemeClr val="phClr">
-                <a:tint val="50000"/>
-                <a:satMod val="300000"/>
-              </a:schemeClr>
-            </a:gs>
-            <a:gs pos="35000">
-              <a:schemeClr val="phClr">
-                <a:tint val="37000"/>
-                <a:satMod val="300000"/>
-              </a:schemeClr>
-            </a:gs>
-            <a:gs pos="100000">
-              <a:schemeClr val="phClr">
-                <a:tint val="15000"/>
-                <a:satMod val="350000"/>
-              </a:schemeClr>
-            </a:gs>
-          </a:gsLst>
-          <a:lin ang="16200000" scaled="1"/>
-        </a:gradFill>
-        <a:gradFill rotWithShape="1">
-          <a:gsLst>
-            <a:gs pos="0">
-              <a:schemeClr val="phClr">
-                <a:tint val="100000"/>
-                <a:shade val="100000"/>
-                <a:satMod val="130000"/>
-              </a:schemeClr>
-            </a:gs>
-            <a:gs pos="100000">
-              <a:schemeClr val="phClr">
-                <a:tint val="50000"/>
-                <a:shade val="100000"/>
-                <a:satMod val="350000"/>
-              </a:schemeClr>
-            </a:gs>
-          </a:gsLst>
-          <a:lin ang="16200000" scaled="0"/>
-        </a:gradFill>
-      </a:fillStyleLst>
-      <a:lnStyleLst>
-        <a:ln w="9525" cap="flat" cmpd="sng" algn="ctr">
-          <a:solidFill>
-            <a:schemeClr val="phClr">
-              <a:shade val="95000"/>
-              <a:satMod val="105000"/>
-            </a:schemeClr>
-          </a:solidFill>
-          <a:prstDash val="solid"/>
-        </a:ln>
-        <a:ln w="25400" cap="flat" cmpd="sng" algn="ctr">
-          <a:solidFill>
-            <a:schemeClr val="phClr"/>
-          </a:solidFill>
-          <a:prstDash val="solid"/>
-        </a:ln>
-        <a:ln w="38100" cap="flat" cmpd="sng" algn="ctr">
-          <a:solidFill>
-            <a:schemeClr val="phClr"/>
-          </a:solidFill>
-          <a:prstDash val="solid"/>
-        </a:ln>
-      </a:lnStyleLst>
-      <a:effectStyleLst>
-        <a:effectStyle>
-          <a:effectLst>
-            <a:outerShdw blurRad="40000" dist="20000" dir="5400000" rotWithShape="0">
-              <a:srgbClr val="000000">
-                <a:alpha val="38000"/>
-              </a:srgbClr>
-            </a:outerShdw>
-          </a:effectLst>
-        </a:effectStyle>
-        <a:effectStyle>
-          <a:effectLst>
-            <a:outerShdw blurRad="40000" dist="23000" dir="5400000" rotWithShape="0">
-              <a:srgbClr val="000000">
-                <a:alpha val="35000"/>
-              </a:srgbClr>
-            </a:outerShdw>
-          </a:effectLst>
-        </a:effectStyle>
-        <a:effectStyle>
-          <a:effectLst>
-            <a:outerShdw blurRad="40000" dist="23000" dir="5400000" rotWithShape="0">
-              <a:srgbClr val="000000">
-                <a:alpha val="35000"/>
-              </a:srgbClr>
-            </a:outerShdw>
-          </a:effectLst>
-          <a:scene3d>
-            <a:camera prst="orthographicFront">
-              <a:rot lat="0" lon="0" rev="0"/>
-            </a:camera>
-            <a:lightRig rig="threePt" dir="t">
-              <a:rot lat="0" lon="0" rev="1200000"/>
-            </a:lightRig>
-          </a:scene3d>
-          <a:sp3d>
-            <a:bevelT w="63500" h="25400"/>
-          </a:sp3d>
-        </a:effectStyle>
-      </a:effectStyleLst>
-      <a:bgFillStyleLst>
-        <a:solidFill>
-          <a:schemeClr val="phClr"/>
-        </a:solidFill>
-        <a:gradFill rotWithShape="1">
-          <a:gsLst>
-            <a:gs pos="0">
-              <a:schemeClr val="phClr">
-                <a:tint val="40000"/>
-                <a:satMod val="350000"/>
-              </a:schemeClr>
-            </a:gs>
-            <a:gs pos="40000">
-              <a:schemeClr val="phClr">
-                <a:tint val="45000"/>
-                <a:shade val="99000"/>
-                <a:satMod val="350000"/>
-              </a:schemeClr>
-            </a:gs>
-            <a:gs pos="100000">
-              <a:schemeClr val="phClr">
-                <a:shade val="20000"/>
-                <a:satMod val="255000"/>
-              </a:schemeClr>
-            </a:gs>
-          </a:gsLst>
-          <a:path path="circle">
-            <a:fillToRect l="50000" t="-80000" r="50000" b="180000"/>
-          </a:path>
-        </a:gradFill>
-        <a:gradFill rotWithShape="1">
-          <a:gsLst>
-            <a:gs pos="0">
-              <a:schemeClr val="phClr">
-                <a:tint val="80000"/>
-                <a:satMod val="300000"/>
-              </a:schemeClr>
-            </a:gs>
-            <a:gs pos="100000">
-              <a:schemeClr val="phClr">
-                <a:shade val="30000"/>
-                <a:satMod val="200000"/>
-              </a:schemeClr>
-            </a:gs>
-          </a:gsLst>
-          <a:path path="circle">
-            <a:fillToRect l="50000" t="50000" r="50000" b="50000"/>
-          </a:path>
-        </a:gradFill>
-      </a:bgFillStyleLst>
-    </a:fmtScheme>
-  </a:themeElements>
-</a:theme>
 </file>
--- a/Data Visualization pt. 1/Data Visualization pt. 1.pptx
+++ b/Data Visualization pt. 1/Data Visualization pt. 1.pptx
@@ -5,7 +5,7 @@
     <p:sldMasterId id="2147483659" r:id="rId1"/>
   </p:sldMasterIdLst>
   <p:notesMasterIdLst>
-    <p:notesMasterId r:id="rId80"/>
+    <p:notesMasterId r:id="rId82"/>
   </p:notesMasterIdLst>
   <p:sldIdLst>
     <p:sldId id="256" r:id="rId2"/>
@@ -18,74 +18,76 @@
     <p:sldId id="334" r:id="rId9"/>
     <p:sldId id="335" r:id="rId10"/>
     <p:sldId id="260" r:id="rId11"/>
-    <p:sldId id="261" r:id="rId12"/>
-    <p:sldId id="262" r:id="rId13"/>
-    <p:sldId id="263" r:id="rId14"/>
-    <p:sldId id="264" r:id="rId15"/>
-    <p:sldId id="265" r:id="rId16"/>
-    <p:sldId id="266" r:id="rId17"/>
-    <p:sldId id="267" r:id="rId18"/>
-    <p:sldId id="268" r:id="rId19"/>
-    <p:sldId id="269" r:id="rId20"/>
-    <p:sldId id="270" r:id="rId21"/>
-    <p:sldId id="271" r:id="rId22"/>
-    <p:sldId id="272" r:id="rId23"/>
-    <p:sldId id="273" r:id="rId24"/>
-    <p:sldId id="274" r:id="rId25"/>
-    <p:sldId id="275" r:id="rId26"/>
-    <p:sldId id="276" r:id="rId27"/>
-    <p:sldId id="277" r:id="rId28"/>
-    <p:sldId id="278" r:id="rId29"/>
-    <p:sldId id="279" r:id="rId30"/>
-    <p:sldId id="280" r:id="rId31"/>
-    <p:sldId id="281" r:id="rId32"/>
-    <p:sldId id="282" r:id="rId33"/>
-    <p:sldId id="283" r:id="rId34"/>
-    <p:sldId id="284" r:id="rId35"/>
-    <p:sldId id="285" r:id="rId36"/>
-    <p:sldId id="286" r:id="rId37"/>
-    <p:sldId id="287" r:id="rId38"/>
-    <p:sldId id="288" r:id="rId39"/>
-    <p:sldId id="289" r:id="rId40"/>
-    <p:sldId id="290" r:id="rId41"/>
-    <p:sldId id="291" r:id="rId42"/>
-    <p:sldId id="292" r:id="rId43"/>
-    <p:sldId id="293" r:id="rId44"/>
-    <p:sldId id="294" r:id="rId45"/>
-    <p:sldId id="295" r:id="rId46"/>
-    <p:sldId id="296" r:id="rId47"/>
-    <p:sldId id="297" r:id="rId48"/>
-    <p:sldId id="298" r:id="rId49"/>
-    <p:sldId id="299" r:id="rId50"/>
-    <p:sldId id="300" r:id="rId51"/>
-    <p:sldId id="327" r:id="rId52"/>
-    <p:sldId id="328" r:id="rId53"/>
-    <p:sldId id="301" r:id="rId54"/>
-    <p:sldId id="302" r:id="rId55"/>
-    <p:sldId id="303" r:id="rId56"/>
-    <p:sldId id="304" r:id="rId57"/>
-    <p:sldId id="305" r:id="rId58"/>
-    <p:sldId id="306" r:id="rId59"/>
-    <p:sldId id="307" r:id="rId60"/>
-    <p:sldId id="308" r:id="rId61"/>
-    <p:sldId id="309" r:id="rId62"/>
-    <p:sldId id="310" r:id="rId63"/>
-    <p:sldId id="311" r:id="rId64"/>
-    <p:sldId id="312" r:id="rId65"/>
-    <p:sldId id="313" r:id="rId66"/>
-    <p:sldId id="314" r:id="rId67"/>
-    <p:sldId id="315" r:id="rId68"/>
-    <p:sldId id="316" r:id="rId69"/>
-    <p:sldId id="317" r:id="rId70"/>
-    <p:sldId id="318" r:id="rId71"/>
-    <p:sldId id="319" r:id="rId72"/>
-    <p:sldId id="320" r:id="rId73"/>
-    <p:sldId id="321" r:id="rId74"/>
-    <p:sldId id="322" r:id="rId75"/>
-    <p:sldId id="323" r:id="rId76"/>
-    <p:sldId id="324" r:id="rId77"/>
-    <p:sldId id="325" r:id="rId78"/>
-    <p:sldId id="326" r:id="rId79"/>
+    <p:sldId id="337" r:id="rId12"/>
+    <p:sldId id="336" r:id="rId13"/>
+    <p:sldId id="261" r:id="rId14"/>
+    <p:sldId id="262" r:id="rId15"/>
+    <p:sldId id="263" r:id="rId16"/>
+    <p:sldId id="264" r:id="rId17"/>
+    <p:sldId id="265" r:id="rId18"/>
+    <p:sldId id="266" r:id="rId19"/>
+    <p:sldId id="267" r:id="rId20"/>
+    <p:sldId id="268" r:id="rId21"/>
+    <p:sldId id="269" r:id="rId22"/>
+    <p:sldId id="270" r:id="rId23"/>
+    <p:sldId id="271" r:id="rId24"/>
+    <p:sldId id="272" r:id="rId25"/>
+    <p:sldId id="273" r:id="rId26"/>
+    <p:sldId id="274" r:id="rId27"/>
+    <p:sldId id="275" r:id="rId28"/>
+    <p:sldId id="276" r:id="rId29"/>
+    <p:sldId id="277" r:id="rId30"/>
+    <p:sldId id="278" r:id="rId31"/>
+    <p:sldId id="279" r:id="rId32"/>
+    <p:sldId id="280" r:id="rId33"/>
+    <p:sldId id="281" r:id="rId34"/>
+    <p:sldId id="282" r:id="rId35"/>
+    <p:sldId id="283" r:id="rId36"/>
+    <p:sldId id="284" r:id="rId37"/>
+    <p:sldId id="285" r:id="rId38"/>
+    <p:sldId id="286" r:id="rId39"/>
+    <p:sldId id="287" r:id="rId40"/>
+    <p:sldId id="288" r:id="rId41"/>
+    <p:sldId id="289" r:id="rId42"/>
+    <p:sldId id="290" r:id="rId43"/>
+    <p:sldId id="291" r:id="rId44"/>
+    <p:sldId id="292" r:id="rId45"/>
+    <p:sldId id="293" r:id="rId46"/>
+    <p:sldId id="294" r:id="rId47"/>
+    <p:sldId id="295" r:id="rId48"/>
+    <p:sldId id="296" r:id="rId49"/>
+    <p:sldId id="297" r:id="rId50"/>
+    <p:sldId id="298" r:id="rId51"/>
+    <p:sldId id="299" r:id="rId52"/>
+    <p:sldId id="300" r:id="rId53"/>
+    <p:sldId id="327" r:id="rId54"/>
+    <p:sldId id="328" r:id="rId55"/>
+    <p:sldId id="301" r:id="rId56"/>
+    <p:sldId id="302" r:id="rId57"/>
+    <p:sldId id="303" r:id="rId58"/>
+    <p:sldId id="304" r:id="rId59"/>
+    <p:sldId id="305" r:id="rId60"/>
+    <p:sldId id="306" r:id="rId61"/>
+    <p:sldId id="307" r:id="rId62"/>
+    <p:sldId id="308" r:id="rId63"/>
+    <p:sldId id="309" r:id="rId64"/>
+    <p:sldId id="310" r:id="rId65"/>
+    <p:sldId id="311" r:id="rId66"/>
+    <p:sldId id="312" r:id="rId67"/>
+    <p:sldId id="313" r:id="rId68"/>
+    <p:sldId id="314" r:id="rId69"/>
+    <p:sldId id="315" r:id="rId70"/>
+    <p:sldId id="316" r:id="rId71"/>
+    <p:sldId id="317" r:id="rId72"/>
+    <p:sldId id="318" r:id="rId73"/>
+    <p:sldId id="319" r:id="rId74"/>
+    <p:sldId id="320" r:id="rId75"/>
+    <p:sldId id="321" r:id="rId76"/>
+    <p:sldId id="322" r:id="rId77"/>
+    <p:sldId id="323" r:id="rId78"/>
+    <p:sldId id="324" r:id="rId79"/>
+    <p:sldId id="325" r:id="rId80"/>
+    <p:sldId id="326" r:id="rId81"/>
   </p:sldIdLst>
   <p:sldSz cx="9144000" cy="5143500" type="screen16x9"/>
   <p:notesSz cx="6858000" cy="9144000"/>
@@ -887,7 +889,7 @@
   <p:cSld>
     <p:spTree>
       <p:nvGrpSpPr>
-        <p:cNvPr id="1" name="Shape 115"/>
+        <p:cNvPr id="1" name="Shape 102"/>
         <p:cNvGrpSpPr/>
         <p:nvPr/>
       </p:nvGrpSpPr>
@@ -901,7 +903,7 @@
       </p:grpSpPr>
       <p:sp>
         <p:nvSpPr>
-          <p:cNvPr id="116" name="Google Shape;116;g2ee24c4f4fb_0_79:notes"/>
+          <p:cNvPr id="103" name="Google Shape;103;g2ee24c4f4fb_0_112:notes"/>
           <p:cNvSpPr>
             <a:spLocks noGrp="1" noRot="1" noChangeAspect="1"/>
           </p:cNvSpPr>
@@ -942,7 +944,7 @@
       </p:sp>
       <p:sp>
         <p:nvSpPr>
-          <p:cNvPr id="117" name="Google Shape;117;g2ee24c4f4fb_0_79:notes"/>
+          <p:cNvPr id="104" name="Google Shape;104;g2ee24c4f4fb_0_112:notes"/>
           <p:cNvSpPr txBox="1">
             <a:spLocks noGrp="1"/>
           </p:cNvSpPr>
@@ -991,7 +993,7 @@
   <p:cSld>
     <p:spTree>
       <p:nvGrpSpPr>
-        <p:cNvPr id="1" name="Shape 129"/>
+        <p:cNvPr id="1" name="Shape 115"/>
         <p:cNvGrpSpPr/>
         <p:nvPr/>
       </p:nvGrpSpPr>
@@ -1005,7 +1007,7 @@
       </p:grpSpPr>
       <p:sp>
         <p:nvSpPr>
-          <p:cNvPr id="130" name="Google Shape;130;g2ee24c4f4fb_0_311:notes"/>
+          <p:cNvPr id="116" name="Google Shape;116;g2ee24c4f4fb_0_79:notes"/>
           <p:cNvSpPr>
             <a:spLocks noGrp="1" noRot="1" noChangeAspect="1"/>
           </p:cNvSpPr>
@@ -1046,7 +1048,7 @@
       </p:sp>
       <p:sp>
         <p:nvSpPr>
-          <p:cNvPr id="131" name="Google Shape;131;g2ee24c4f4fb_0_311:notes"/>
+          <p:cNvPr id="117" name="Google Shape;117;g2ee24c4f4fb_0_79:notes"/>
           <p:cNvSpPr txBox="1">
             <a:spLocks noGrp="1"/>
           </p:cNvSpPr>
@@ -1095,7 +1097,7 @@
   <p:cSld>
     <p:spTree>
       <p:nvGrpSpPr>
-        <p:cNvPr id="1" name="Shape 134"/>
+        <p:cNvPr id="1" name="Shape 129"/>
         <p:cNvGrpSpPr/>
         <p:nvPr/>
       </p:nvGrpSpPr>
@@ -1109,7 +1111,7 @@
       </p:grpSpPr>
       <p:sp>
         <p:nvSpPr>
-          <p:cNvPr id="135" name="Google Shape;135;g2ee24c4f4fb_0_333:notes"/>
+          <p:cNvPr id="130" name="Google Shape;130;g2ee24c4f4fb_0_311:notes"/>
           <p:cNvSpPr>
             <a:spLocks noGrp="1" noRot="1" noChangeAspect="1"/>
           </p:cNvSpPr>
@@ -1150,7 +1152,7 @@
       </p:sp>
       <p:sp>
         <p:nvSpPr>
-          <p:cNvPr id="136" name="Google Shape;136;g2ee24c4f4fb_0_333:notes"/>
+          <p:cNvPr id="131" name="Google Shape;131;g2ee24c4f4fb_0_311:notes"/>
           <p:cNvSpPr txBox="1">
             <a:spLocks noGrp="1"/>
           </p:cNvSpPr>
@@ -1199,7 +1201,7 @@
   <p:cSld>
     <p:spTree>
       <p:nvGrpSpPr>
-        <p:cNvPr id="1" name="Shape 142"/>
+        <p:cNvPr id="1" name="Shape 134"/>
         <p:cNvGrpSpPr/>
         <p:nvPr/>
       </p:nvGrpSpPr>
@@ -1213,7 +1215,7 @@
       </p:grpSpPr>
       <p:sp>
         <p:nvSpPr>
-          <p:cNvPr id="143" name="Google Shape;143;g2ee24c4f4fb_0_38:notes"/>
+          <p:cNvPr id="135" name="Google Shape;135;g2ee24c4f4fb_0_333:notes"/>
           <p:cNvSpPr>
             <a:spLocks noGrp="1" noRot="1" noChangeAspect="1"/>
           </p:cNvSpPr>
@@ -1254,7 +1256,7 @@
       </p:sp>
       <p:sp>
         <p:nvSpPr>
-          <p:cNvPr id="144" name="Google Shape;144;g2ee24c4f4fb_0_38:notes"/>
+          <p:cNvPr id="136" name="Google Shape;136;g2ee24c4f4fb_0_333:notes"/>
           <p:cNvSpPr txBox="1">
             <a:spLocks noGrp="1"/>
           </p:cNvSpPr>
@@ -1303,7 +1305,7 @@
   <p:cSld>
     <p:spTree>
       <p:nvGrpSpPr>
-        <p:cNvPr id="1" name="Shape 147"/>
+        <p:cNvPr id="1" name="Shape 142"/>
         <p:cNvGrpSpPr/>
         <p:nvPr/>
       </p:nvGrpSpPr>
@@ -1317,7 +1319,7 @@
       </p:grpSpPr>
       <p:sp>
         <p:nvSpPr>
-          <p:cNvPr id="148" name="Google Shape;148;g2ee24c4f4fb_0_136:notes"/>
+          <p:cNvPr id="143" name="Google Shape;143;g2ee24c4f4fb_0_38:notes"/>
           <p:cNvSpPr>
             <a:spLocks noGrp="1" noRot="1" noChangeAspect="1"/>
           </p:cNvSpPr>
@@ -1358,7 +1360,7 @@
       </p:sp>
       <p:sp>
         <p:nvSpPr>
-          <p:cNvPr id="149" name="Google Shape;149;g2ee24c4f4fb_0_136:notes"/>
+          <p:cNvPr id="144" name="Google Shape;144;g2ee24c4f4fb_0_38:notes"/>
           <p:cNvSpPr txBox="1">
             <a:spLocks noGrp="1"/>
           </p:cNvSpPr>
@@ -1407,7 +1409,7 @@
   <p:cSld>
     <p:spTree>
       <p:nvGrpSpPr>
-        <p:cNvPr id="1" name="Shape 152"/>
+        <p:cNvPr id="1" name="Shape 147"/>
         <p:cNvGrpSpPr/>
         <p:nvPr/>
       </p:nvGrpSpPr>
@@ -1421,7 +1423,7 @@
       </p:grpSpPr>
       <p:sp>
         <p:nvSpPr>
-          <p:cNvPr id="153" name="Google Shape;153;g2ee24c4f4fb_0_196:notes"/>
+          <p:cNvPr id="148" name="Google Shape;148;g2ee24c4f4fb_0_136:notes"/>
           <p:cNvSpPr>
             <a:spLocks noGrp="1" noRot="1" noChangeAspect="1"/>
           </p:cNvSpPr>
@@ -1462,7 +1464,7 @@
       </p:sp>
       <p:sp>
         <p:nvSpPr>
-          <p:cNvPr id="154" name="Google Shape;154;g2ee24c4f4fb_0_196:notes"/>
+          <p:cNvPr id="149" name="Google Shape;149;g2ee24c4f4fb_0_136:notes"/>
           <p:cNvSpPr txBox="1">
             <a:spLocks noGrp="1"/>
           </p:cNvSpPr>
@@ -1511,7 +1513,7 @@
   <p:cSld>
     <p:spTree>
       <p:nvGrpSpPr>
-        <p:cNvPr id="1" name="Shape 157"/>
+        <p:cNvPr id="1" name="Shape 152"/>
         <p:cNvGrpSpPr/>
         <p:nvPr/>
       </p:nvGrpSpPr>
@@ -1525,7 +1527,7 @@
       </p:grpSpPr>
       <p:sp>
         <p:nvSpPr>
-          <p:cNvPr id="158" name="Google Shape;158;g2ee24c4f4fb_0_199:notes"/>
+          <p:cNvPr id="153" name="Google Shape;153;g2ee24c4f4fb_0_196:notes"/>
           <p:cNvSpPr>
             <a:spLocks noGrp="1" noRot="1" noChangeAspect="1"/>
           </p:cNvSpPr>
@@ -1566,7 +1568,7 @@
       </p:sp>
       <p:sp>
         <p:nvSpPr>
-          <p:cNvPr id="159" name="Google Shape;159;g2ee24c4f4fb_0_199:notes"/>
+          <p:cNvPr id="154" name="Google Shape;154;g2ee24c4f4fb_0_196:notes"/>
           <p:cNvSpPr txBox="1">
             <a:spLocks noGrp="1"/>
           </p:cNvSpPr>
@@ -1615,7 +1617,7 @@
   <p:cSld>
     <p:spTree>
       <p:nvGrpSpPr>
-        <p:cNvPr id="1" name="Shape 162"/>
+        <p:cNvPr id="1" name="Shape 157"/>
         <p:cNvGrpSpPr/>
         <p:nvPr/>
       </p:nvGrpSpPr>
@@ -1629,7 +1631,7 @@
       </p:grpSpPr>
       <p:sp>
         <p:nvSpPr>
-          <p:cNvPr id="163" name="Google Shape;163;g2ee24c4f4fb_0_125:notes"/>
+          <p:cNvPr id="158" name="Google Shape;158;g2ee24c4f4fb_0_199:notes"/>
           <p:cNvSpPr>
             <a:spLocks noGrp="1" noRot="1" noChangeAspect="1"/>
           </p:cNvSpPr>
@@ -1670,7 +1672,7 @@
       </p:sp>
       <p:sp>
         <p:nvSpPr>
-          <p:cNvPr id="164" name="Google Shape;164;g2ee24c4f4fb_0_125:notes"/>
+          <p:cNvPr id="159" name="Google Shape;159;g2ee24c4f4fb_0_199:notes"/>
           <p:cNvSpPr txBox="1">
             <a:spLocks noGrp="1"/>
           </p:cNvSpPr>
@@ -1719,7 +1721,7 @@
   <p:cSld>
     <p:spTree>
       <p:nvGrpSpPr>
-        <p:cNvPr id="1" name="Shape 168"/>
+        <p:cNvPr id="1" name="Shape 162"/>
         <p:cNvGrpSpPr/>
         <p:nvPr/>
       </p:nvGrpSpPr>
@@ -1733,7 +1735,7 @@
       </p:grpSpPr>
       <p:sp>
         <p:nvSpPr>
-          <p:cNvPr id="169" name="Google Shape;169;g2ee24c4f4fb_0_206:notes"/>
+          <p:cNvPr id="163" name="Google Shape;163;g2ee24c4f4fb_0_125:notes"/>
           <p:cNvSpPr>
             <a:spLocks noGrp="1" noRot="1" noChangeAspect="1"/>
           </p:cNvSpPr>
@@ -1774,7 +1776,7 @@
       </p:sp>
       <p:sp>
         <p:nvSpPr>
-          <p:cNvPr id="170" name="Google Shape;170;g2ee24c4f4fb_0_206:notes"/>
+          <p:cNvPr id="164" name="Google Shape;164;g2ee24c4f4fb_0_125:notes"/>
           <p:cNvSpPr txBox="1">
             <a:spLocks noGrp="1"/>
           </p:cNvSpPr>
@@ -1823,7 +1825,7 @@
   <p:cSld>
     <p:spTree>
       <p:nvGrpSpPr>
-        <p:cNvPr id="1" name="Shape 174"/>
+        <p:cNvPr id="1" name="Shape 168"/>
         <p:cNvGrpSpPr/>
         <p:nvPr/>
       </p:nvGrpSpPr>
@@ -1837,7 +1839,7 @@
       </p:grpSpPr>
       <p:sp>
         <p:nvSpPr>
-          <p:cNvPr id="175" name="Google Shape;175;g30cd17bb570_0_71:notes"/>
+          <p:cNvPr id="169" name="Google Shape;169;g2ee24c4f4fb_0_206:notes"/>
           <p:cNvSpPr>
             <a:spLocks noGrp="1" noRot="1" noChangeAspect="1"/>
           </p:cNvSpPr>
@@ -1878,7 +1880,7 @@
       </p:sp>
       <p:sp>
         <p:nvSpPr>
-          <p:cNvPr id="176" name="Google Shape;176;g30cd17bb570_0_71:notes"/>
+          <p:cNvPr id="170" name="Google Shape;170;g2ee24c4f4fb_0_206:notes"/>
           <p:cNvSpPr txBox="1">
             <a:spLocks noGrp="1"/>
           </p:cNvSpPr>
@@ -2031,7 +2033,7 @@
   <p:cSld>
     <p:spTree>
       <p:nvGrpSpPr>
-        <p:cNvPr id="1" name="Shape 179"/>
+        <p:cNvPr id="1" name="Shape 174"/>
         <p:cNvGrpSpPr/>
         <p:nvPr/>
       </p:nvGrpSpPr>
@@ -2045,7 +2047,7 @@
       </p:grpSpPr>
       <p:sp>
         <p:nvSpPr>
-          <p:cNvPr id="180" name="Google Shape;180;g30cd17bb570_0_75:notes"/>
+          <p:cNvPr id="175" name="Google Shape;175;g30cd17bb570_0_71:notes"/>
           <p:cNvSpPr>
             <a:spLocks noGrp="1" noRot="1" noChangeAspect="1"/>
           </p:cNvSpPr>
@@ -2086,7 +2088,7 @@
       </p:sp>
       <p:sp>
         <p:nvSpPr>
-          <p:cNvPr id="181" name="Google Shape;181;g30cd17bb570_0_75:notes"/>
+          <p:cNvPr id="176" name="Google Shape;176;g30cd17bb570_0_71:notes"/>
           <p:cNvSpPr txBox="1">
             <a:spLocks noGrp="1"/>
           </p:cNvSpPr>
@@ -2135,7 +2137,7 @@
   <p:cSld>
     <p:spTree>
       <p:nvGrpSpPr>
-        <p:cNvPr id="1" name="Shape 184"/>
+        <p:cNvPr id="1" name="Shape 179"/>
         <p:cNvGrpSpPr/>
         <p:nvPr/>
       </p:nvGrpSpPr>
@@ -2149,7 +2151,7 @@
       </p:grpSpPr>
       <p:sp>
         <p:nvSpPr>
-          <p:cNvPr id="185" name="Google Shape;185;g30cc7dbb75d_0_1:notes"/>
+          <p:cNvPr id="180" name="Google Shape;180;g30cd17bb570_0_75:notes"/>
           <p:cNvSpPr>
             <a:spLocks noGrp="1" noRot="1" noChangeAspect="1"/>
           </p:cNvSpPr>
@@ -2190,7 +2192,7 @@
       </p:sp>
       <p:sp>
         <p:nvSpPr>
-          <p:cNvPr id="186" name="Google Shape;186;g30cc7dbb75d_0_1:notes"/>
+          <p:cNvPr id="181" name="Google Shape;181;g30cd17bb570_0_75:notes"/>
           <p:cNvSpPr txBox="1">
             <a:spLocks noGrp="1"/>
           </p:cNvSpPr>
@@ -2239,7 +2241,7 @@
   <p:cSld>
     <p:spTree>
       <p:nvGrpSpPr>
-        <p:cNvPr id="1" name="Shape 191"/>
+        <p:cNvPr id="1" name="Shape 184"/>
         <p:cNvGrpSpPr/>
         <p:nvPr/>
       </p:nvGrpSpPr>
@@ -2253,7 +2255,7 @@
       </p:grpSpPr>
       <p:sp>
         <p:nvSpPr>
-          <p:cNvPr id="192" name="Google Shape;192;g30cd17bb570_0_7:notes"/>
+          <p:cNvPr id="185" name="Google Shape;185;g30cc7dbb75d_0_1:notes"/>
           <p:cNvSpPr>
             <a:spLocks noGrp="1" noRot="1" noChangeAspect="1"/>
           </p:cNvSpPr>
@@ -2294,7 +2296,7 @@
       </p:sp>
       <p:sp>
         <p:nvSpPr>
-          <p:cNvPr id="193" name="Google Shape;193;g30cd17bb570_0_7:notes"/>
+          <p:cNvPr id="186" name="Google Shape;186;g30cc7dbb75d_0_1:notes"/>
           <p:cNvSpPr txBox="1">
             <a:spLocks noGrp="1"/>
           </p:cNvSpPr>
@@ -2343,7 +2345,7 @@
   <p:cSld>
     <p:spTree>
       <p:nvGrpSpPr>
-        <p:cNvPr id="1" name="Shape 197"/>
+        <p:cNvPr id="1" name="Shape 191"/>
         <p:cNvGrpSpPr/>
         <p:nvPr/>
       </p:nvGrpSpPr>
@@ -2357,7 +2359,7 @@
       </p:grpSpPr>
       <p:sp>
         <p:nvSpPr>
-          <p:cNvPr id="198" name="Google Shape;198;g30cd17bb570_0_28:notes"/>
+          <p:cNvPr id="192" name="Google Shape;192;g30cd17bb570_0_7:notes"/>
           <p:cNvSpPr>
             <a:spLocks noGrp="1" noRot="1" noChangeAspect="1"/>
           </p:cNvSpPr>
@@ -2398,7 +2400,7 @@
       </p:sp>
       <p:sp>
         <p:nvSpPr>
-          <p:cNvPr id="199" name="Google Shape;199;g30cd17bb570_0_28:notes"/>
+          <p:cNvPr id="193" name="Google Shape;193;g30cd17bb570_0_7:notes"/>
           <p:cNvSpPr txBox="1">
             <a:spLocks noGrp="1"/>
           </p:cNvSpPr>
@@ -2447,7 +2449,7 @@
   <p:cSld>
     <p:spTree>
       <p:nvGrpSpPr>
-        <p:cNvPr id="1" name="Shape 204"/>
+        <p:cNvPr id="1" name="Shape 197"/>
         <p:cNvGrpSpPr/>
         <p:nvPr/>
       </p:nvGrpSpPr>
@@ -2461,7 +2463,7 @@
       </p:grpSpPr>
       <p:sp>
         <p:nvSpPr>
-          <p:cNvPr id="205" name="Google Shape;205;g30cd17bb570_0_36:notes"/>
+          <p:cNvPr id="198" name="Google Shape;198;g30cd17bb570_0_28:notes"/>
           <p:cNvSpPr>
             <a:spLocks noGrp="1" noRot="1" noChangeAspect="1"/>
           </p:cNvSpPr>
@@ -2502,7 +2504,7 @@
       </p:sp>
       <p:sp>
         <p:nvSpPr>
-          <p:cNvPr id="206" name="Google Shape;206;g30cd17bb570_0_36:notes"/>
+          <p:cNvPr id="199" name="Google Shape;199;g30cd17bb570_0_28:notes"/>
           <p:cNvSpPr txBox="1">
             <a:spLocks noGrp="1"/>
           </p:cNvSpPr>
@@ -2551,7 +2553,7 @@
   <p:cSld>
     <p:spTree>
       <p:nvGrpSpPr>
-        <p:cNvPr id="1" name="Shape 212"/>
+        <p:cNvPr id="1" name="Shape 204"/>
         <p:cNvGrpSpPr/>
         <p:nvPr/>
       </p:nvGrpSpPr>
@@ -2565,7 +2567,7 @@
       </p:grpSpPr>
       <p:sp>
         <p:nvSpPr>
-          <p:cNvPr id="213" name="Google Shape;213;g30cd17bb570_0_44:notes"/>
+          <p:cNvPr id="205" name="Google Shape;205;g30cd17bb570_0_36:notes"/>
           <p:cNvSpPr>
             <a:spLocks noGrp="1" noRot="1" noChangeAspect="1"/>
           </p:cNvSpPr>
@@ -2606,7 +2608,7 @@
       </p:sp>
       <p:sp>
         <p:nvSpPr>
-          <p:cNvPr id="214" name="Google Shape;214;g30cd17bb570_0_44:notes"/>
+          <p:cNvPr id="206" name="Google Shape;206;g30cd17bb570_0_36:notes"/>
           <p:cNvSpPr txBox="1">
             <a:spLocks noGrp="1"/>
           </p:cNvSpPr>
@@ -2655,7 +2657,7 @@
   <p:cSld>
     <p:spTree>
       <p:nvGrpSpPr>
-        <p:cNvPr id="1" name="Shape 221"/>
+        <p:cNvPr id="1" name="Shape 212"/>
         <p:cNvGrpSpPr/>
         <p:nvPr/>
       </p:nvGrpSpPr>
@@ -2669,7 +2671,7 @@
       </p:grpSpPr>
       <p:sp>
         <p:nvSpPr>
-          <p:cNvPr id="222" name="Google Shape;222;g30cd17bb570_0_52:notes"/>
+          <p:cNvPr id="213" name="Google Shape;213;g30cd17bb570_0_44:notes"/>
           <p:cNvSpPr>
             <a:spLocks noGrp="1" noRot="1" noChangeAspect="1"/>
           </p:cNvSpPr>
@@ -2710,7 +2712,7 @@
       </p:sp>
       <p:sp>
         <p:nvSpPr>
-          <p:cNvPr id="223" name="Google Shape;223;g30cd17bb570_0_52:notes"/>
+          <p:cNvPr id="214" name="Google Shape;214;g30cd17bb570_0_44:notes"/>
           <p:cNvSpPr txBox="1">
             <a:spLocks noGrp="1"/>
           </p:cNvSpPr>
@@ -2759,7 +2761,7 @@
   <p:cSld>
     <p:spTree>
       <p:nvGrpSpPr>
-        <p:cNvPr id="1" name="Shape 227"/>
+        <p:cNvPr id="1" name="Shape 221"/>
         <p:cNvGrpSpPr/>
         <p:nvPr/>
       </p:nvGrpSpPr>
@@ -2773,7 +2775,7 @@
       </p:grpSpPr>
       <p:sp>
         <p:nvSpPr>
-          <p:cNvPr id="228" name="Google Shape;228;g30cd17bb570_0_105:notes"/>
+          <p:cNvPr id="222" name="Google Shape;222;g30cd17bb570_0_52:notes"/>
           <p:cNvSpPr>
             <a:spLocks noGrp="1" noRot="1" noChangeAspect="1"/>
           </p:cNvSpPr>
@@ -2814,7 +2816,7 @@
       </p:sp>
       <p:sp>
         <p:nvSpPr>
-          <p:cNvPr id="229" name="Google Shape;229;g30cd17bb570_0_105:notes"/>
+          <p:cNvPr id="223" name="Google Shape;223;g30cd17bb570_0_52:notes"/>
           <p:cNvSpPr txBox="1">
             <a:spLocks noGrp="1"/>
           </p:cNvSpPr>
@@ -2863,7 +2865,7 @@
   <p:cSld>
     <p:spTree>
       <p:nvGrpSpPr>
-        <p:cNvPr id="1" name="Shape 234"/>
+        <p:cNvPr id="1" name="Shape 227"/>
         <p:cNvGrpSpPr/>
         <p:nvPr/>
       </p:nvGrpSpPr>
@@ -2877,7 +2879,7 @@
       </p:grpSpPr>
       <p:sp>
         <p:nvSpPr>
-          <p:cNvPr id="235" name="Google Shape;235;g30cd17bb570_0_112:notes"/>
+          <p:cNvPr id="228" name="Google Shape;228;g30cd17bb570_0_105:notes"/>
           <p:cNvSpPr>
             <a:spLocks noGrp="1" noRot="1" noChangeAspect="1"/>
           </p:cNvSpPr>
@@ -2918,7 +2920,7 @@
       </p:sp>
       <p:sp>
         <p:nvSpPr>
-          <p:cNvPr id="236" name="Google Shape;236;g30cd17bb570_0_112:notes"/>
+          <p:cNvPr id="229" name="Google Shape;229;g30cd17bb570_0_105:notes"/>
           <p:cNvSpPr txBox="1">
             <a:spLocks noGrp="1"/>
           </p:cNvSpPr>
@@ -2967,7 +2969,7 @@
   <p:cSld>
     <p:spTree>
       <p:nvGrpSpPr>
-        <p:cNvPr id="1" name="Shape 242"/>
+        <p:cNvPr id="1" name="Shape 234"/>
         <p:cNvGrpSpPr/>
         <p:nvPr/>
       </p:nvGrpSpPr>
@@ -2981,7 +2983,7 @@
       </p:grpSpPr>
       <p:sp>
         <p:nvSpPr>
-          <p:cNvPr id="243" name="Google Shape;243;g30cd17bb570_0_128:notes"/>
+          <p:cNvPr id="235" name="Google Shape;235;g30cd17bb570_0_112:notes"/>
           <p:cNvSpPr>
             <a:spLocks noGrp="1" noRot="1" noChangeAspect="1"/>
           </p:cNvSpPr>
@@ -3022,7 +3024,7 @@
       </p:sp>
       <p:sp>
         <p:nvSpPr>
-          <p:cNvPr id="244" name="Google Shape;244;g30cd17bb570_0_128:notes"/>
+          <p:cNvPr id="236" name="Google Shape;236;g30cd17bb570_0_112:notes"/>
           <p:cNvSpPr txBox="1">
             <a:spLocks noGrp="1"/>
           </p:cNvSpPr>
@@ -3175,7 +3177,7 @@
   <p:cSld>
     <p:spTree>
       <p:nvGrpSpPr>
-        <p:cNvPr id="1" name="Shape 248"/>
+        <p:cNvPr id="1" name="Shape 242"/>
         <p:cNvGrpSpPr/>
         <p:nvPr/>
       </p:nvGrpSpPr>
@@ -3189,7 +3191,7 @@
       </p:grpSpPr>
       <p:sp>
         <p:nvSpPr>
-          <p:cNvPr id="249" name="Google Shape;249;g30cd17bb570_0_134:notes"/>
+          <p:cNvPr id="243" name="Google Shape;243;g30cd17bb570_0_128:notes"/>
           <p:cNvSpPr>
             <a:spLocks noGrp="1" noRot="1" noChangeAspect="1"/>
           </p:cNvSpPr>
@@ -3230,7 +3232,7 @@
       </p:sp>
       <p:sp>
         <p:nvSpPr>
-          <p:cNvPr id="250" name="Google Shape;250;g30cd17bb570_0_134:notes"/>
+          <p:cNvPr id="244" name="Google Shape;244;g30cd17bb570_0_128:notes"/>
           <p:cNvSpPr txBox="1">
             <a:spLocks noGrp="1"/>
           </p:cNvSpPr>
@@ -3279,7 +3281,7 @@
   <p:cSld>
     <p:spTree>
       <p:nvGrpSpPr>
-        <p:cNvPr id="1" name="Shape 255"/>
+        <p:cNvPr id="1" name="Shape 248"/>
         <p:cNvGrpSpPr/>
         <p:nvPr/>
       </p:nvGrpSpPr>
@@ -3293,7 +3295,7 @@
       </p:grpSpPr>
       <p:sp>
         <p:nvSpPr>
-          <p:cNvPr id="256" name="Google Shape;256;g30cd17bb570_0_139:notes"/>
+          <p:cNvPr id="249" name="Google Shape;249;g30cd17bb570_0_134:notes"/>
           <p:cNvSpPr>
             <a:spLocks noGrp="1" noRot="1" noChangeAspect="1"/>
           </p:cNvSpPr>
@@ -3334,7 +3336,7 @@
       </p:sp>
       <p:sp>
         <p:nvSpPr>
-          <p:cNvPr id="257" name="Google Shape;257;g30cd17bb570_0_139:notes"/>
+          <p:cNvPr id="250" name="Google Shape;250;g30cd17bb570_0_134:notes"/>
           <p:cNvSpPr txBox="1">
             <a:spLocks noGrp="1"/>
           </p:cNvSpPr>
@@ -3383,7 +3385,7 @@
   <p:cSld>
     <p:spTree>
       <p:nvGrpSpPr>
-        <p:cNvPr id="1" name="Shape 261"/>
+        <p:cNvPr id="1" name="Shape 255"/>
         <p:cNvGrpSpPr/>
         <p:nvPr/>
       </p:nvGrpSpPr>
@@ -3397,7 +3399,7 @@
       </p:grpSpPr>
       <p:sp>
         <p:nvSpPr>
-          <p:cNvPr id="262" name="Google Shape;262;g30cd17bb570_0_147:notes"/>
+          <p:cNvPr id="256" name="Google Shape;256;g30cd17bb570_0_139:notes"/>
           <p:cNvSpPr>
             <a:spLocks noGrp="1" noRot="1" noChangeAspect="1"/>
           </p:cNvSpPr>
@@ -3438,7 +3440,7 @@
       </p:sp>
       <p:sp>
         <p:nvSpPr>
-          <p:cNvPr id="263" name="Google Shape;263;g30cd17bb570_0_147:notes"/>
+          <p:cNvPr id="257" name="Google Shape;257;g30cd17bb570_0_139:notes"/>
           <p:cNvSpPr txBox="1">
             <a:spLocks noGrp="1"/>
           </p:cNvSpPr>
@@ -3487,7 +3489,7 @@
   <p:cSld>
     <p:spTree>
       <p:nvGrpSpPr>
-        <p:cNvPr id="1" name="Shape 267"/>
+        <p:cNvPr id="1" name="Shape 261"/>
         <p:cNvGrpSpPr/>
         <p:nvPr/>
       </p:nvGrpSpPr>
@@ -3501,7 +3503,7 @@
       </p:grpSpPr>
       <p:sp>
         <p:nvSpPr>
-          <p:cNvPr id="268" name="Google Shape;268;g30cd17bb570_0_0:notes"/>
+          <p:cNvPr id="262" name="Google Shape;262;g30cd17bb570_0_147:notes"/>
           <p:cNvSpPr>
             <a:spLocks noGrp="1" noRot="1" noChangeAspect="1"/>
           </p:cNvSpPr>
@@ -3542,7 +3544,7 @@
       </p:sp>
       <p:sp>
         <p:nvSpPr>
-          <p:cNvPr id="269" name="Google Shape;269;g30cd17bb570_0_0:notes"/>
+          <p:cNvPr id="263" name="Google Shape;263;g30cd17bb570_0_147:notes"/>
           <p:cNvSpPr txBox="1">
             <a:spLocks noGrp="1"/>
           </p:cNvSpPr>
@@ -3591,7 +3593,7 @@
   <p:cSld>
     <p:spTree>
       <p:nvGrpSpPr>
-        <p:cNvPr id="1" name="Shape 273"/>
+        <p:cNvPr id="1" name="Shape 267"/>
         <p:cNvGrpSpPr/>
         <p:nvPr/>
       </p:nvGrpSpPr>
@@ -3605,7 +3607,7 @@
       </p:grpSpPr>
       <p:sp>
         <p:nvSpPr>
-          <p:cNvPr id="274" name="Google Shape;274;g30cc7dbb75d_0_7:notes"/>
+          <p:cNvPr id="268" name="Google Shape;268;g30cd17bb570_0_0:notes"/>
           <p:cNvSpPr>
             <a:spLocks noGrp="1" noRot="1" noChangeAspect="1"/>
           </p:cNvSpPr>
@@ -3646,7 +3648,7 @@
       </p:sp>
       <p:sp>
         <p:nvSpPr>
-          <p:cNvPr id="275" name="Google Shape;275;g30cc7dbb75d_0_7:notes"/>
+          <p:cNvPr id="269" name="Google Shape;269;g30cd17bb570_0_0:notes"/>
           <p:cNvSpPr txBox="1">
             <a:spLocks noGrp="1"/>
           </p:cNvSpPr>
@@ -3695,7 +3697,7 @@
   <p:cSld>
     <p:spTree>
       <p:nvGrpSpPr>
-        <p:cNvPr id="1" name="Shape 279"/>
+        <p:cNvPr id="1" name="Shape 273"/>
         <p:cNvGrpSpPr/>
         <p:nvPr/>
       </p:nvGrpSpPr>
@@ -3709,7 +3711,7 @@
       </p:grpSpPr>
       <p:sp>
         <p:nvSpPr>
-          <p:cNvPr id="280" name="Google Shape;280;g30cc7dbb75d_0_12:notes"/>
+          <p:cNvPr id="274" name="Google Shape;274;g30cc7dbb75d_0_7:notes"/>
           <p:cNvSpPr>
             <a:spLocks noGrp="1" noRot="1" noChangeAspect="1"/>
           </p:cNvSpPr>
@@ -3750,7 +3752,7 @@
       </p:sp>
       <p:sp>
         <p:nvSpPr>
-          <p:cNvPr id="281" name="Google Shape;281;g30cc7dbb75d_0_12:notes"/>
+          <p:cNvPr id="275" name="Google Shape;275;g30cc7dbb75d_0_7:notes"/>
           <p:cNvSpPr txBox="1">
             <a:spLocks noGrp="1"/>
           </p:cNvSpPr>
@@ -3799,7 +3801,7 @@
   <p:cSld>
     <p:spTree>
       <p:nvGrpSpPr>
-        <p:cNvPr id="1" name="Shape 285"/>
+        <p:cNvPr id="1" name="Shape 279"/>
         <p:cNvGrpSpPr/>
         <p:nvPr/>
       </p:nvGrpSpPr>
@@ -3813,7 +3815,7 @@
       </p:grpSpPr>
       <p:sp>
         <p:nvSpPr>
-          <p:cNvPr id="286" name="Google Shape;286;g30cc7dbb75d_0_17:notes"/>
+          <p:cNvPr id="280" name="Google Shape;280;g30cc7dbb75d_0_12:notes"/>
           <p:cNvSpPr>
             <a:spLocks noGrp="1" noRot="1" noChangeAspect="1"/>
           </p:cNvSpPr>
@@ -3854,7 +3856,7 @@
       </p:sp>
       <p:sp>
         <p:nvSpPr>
-          <p:cNvPr id="287" name="Google Shape;287;g30cc7dbb75d_0_17:notes"/>
+          <p:cNvPr id="281" name="Google Shape;281;g30cc7dbb75d_0_12:notes"/>
           <p:cNvSpPr txBox="1">
             <a:spLocks noGrp="1"/>
           </p:cNvSpPr>
@@ -3903,7 +3905,7 @@
   <p:cSld>
     <p:spTree>
       <p:nvGrpSpPr>
-        <p:cNvPr id="1" name="Shape 291"/>
+        <p:cNvPr id="1" name="Shape 285"/>
         <p:cNvGrpSpPr/>
         <p:nvPr/>
       </p:nvGrpSpPr>
@@ -3917,7 +3919,7 @@
       </p:grpSpPr>
       <p:sp>
         <p:nvSpPr>
-          <p:cNvPr id="292" name="Google Shape;292;g30cc7dbb75d_0_23:notes"/>
+          <p:cNvPr id="286" name="Google Shape;286;g30cc7dbb75d_0_17:notes"/>
           <p:cNvSpPr>
             <a:spLocks noGrp="1" noRot="1" noChangeAspect="1"/>
           </p:cNvSpPr>
@@ -3958,7 +3960,7 @@
       </p:sp>
       <p:sp>
         <p:nvSpPr>
-          <p:cNvPr id="293" name="Google Shape;293;g30cc7dbb75d_0_23:notes"/>
+          <p:cNvPr id="287" name="Google Shape;287;g30cc7dbb75d_0_17:notes"/>
           <p:cNvSpPr txBox="1">
             <a:spLocks noGrp="1"/>
           </p:cNvSpPr>
@@ -4007,7 +4009,7 @@
   <p:cSld>
     <p:spTree>
       <p:nvGrpSpPr>
-        <p:cNvPr id="1" name="Shape 297"/>
+        <p:cNvPr id="1" name="Shape 291"/>
         <p:cNvGrpSpPr/>
         <p:nvPr/>
       </p:nvGrpSpPr>
@@ -4021,7 +4023,7 @@
       </p:grpSpPr>
       <p:sp>
         <p:nvSpPr>
-          <p:cNvPr id="298" name="Google Shape;298;g30cc7dbb75d_0_28:notes"/>
+          <p:cNvPr id="292" name="Google Shape;292;g30cc7dbb75d_0_23:notes"/>
           <p:cNvSpPr>
             <a:spLocks noGrp="1" noRot="1" noChangeAspect="1"/>
           </p:cNvSpPr>
@@ -4062,7 +4064,7 @@
       </p:sp>
       <p:sp>
         <p:nvSpPr>
-          <p:cNvPr id="299" name="Google Shape;299;g30cc7dbb75d_0_28:notes"/>
+          <p:cNvPr id="293" name="Google Shape;293;g30cc7dbb75d_0_23:notes"/>
           <p:cNvSpPr txBox="1">
             <a:spLocks noGrp="1"/>
           </p:cNvSpPr>
@@ -4111,7 +4113,7 @@
   <p:cSld>
     <p:spTree>
       <p:nvGrpSpPr>
-        <p:cNvPr id="1" name="Shape 303"/>
+        <p:cNvPr id="1" name="Shape 297"/>
         <p:cNvGrpSpPr/>
         <p:nvPr/>
       </p:nvGrpSpPr>
@@ -4125,7 +4127,7 @@
       </p:grpSpPr>
       <p:sp>
         <p:nvSpPr>
-          <p:cNvPr id="304" name="Google Shape;304;g30cc7dbb75d_0_33:notes"/>
+          <p:cNvPr id="298" name="Google Shape;298;g30cc7dbb75d_0_28:notes"/>
           <p:cNvSpPr>
             <a:spLocks noGrp="1" noRot="1" noChangeAspect="1"/>
           </p:cNvSpPr>
@@ -4166,7 +4168,7 @@
       </p:sp>
       <p:sp>
         <p:nvSpPr>
-          <p:cNvPr id="305" name="Google Shape;305;g30cc7dbb75d_0_33:notes"/>
+          <p:cNvPr id="299" name="Google Shape;299;g30cc7dbb75d_0_28:notes"/>
           <p:cNvSpPr txBox="1">
             <a:spLocks noGrp="1"/>
           </p:cNvSpPr>
@@ -4319,7 +4321,7 @@
   <p:cSld>
     <p:spTree>
       <p:nvGrpSpPr>
-        <p:cNvPr id="1" name="Shape 309"/>
+        <p:cNvPr id="1" name="Shape 303"/>
         <p:cNvGrpSpPr/>
         <p:nvPr/>
       </p:nvGrpSpPr>
@@ -4333,7 +4335,7 @@
       </p:grpSpPr>
       <p:sp>
         <p:nvSpPr>
-          <p:cNvPr id="310" name="Google Shape;310;g30cc7dbb75d_0_38:notes"/>
+          <p:cNvPr id="304" name="Google Shape;304;g30cc7dbb75d_0_33:notes"/>
           <p:cNvSpPr>
             <a:spLocks noGrp="1" noRot="1" noChangeAspect="1"/>
           </p:cNvSpPr>
@@ -4374,7 +4376,7 @@
       </p:sp>
       <p:sp>
         <p:nvSpPr>
-          <p:cNvPr id="311" name="Google Shape;311;g30cc7dbb75d_0_38:notes"/>
+          <p:cNvPr id="305" name="Google Shape;305;g30cc7dbb75d_0_33:notes"/>
           <p:cNvSpPr txBox="1">
             <a:spLocks noGrp="1"/>
           </p:cNvSpPr>
@@ -4423,7 +4425,7 @@
   <p:cSld>
     <p:spTree>
       <p:nvGrpSpPr>
-        <p:cNvPr id="1" name="Shape 315"/>
+        <p:cNvPr id="1" name="Shape 309"/>
         <p:cNvGrpSpPr/>
         <p:nvPr/>
       </p:nvGrpSpPr>
@@ -4437,7 +4439,7 @@
       </p:grpSpPr>
       <p:sp>
         <p:nvSpPr>
-          <p:cNvPr id="316" name="Google Shape;316;g30cc7dbb75d_0_43:notes"/>
+          <p:cNvPr id="310" name="Google Shape;310;g30cc7dbb75d_0_38:notes"/>
           <p:cNvSpPr>
             <a:spLocks noGrp="1" noRot="1" noChangeAspect="1"/>
           </p:cNvSpPr>
@@ -4478,7 +4480,7 @@
       </p:sp>
       <p:sp>
         <p:nvSpPr>
-          <p:cNvPr id="317" name="Google Shape;317;g30cc7dbb75d_0_43:notes"/>
+          <p:cNvPr id="311" name="Google Shape;311;g30cc7dbb75d_0_38:notes"/>
           <p:cNvSpPr txBox="1">
             <a:spLocks noGrp="1"/>
           </p:cNvSpPr>
@@ -4527,7 +4529,7 @@
   <p:cSld>
     <p:spTree>
       <p:nvGrpSpPr>
-        <p:cNvPr id="1" name="Shape 321"/>
+        <p:cNvPr id="1" name="Shape 315"/>
         <p:cNvGrpSpPr/>
         <p:nvPr/>
       </p:nvGrpSpPr>
@@ -4541,7 +4543,7 @@
       </p:grpSpPr>
       <p:sp>
         <p:nvSpPr>
-          <p:cNvPr id="322" name="Google Shape;322;g30cc7dbb75d_0_48:notes"/>
+          <p:cNvPr id="316" name="Google Shape;316;g30cc7dbb75d_0_43:notes"/>
           <p:cNvSpPr>
             <a:spLocks noGrp="1" noRot="1" noChangeAspect="1"/>
           </p:cNvSpPr>
@@ -4582,7 +4584,7 @@
       </p:sp>
       <p:sp>
         <p:nvSpPr>
-          <p:cNvPr id="323" name="Google Shape;323;g30cc7dbb75d_0_48:notes"/>
+          <p:cNvPr id="317" name="Google Shape;317;g30cc7dbb75d_0_43:notes"/>
           <p:cNvSpPr txBox="1">
             <a:spLocks noGrp="1"/>
           </p:cNvSpPr>
@@ -4631,7 +4633,7 @@
   <p:cSld>
     <p:spTree>
       <p:nvGrpSpPr>
-        <p:cNvPr id="1" name="Shape 327"/>
+        <p:cNvPr id="1" name="Shape 321"/>
         <p:cNvGrpSpPr/>
         <p:nvPr/>
       </p:nvGrpSpPr>
@@ -4645,7 +4647,7 @@
       </p:grpSpPr>
       <p:sp>
         <p:nvSpPr>
-          <p:cNvPr id="328" name="Google Shape;328;g30cc7dbb75d_0_54:notes"/>
+          <p:cNvPr id="322" name="Google Shape;322;g30cc7dbb75d_0_48:notes"/>
           <p:cNvSpPr>
             <a:spLocks noGrp="1" noRot="1" noChangeAspect="1"/>
           </p:cNvSpPr>
@@ -4686,7 +4688,7 @@
       </p:sp>
       <p:sp>
         <p:nvSpPr>
-          <p:cNvPr id="329" name="Google Shape;329;g30cc7dbb75d_0_54:notes"/>
+          <p:cNvPr id="323" name="Google Shape;323;g30cc7dbb75d_0_48:notes"/>
           <p:cNvSpPr txBox="1">
             <a:spLocks noGrp="1"/>
           </p:cNvSpPr>
@@ -4735,7 +4737,7 @@
   <p:cSld>
     <p:spTree>
       <p:nvGrpSpPr>
-        <p:cNvPr id="1" name="Shape 333"/>
+        <p:cNvPr id="1" name="Shape 327"/>
         <p:cNvGrpSpPr/>
         <p:nvPr/>
       </p:nvGrpSpPr>
@@ -4749,7 +4751,7 @@
       </p:grpSpPr>
       <p:sp>
         <p:nvSpPr>
-          <p:cNvPr id="334" name="Google Shape;334;g30cc7dbb75d_0_59:notes"/>
+          <p:cNvPr id="328" name="Google Shape;328;g30cc7dbb75d_0_54:notes"/>
           <p:cNvSpPr>
             <a:spLocks noGrp="1" noRot="1" noChangeAspect="1"/>
           </p:cNvSpPr>
@@ -4790,7 +4792,7 @@
       </p:sp>
       <p:sp>
         <p:nvSpPr>
-          <p:cNvPr id="335" name="Google Shape;335;g30cc7dbb75d_0_59:notes"/>
+          <p:cNvPr id="329" name="Google Shape;329;g30cc7dbb75d_0_54:notes"/>
           <p:cNvSpPr txBox="1">
             <a:spLocks noGrp="1"/>
           </p:cNvSpPr>
@@ -4839,7 +4841,7 @@
   <p:cSld>
     <p:spTree>
       <p:nvGrpSpPr>
-        <p:cNvPr id="1" name="Shape 339"/>
+        <p:cNvPr id="1" name="Shape 333"/>
         <p:cNvGrpSpPr/>
         <p:nvPr/>
       </p:nvGrpSpPr>
@@ -4853,7 +4855,7 @@
       </p:grpSpPr>
       <p:sp>
         <p:nvSpPr>
-          <p:cNvPr id="340" name="Google Shape;340;g30cc7dbb75d_0_64:notes"/>
+          <p:cNvPr id="334" name="Google Shape;334;g30cc7dbb75d_0_59:notes"/>
           <p:cNvSpPr>
             <a:spLocks noGrp="1" noRot="1" noChangeAspect="1"/>
           </p:cNvSpPr>
@@ -4894,7 +4896,7 @@
       </p:sp>
       <p:sp>
         <p:nvSpPr>
-          <p:cNvPr id="341" name="Google Shape;341;g30cc7dbb75d_0_64:notes"/>
+          <p:cNvPr id="335" name="Google Shape;335;g30cc7dbb75d_0_59:notes"/>
           <p:cNvSpPr txBox="1">
             <a:spLocks noGrp="1"/>
           </p:cNvSpPr>
@@ -4943,7 +4945,7 @@
   <p:cSld>
     <p:spTree>
       <p:nvGrpSpPr>
-        <p:cNvPr id="1" name="Shape 345"/>
+        <p:cNvPr id="1" name="Shape 339"/>
         <p:cNvGrpSpPr/>
         <p:nvPr/>
       </p:nvGrpSpPr>
@@ -4957,7 +4959,7 @@
       </p:grpSpPr>
       <p:sp>
         <p:nvSpPr>
-          <p:cNvPr id="346" name="Google Shape;346;g2ee24c4f4fb_0_131:notes"/>
+          <p:cNvPr id="340" name="Google Shape;340;g30cc7dbb75d_0_64:notes"/>
           <p:cNvSpPr>
             <a:spLocks noGrp="1" noRot="1" noChangeAspect="1"/>
           </p:cNvSpPr>
@@ -4998,7 +5000,7 @@
       </p:sp>
       <p:sp>
         <p:nvSpPr>
-          <p:cNvPr id="347" name="Google Shape;347;g2ee24c4f4fb_0_131:notes"/>
+          <p:cNvPr id="341" name="Google Shape;341;g30cc7dbb75d_0_64:notes"/>
           <p:cNvSpPr txBox="1">
             <a:spLocks noGrp="1"/>
           </p:cNvSpPr>
@@ -5047,7 +5049,7 @@
   <p:cSld>
     <p:spTree>
       <p:nvGrpSpPr>
-        <p:cNvPr id="1" name="Shape 350"/>
+        <p:cNvPr id="1" name="Shape 345"/>
         <p:cNvGrpSpPr/>
         <p:nvPr/>
       </p:nvGrpSpPr>
@@ -5061,7 +5063,7 @@
       </p:grpSpPr>
       <p:sp>
         <p:nvSpPr>
-          <p:cNvPr id="351" name="Google Shape;351;g2ee24c4f4fb_0_212:notes"/>
+          <p:cNvPr id="346" name="Google Shape;346;g2ee24c4f4fb_0_131:notes"/>
           <p:cNvSpPr>
             <a:spLocks noGrp="1" noRot="1" noChangeAspect="1"/>
           </p:cNvSpPr>
@@ -5102,7 +5104,7 @@
       </p:sp>
       <p:sp>
         <p:nvSpPr>
-          <p:cNvPr id="352" name="Google Shape;352;g2ee24c4f4fb_0_212:notes"/>
+          <p:cNvPr id="347" name="Google Shape;347;g2ee24c4f4fb_0_131:notes"/>
           <p:cNvSpPr txBox="1">
             <a:spLocks noGrp="1"/>
           </p:cNvSpPr>
@@ -5151,7 +5153,7 @@
   <p:cSld>
     <p:spTree>
       <p:nvGrpSpPr>
-        <p:cNvPr id="1" name="Shape 356"/>
+        <p:cNvPr id="1" name="Shape 350"/>
         <p:cNvGrpSpPr/>
         <p:nvPr/>
       </p:nvGrpSpPr>
@@ -5165,7 +5167,7 @@
       </p:grpSpPr>
       <p:sp>
         <p:nvSpPr>
-          <p:cNvPr id="357" name="Google Shape;357;g2ee24c4f4fb_0_217:notes"/>
+          <p:cNvPr id="351" name="Google Shape;351;g2ee24c4f4fb_0_212:notes"/>
           <p:cNvSpPr>
             <a:spLocks noGrp="1" noRot="1" noChangeAspect="1"/>
           </p:cNvSpPr>
@@ -5206,7 +5208,7 @@
       </p:sp>
       <p:sp>
         <p:nvSpPr>
-          <p:cNvPr id="358" name="Google Shape;358;g2ee24c4f4fb_0_217:notes"/>
+          <p:cNvPr id="352" name="Google Shape;352;g2ee24c4f4fb_0_212:notes"/>
           <p:cNvSpPr txBox="1">
             <a:spLocks noGrp="1"/>
           </p:cNvSpPr>
@@ -5255,7 +5257,7 @@
   <p:cSld>
     <p:spTree>
       <p:nvGrpSpPr>
-        <p:cNvPr id="1" name="Shape 362"/>
+        <p:cNvPr id="1" name="Shape 356"/>
         <p:cNvGrpSpPr/>
         <p:nvPr/>
       </p:nvGrpSpPr>
@@ -5269,7 +5271,7 @@
       </p:grpSpPr>
       <p:sp>
         <p:nvSpPr>
-          <p:cNvPr id="363" name="Google Shape;363;g2ee24c4f4fb_0_226:notes"/>
+          <p:cNvPr id="357" name="Google Shape;357;g2ee24c4f4fb_0_217:notes"/>
           <p:cNvSpPr>
             <a:spLocks noGrp="1" noRot="1" noChangeAspect="1"/>
           </p:cNvSpPr>
@@ -5310,7 +5312,7 @@
       </p:sp>
       <p:sp>
         <p:nvSpPr>
-          <p:cNvPr id="364" name="Google Shape;364;g2ee24c4f4fb_0_226:notes"/>
+          <p:cNvPr id="358" name="Google Shape;358;g2ee24c4f4fb_0_217:notes"/>
           <p:cNvSpPr txBox="1">
             <a:spLocks noGrp="1"/>
           </p:cNvSpPr>
@@ -5383,7 +5385,7 @@
         </p:nvSpPr>
         <p:spPr>
           <a:xfrm>
-            <a:off x="381300" y="685800"/>
+            <a:off x="381000" y="685800"/>
             <a:ext cx="6096000" cy="3429000"/>
           </a:xfrm>
           <a:custGeom>
@@ -5463,7 +5465,7 @@
   <p:cSld>
     <p:spTree>
       <p:nvGrpSpPr>
-        <p:cNvPr id="1" name="Shape 368"/>
+        <p:cNvPr id="1" name="Shape 362"/>
         <p:cNvGrpSpPr/>
         <p:nvPr/>
       </p:nvGrpSpPr>
@@ -5477,7 +5479,7 @@
       </p:grpSpPr>
       <p:sp>
         <p:nvSpPr>
-          <p:cNvPr id="369" name="Google Shape;369;g2ee24c4f4fb_0_231:notes"/>
+          <p:cNvPr id="363" name="Google Shape;363;g2ee24c4f4fb_0_226:notes"/>
           <p:cNvSpPr>
             <a:spLocks noGrp="1" noRot="1" noChangeAspect="1"/>
           </p:cNvSpPr>
@@ -5518,7 +5520,7 @@
       </p:sp>
       <p:sp>
         <p:nvSpPr>
-          <p:cNvPr id="370" name="Google Shape;370;g2ee24c4f4fb_0_231:notes"/>
+          <p:cNvPr id="364" name="Google Shape;364;g2ee24c4f4fb_0_226:notes"/>
           <p:cNvSpPr txBox="1">
             <a:spLocks noGrp="1"/>
           </p:cNvSpPr>
@@ -5567,7 +5569,7 @@
   <p:cSld>
     <p:spTree>
       <p:nvGrpSpPr>
-        <p:cNvPr id="1" name="Shape 374"/>
+        <p:cNvPr id="1" name="Shape 368"/>
         <p:cNvGrpSpPr/>
         <p:nvPr/>
       </p:nvGrpSpPr>
@@ -5581,7 +5583,7 @@
       </p:grpSpPr>
       <p:sp>
         <p:nvSpPr>
-          <p:cNvPr id="375" name="Google Shape;375;g2ee24c4f4fb_0_238:notes"/>
+          <p:cNvPr id="369" name="Google Shape;369;g2ee24c4f4fb_0_231:notes"/>
           <p:cNvSpPr>
             <a:spLocks noGrp="1" noRot="1" noChangeAspect="1"/>
           </p:cNvSpPr>
@@ -5622,7 +5624,7 @@
       </p:sp>
       <p:sp>
         <p:nvSpPr>
-          <p:cNvPr id="376" name="Google Shape;376;g2ee24c4f4fb_0_238:notes"/>
+          <p:cNvPr id="370" name="Google Shape;370;g2ee24c4f4fb_0_231:notes"/>
           <p:cNvSpPr txBox="1">
             <a:spLocks noGrp="1"/>
           </p:cNvSpPr>
@@ -5671,7 +5673,7 @@
   <p:cSld>
     <p:spTree>
       <p:nvGrpSpPr>
-        <p:cNvPr id="1" name="Shape 380"/>
+        <p:cNvPr id="1" name="Shape 374"/>
         <p:cNvGrpSpPr/>
         <p:nvPr/>
       </p:nvGrpSpPr>
@@ -5685,7 +5687,7 @@
       </p:grpSpPr>
       <p:sp>
         <p:nvSpPr>
-          <p:cNvPr id="381" name="Google Shape;381;g2ee24c4f4fb_0_243:notes"/>
+          <p:cNvPr id="375" name="Google Shape;375;g2ee24c4f4fb_0_238:notes"/>
           <p:cNvSpPr>
             <a:spLocks noGrp="1" noRot="1" noChangeAspect="1"/>
           </p:cNvSpPr>
@@ -5726,7 +5728,7 @@
       </p:sp>
       <p:sp>
         <p:nvSpPr>
-          <p:cNvPr id="382" name="Google Shape;382;g2ee24c4f4fb_0_243:notes"/>
+          <p:cNvPr id="376" name="Google Shape;376;g2ee24c4f4fb_0_238:notes"/>
           <p:cNvSpPr txBox="1">
             <a:spLocks noGrp="1"/>
           </p:cNvSpPr>
@@ -5775,7 +5777,7 @@
   <p:cSld>
     <p:spTree>
       <p:nvGrpSpPr>
-        <p:cNvPr id="1" name="Shape 386"/>
+        <p:cNvPr id="1" name="Shape 380"/>
         <p:cNvGrpSpPr/>
         <p:nvPr/>
       </p:nvGrpSpPr>
@@ -5789,7 +5791,7 @@
       </p:grpSpPr>
       <p:sp>
         <p:nvSpPr>
-          <p:cNvPr id="387" name="Google Shape;387;g2ee24c4f4fb_0_248:notes"/>
+          <p:cNvPr id="381" name="Google Shape;381;g2ee24c4f4fb_0_243:notes"/>
           <p:cNvSpPr>
             <a:spLocks noGrp="1" noRot="1" noChangeAspect="1"/>
           </p:cNvSpPr>
@@ -5830,7 +5832,7 @@
       </p:sp>
       <p:sp>
         <p:nvSpPr>
-          <p:cNvPr id="388" name="Google Shape;388;g2ee24c4f4fb_0_248:notes"/>
+          <p:cNvPr id="382" name="Google Shape;382;g2ee24c4f4fb_0_243:notes"/>
           <p:cNvSpPr txBox="1">
             <a:spLocks noGrp="1"/>
           </p:cNvSpPr>
@@ -5879,7 +5881,7 @@
   <p:cSld>
     <p:spTree>
       <p:nvGrpSpPr>
-        <p:cNvPr id="1" name="Shape 392"/>
+        <p:cNvPr id="1" name="Shape 386"/>
         <p:cNvGrpSpPr/>
         <p:nvPr/>
       </p:nvGrpSpPr>
@@ -5893,7 +5895,7 @@
       </p:grpSpPr>
       <p:sp>
         <p:nvSpPr>
-          <p:cNvPr id="393" name="Google Shape;393;g2ee24c4f4fb_0_256:notes"/>
+          <p:cNvPr id="387" name="Google Shape;387;g2ee24c4f4fb_0_248:notes"/>
           <p:cNvSpPr>
             <a:spLocks noGrp="1" noRot="1" noChangeAspect="1"/>
           </p:cNvSpPr>
@@ -5934,7 +5936,7 @@
       </p:sp>
       <p:sp>
         <p:nvSpPr>
-          <p:cNvPr id="394" name="Google Shape;394;g2ee24c4f4fb_0_256:notes"/>
+          <p:cNvPr id="388" name="Google Shape;388;g2ee24c4f4fb_0_248:notes"/>
           <p:cNvSpPr txBox="1">
             <a:spLocks noGrp="1"/>
           </p:cNvSpPr>
@@ -5983,7 +5985,7 @@
   <p:cSld>
     <p:spTree>
       <p:nvGrpSpPr>
-        <p:cNvPr id="1" name="Shape 397"/>
+        <p:cNvPr id="1" name="Shape 392"/>
         <p:cNvGrpSpPr/>
         <p:nvPr/>
       </p:nvGrpSpPr>
@@ -5997,7 +5999,7 @@
       </p:grpSpPr>
       <p:sp>
         <p:nvSpPr>
-          <p:cNvPr id="398" name="Google Shape;398;g2ee24c4f4fb_0_264:notes"/>
+          <p:cNvPr id="393" name="Google Shape;393;g2ee24c4f4fb_0_256:notes"/>
           <p:cNvSpPr>
             <a:spLocks noGrp="1" noRot="1" noChangeAspect="1"/>
           </p:cNvSpPr>
@@ -6038,7 +6040,7 @@
       </p:sp>
       <p:sp>
         <p:nvSpPr>
-          <p:cNvPr id="399" name="Google Shape;399;g2ee24c4f4fb_0_264:notes"/>
+          <p:cNvPr id="394" name="Google Shape;394;g2ee24c4f4fb_0_256:notes"/>
           <p:cNvSpPr txBox="1">
             <a:spLocks noGrp="1"/>
           </p:cNvSpPr>
@@ -6087,7 +6089,7 @@
   <p:cSld>
     <p:spTree>
       <p:nvGrpSpPr>
-        <p:cNvPr id="1" name="Shape 403"/>
+        <p:cNvPr id="1" name="Shape 397"/>
         <p:cNvGrpSpPr/>
         <p:nvPr/>
       </p:nvGrpSpPr>
@@ -6101,7 +6103,7 @@
       </p:grpSpPr>
       <p:sp>
         <p:nvSpPr>
-          <p:cNvPr id="404" name="Google Shape;404;g2ee24c4f4fb_0_292:notes"/>
+          <p:cNvPr id="398" name="Google Shape;398;g2ee24c4f4fb_0_264:notes"/>
           <p:cNvSpPr>
             <a:spLocks noGrp="1" noRot="1" noChangeAspect="1"/>
           </p:cNvSpPr>
@@ -6142,7 +6144,7 @@
       </p:sp>
       <p:sp>
         <p:nvSpPr>
-          <p:cNvPr id="405" name="Google Shape;405;g2ee24c4f4fb_0_292:notes"/>
+          <p:cNvPr id="399" name="Google Shape;399;g2ee24c4f4fb_0_264:notes"/>
           <p:cNvSpPr txBox="1">
             <a:spLocks noGrp="1"/>
           </p:cNvSpPr>
@@ -6191,7 +6193,7 @@
   <p:cSld>
     <p:spTree>
       <p:nvGrpSpPr>
-        <p:cNvPr id="1" name="Shape 408"/>
+        <p:cNvPr id="1" name="Shape 403"/>
         <p:cNvGrpSpPr/>
         <p:nvPr/>
       </p:nvGrpSpPr>
@@ -6205,7 +6207,7 @@
       </p:grpSpPr>
       <p:sp>
         <p:nvSpPr>
-          <p:cNvPr id="409" name="Google Shape;409;g2ee24c4f4fb_0_281:notes"/>
+          <p:cNvPr id="404" name="Google Shape;404;g2ee24c4f4fb_0_292:notes"/>
           <p:cNvSpPr>
             <a:spLocks noGrp="1" noRot="1" noChangeAspect="1"/>
           </p:cNvSpPr>
@@ -6246,7 +6248,7 @@
       </p:sp>
       <p:sp>
         <p:nvSpPr>
-          <p:cNvPr id="410" name="Google Shape;410;g2ee24c4f4fb_0_281:notes"/>
+          <p:cNvPr id="405" name="Google Shape;405;g2ee24c4f4fb_0_292:notes"/>
           <p:cNvSpPr txBox="1">
             <a:spLocks noGrp="1"/>
           </p:cNvSpPr>
@@ -6295,7 +6297,7 @@
   <p:cSld>
     <p:spTree>
       <p:nvGrpSpPr>
-        <p:cNvPr id="1" name="Shape 414"/>
+        <p:cNvPr id="1" name="Shape 408"/>
         <p:cNvGrpSpPr/>
         <p:nvPr/>
       </p:nvGrpSpPr>
@@ -6309,7 +6311,7 @@
       </p:grpSpPr>
       <p:sp>
         <p:nvSpPr>
-          <p:cNvPr id="415" name="Google Shape;415;g2ee24c4f4fb_0_287:notes"/>
+          <p:cNvPr id="409" name="Google Shape;409;g2ee24c4f4fb_0_281:notes"/>
           <p:cNvSpPr>
             <a:spLocks noGrp="1" noRot="1" noChangeAspect="1"/>
           </p:cNvSpPr>
@@ -6350,7 +6352,7 @@
       </p:sp>
       <p:sp>
         <p:nvSpPr>
-          <p:cNvPr id="416" name="Google Shape;416;g2ee24c4f4fb_0_287:notes"/>
+          <p:cNvPr id="410" name="Google Shape;410;g2ee24c4f4fb_0_281:notes"/>
           <p:cNvSpPr txBox="1">
             <a:spLocks noGrp="1"/>
           </p:cNvSpPr>
@@ -6399,7 +6401,7 @@
   <p:cSld>
     <p:spTree>
       <p:nvGrpSpPr>
-        <p:cNvPr id="1" name="Shape 420"/>
+        <p:cNvPr id="1" name="Shape 414"/>
         <p:cNvGrpSpPr/>
         <p:nvPr/>
       </p:nvGrpSpPr>
@@ -6413,7 +6415,7 @@
       </p:grpSpPr>
       <p:sp>
         <p:nvSpPr>
-          <p:cNvPr id="421" name="Google Shape;421;g21c071ec57b_0_5:notes"/>
+          <p:cNvPr id="415" name="Google Shape;415;g2ee24c4f4fb_0_287:notes"/>
           <p:cNvSpPr>
             <a:spLocks noGrp="1" noRot="1" noChangeAspect="1"/>
           </p:cNvSpPr>
@@ -6454,7 +6456,7 @@
       </p:sp>
       <p:sp>
         <p:nvSpPr>
-          <p:cNvPr id="422" name="Google Shape;422;g21c071ec57b_0_5:notes"/>
+          <p:cNvPr id="416" name="Google Shape;416;g2ee24c4f4fb_0_287:notes"/>
           <p:cNvSpPr txBox="1">
             <a:spLocks noGrp="1"/>
           </p:cNvSpPr>
@@ -6503,7 +6505,13 @@
   <p:cSld>
     <p:spTree>
       <p:nvGrpSpPr>
-        <p:cNvPr id="1" name="Shape 77"/>
+        <p:cNvPr id="1" name="Shape 72">
+          <a:extLst>
+            <a:ext uri="{FF2B5EF4-FFF2-40B4-BE49-F238E27FC236}">
+              <a16:creationId xmlns:a16="http://schemas.microsoft.com/office/drawing/2014/main" id="{8A9472B8-8EF1-3975-F8C2-C1F05B06216A}"/>
+            </a:ext>
+          </a:extLst>
+        </p:cNvPr>
         <p:cNvGrpSpPr/>
         <p:nvPr/>
       </p:nvGrpSpPr>
@@ -6517,7 +6525,13 @@
       </p:grpSpPr>
       <p:sp>
         <p:nvSpPr>
-          <p:cNvPr id="78" name="Google Shape;78;g2ee24c4f4fb_0_92:notes"/>
+          <p:cNvPr id="73" name="Google Shape;73;g2ee24c4f4fb_0_34:notes">
+            <a:extLst>
+              <a:ext uri="{FF2B5EF4-FFF2-40B4-BE49-F238E27FC236}">
+                <a16:creationId xmlns:a16="http://schemas.microsoft.com/office/drawing/2014/main" id="{84393E06-42FC-8E68-24C6-7D33CB635CEE}"/>
+              </a:ext>
+            </a:extLst>
+          </p:cNvPr>
           <p:cNvSpPr>
             <a:spLocks noGrp="1" noRot="1" noChangeAspect="1"/>
           </p:cNvSpPr>
@@ -6558,7 +6572,13 @@
       </p:sp>
       <p:sp>
         <p:nvSpPr>
-          <p:cNvPr id="79" name="Google Shape;79;g2ee24c4f4fb_0_92:notes"/>
+          <p:cNvPr id="74" name="Google Shape;74;g2ee24c4f4fb_0_34:notes">
+            <a:extLst>
+              <a:ext uri="{FF2B5EF4-FFF2-40B4-BE49-F238E27FC236}">
+                <a16:creationId xmlns:a16="http://schemas.microsoft.com/office/drawing/2014/main" id="{D12DA0FF-B012-427B-3096-65D96080C1FF}"/>
+              </a:ext>
+            </a:extLst>
+          </p:cNvPr>
           <p:cNvSpPr txBox="1">
             <a:spLocks noGrp="1"/>
           </p:cNvSpPr>
@@ -6595,6 +6615,11 @@
         </p:txBody>
       </p:sp>
     </p:spTree>
+    <p:extLst>
+      <p:ext uri="{BB962C8B-B14F-4D97-AF65-F5344CB8AC3E}">
+        <p14:creationId xmlns:p14="http://schemas.microsoft.com/office/powerpoint/2010/main" val="128182218"/>
+      </p:ext>
+    </p:extLst>
   </p:cSld>
   <p:clrMapOvr>
     <a:masterClrMapping/>
@@ -6607,7 +6632,7 @@
   <p:cSld>
     <p:spTree>
       <p:nvGrpSpPr>
-        <p:cNvPr id="1" name="Shape 425"/>
+        <p:cNvPr id="1" name="Shape 420"/>
         <p:cNvGrpSpPr/>
         <p:nvPr/>
       </p:nvGrpSpPr>
@@ -6621,7 +6646,7 @@
       </p:grpSpPr>
       <p:sp>
         <p:nvSpPr>
-          <p:cNvPr id="426" name="Google Shape;426;g21c071ec57b_0_0:notes"/>
+          <p:cNvPr id="421" name="Google Shape;421;g21c071ec57b_0_5:notes"/>
           <p:cNvSpPr>
             <a:spLocks noGrp="1" noRot="1" noChangeAspect="1"/>
           </p:cNvSpPr>
@@ -6662,7 +6687,7 @@
       </p:sp>
       <p:sp>
         <p:nvSpPr>
-          <p:cNvPr id="427" name="Google Shape;427;g21c071ec57b_0_0:notes"/>
+          <p:cNvPr id="422" name="Google Shape;422;g21c071ec57b_0_5:notes"/>
           <p:cNvSpPr txBox="1">
             <a:spLocks noGrp="1"/>
           </p:cNvSpPr>
@@ -6711,7 +6736,7 @@
   <p:cSld>
     <p:spTree>
       <p:nvGrpSpPr>
-        <p:cNvPr id="1" name="Shape 432"/>
+        <p:cNvPr id="1" name="Shape 425"/>
         <p:cNvGrpSpPr/>
         <p:nvPr/>
       </p:nvGrpSpPr>
@@ -6725,7 +6750,7 @@
       </p:grpSpPr>
       <p:sp>
         <p:nvSpPr>
-          <p:cNvPr id="433" name="Google Shape;433;g21c071ec57b_0_20:notes"/>
+          <p:cNvPr id="426" name="Google Shape;426;g21c071ec57b_0_0:notes"/>
           <p:cNvSpPr>
             <a:spLocks noGrp="1" noRot="1" noChangeAspect="1"/>
           </p:cNvSpPr>
@@ -6766,7 +6791,7 @@
       </p:sp>
       <p:sp>
         <p:nvSpPr>
-          <p:cNvPr id="434" name="Google Shape;434;g21c071ec57b_0_20:notes"/>
+          <p:cNvPr id="427" name="Google Shape;427;g21c071ec57b_0_0:notes"/>
           <p:cNvSpPr txBox="1">
             <a:spLocks noGrp="1"/>
           </p:cNvSpPr>
@@ -6815,7 +6840,7 @@
   <p:cSld>
     <p:spTree>
       <p:nvGrpSpPr>
-        <p:cNvPr id="1" name="Shape 438"/>
+        <p:cNvPr id="1" name="Shape 432"/>
         <p:cNvGrpSpPr/>
         <p:nvPr/>
       </p:nvGrpSpPr>
@@ -6829,7 +6854,7 @@
       </p:grpSpPr>
       <p:sp>
         <p:nvSpPr>
-          <p:cNvPr id="439" name="Google Shape;439;g21c071ec57b_0_52:notes"/>
+          <p:cNvPr id="433" name="Google Shape;433;g21c071ec57b_0_20:notes"/>
           <p:cNvSpPr>
             <a:spLocks noGrp="1" noRot="1" noChangeAspect="1"/>
           </p:cNvSpPr>
@@ -6870,7 +6895,7 @@
       </p:sp>
       <p:sp>
         <p:nvSpPr>
-          <p:cNvPr id="440" name="Google Shape;440;g21c071ec57b_0_52:notes"/>
+          <p:cNvPr id="434" name="Google Shape;434;g21c071ec57b_0_20:notes"/>
           <p:cNvSpPr txBox="1">
             <a:spLocks noGrp="1"/>
           </p:cNvSpPr>
@@ -6919,7 +6944,7 @@
   <p:cSld>
     <p:spTree>
       <p:nvGrpSpPr>
-        <p:cNvPr id="1" name="Shape 444"/>
+        <p:cNvPr id="1" name="Shape 438"/>
         <p:cNvGrpSpPr/>
         <p:nvPr/>
       </p:nvGrpSpPr>
@@ -6933,7 +6958,7 @@
       </p:grpSpPr>
       <p:sp>
         <p:nvSpPr>
-          <p:cNvPr id="445" name="Google Shape;445;g21c071ec57b_0_57:notes"/>
+          <p:cNvPr id="439" name="Google Shape;439;g21c071ec57b_0_52:notes"/>
           <p:cNvSpPr>
             <a:spLocks noGrp="1" noRot="1" noChangeAspect="1"/>
           </p:cNvSpPr>
@@ -6974,7 +6999,7 @@
       </p:sp>
       <p:sp>
         <p:nvSpPr>
-          <p:cNvPr id="446" name="Google Shape;446;g21c071ec57b_0_57:notes"/>
+          <p:cNvPr id="440" name="Google Shape;440;g21c071ec57b_0_52:notes"/>
           <p:cNvSpPr txBox="1">
             <a:spLocks noGrp="1"/>
           </p:cNvSpPr>
@@ -7023,7 +7048,7 @@
   <p:cSld>
     <p:spTree>
       <p:nvGrpSpPr>
-        <p:cNvPr id="1" name="Shape 450"/>
+        <p:cNvPr id="1" name="Shape 444"/>
         <p:cNvGrpSpPr/>
         <p:nvPr/>
       </p:nvGrpSpPr>
@@ -7037,7 +7062,7 @@
       </p:grpSpPr>
       <p:sp>
         <p:nvSpPr>
-          <p:cNvPr id="451" name="Google Shape;451;g21c071ec57b_0_26:notes"/>
+          <p:cNvPr id="445" name="Google Shape;445;g21c071ec57b_0_57:notes"/>
           <p:cNvSpPr>
             <a:spLocks noGrp="1" noRot="1" noChangeAspect="1"/>
           </p:cNvSpPr>
@@ -7078,7 +7103,7 @@
       </p:sp>
       <p:sp>
         <p:nvSpPr>
-          <p:cNvPr id="452" name="Google Shape;452;g21c071ec57b_0_26:notes"/>
+          <p:cNvPr id="446" name="Google Shape;446;g21c071ec57b_0_57:notes"/>
           <p:cNvSpPr txBox="1">
             <a:spLocks noGrp="1"/>
           </p:cNvSpPr>
@@ -7127,7 +7152,7 @@
   <p:cSld>
     <p:spTree>
       <p:nvGrpSpPr>
-        <p:cNvPr id="1" name="Shape 456"/>
+        <p:cNvPr id="1" name="Shape 450"/>
         <p:cNvGrpSpPr/>
         <p:nvPr/>
       </p:nvGrpSpPr>
@@ -7141,7 +7166,7 @@
       </p:grpSpPr>
       <p:sp>
         <p:nvSpPr>
-          <p:cNvPr id="457" name="Google Shape;457;g21c071ec57b_0_70:notes"/>
+          <p:cNvPr id="451" name="Google Shape;451;g21c071ec57b_0_26:notes"/>
           <p:cNvSpPr>
             <a:spLocks noGrp="1" noRot="1" noChangeAspect="1"/>
           </p:cNvSpPr>
@@ -7182,7 +7207,7 @@
       </p:sp>
       <p:sp>
         <p:nvSpPr>
-          <p:cNvPr id="458" name="Google Shape;458;g21c071ec57b_0_70:notes"/>
+          <p:cNvPr id="452" name="Google Shape;452;g21c071ec57b_0_26:notes"/>
           <p:cNvSpPr txBox="1">
             <a:spLocks noGrp="1"/>
           </p:cNvSpPr>
@@ -7231,7 +7256,7 @@
   <p:cSld>
     <p:spTree>
       <p:nvGrpSpPr>
-        <p:cNvPr id="1" name="Shape 462"/>
+        <p:cNvPr id="1" name="Shape 456"/>
         <p:cNvGrpSpPr/>
         <p:nvPr/>
       </p:nvGrpSpPr>
@@ -7245,7 +7270,7 @@
       </p:grpSpPr>
       <p:sp>
         <p:nvSpPr>
-          <p:cNvPr id="463" name="Google Shape;463;g21c071ec57b_0_86:notes"/>
+          <p:cNvPr id="457" name="Google Shape;457;g21c071ec57b_0_70:notes"/>
           <p:cNvSpPr>
             <a:spLocks noGrp="1" noRot="1" noChangeAspect="1"/>
           </p:cNvSpPr>
@@ -7286,7 +7311,7 @@
       </p:sp>
       <p:sp>
         <p:nvSpPr>
-          <p:cNvPr id="464" name="Google Shape;464;g21c071ec57b_0_86:notes"/>
+          <p:cNvPr id="458" name="Google Shape;458;g21c071ec57b_0_70:notes"/>
           <p:cNvSpPr txBox="1">
             <a:spLocks noGrp="1"/>
           </p:cNvSpPr>
@@ -7335,7 +7360,7 @@
   <p:cSld>
     <p:spTree>
       <p:nvGrpSpPr>
-        <p:cNvPr id="1" name="Shape 468"/>
+        <p:cNvPr id="1" name="Shape 462"/>
         <p:cNvGrpSpPr/>
         <p:nvPr/>
       </p:nvGrpSpPr>
@@ -7349,7 +7374,7 @@
       </p:grpSpPr>
       <p:sp>
         <p:nvSpPr>
-          <p:cNvPr id="469" name="Google Shape;469;g21c071ec57b_0_75:notes"/>
+          <p:cNvPr id="463" name="Google Shape;463;g21c071ec57b_0_86:notes"/>
           <p:cNvSpPr>
             <a:spLocks noGrp="1" noRot="1" noChangeAspect="1"/>
           </p:cNvSpPr>
@@ -7390,7 +7415,7 @@
       </p:sp>
       <p:sp>
         <p:nvSpPr>
-          <p:cNvPr id="470" name="Google Shape;470;g21c071ec57b_0_75:notes"/>
+          <p:cNvPr id="464" name="Google Shape;464;g21c071ec57b_0_86:notes"/>
           <p:cNvSpPr txBox="1">
             <a:spLocks noGrp="1"/>
           </p:cNvSpPr>
@@ -7439,7 +7464,7 @@
   <p:cSld>
     <p:spTree>
       <p:nvGrpSpPr>
-        <p:cNvPr id="1" name="Shape 474"/>
+        <p:cNvPr id="1" name="Shape 468"/>
         <p:cNvGrpSpPr/>
         <p:nvPr/>
       </p:nvGrpSpPr>
@@ -7453,7 +7478,7 @@
       </p:grpSpPr>
       <p:sp>
         <p:nvSpPr>
-          <p:cNvPr id="475" name="Google Shape;475;g21c071ec57b_0_66:notes"/>
+          <p:cNvPr id="469" name="Google Shape;469;g21c071ec57b_0_75:notes"/>
           <p:cNvSpPr>
             <a:spLocks noGrp="1" noRot="1" noChangeAspect="1"/>
           </p:cNvSpPr>
@@ -7494,7 +7519,7 @@
       </p:sp>
       <p:sp>
         <p:nvSpPr>
-          <p:cNvPr id="476" name="Google Shape;476;g21c071ec57b_0_66:notes"/>
+          <p:cNvPr id="470" name="Google Shape;470;g21c071ec57b_0_75:notes"/>
           <p:cNvSpPr txBox="1">
             <a:spLocks noGrp="1"/>
           </p:cNvSpPr>
@@ -7543,7 +7568,7 @@
   <p:cSld>
     <p:spTree>
       <p:nvGrpSpPr>
-        <p:cNvPr id="1" name="Shape 480"/>
+        <p:cNvPr id="1" name="Shape 474"/>
         <p:cNvGrpSpPr/>
         <p:nvPr/>
       </p:nvGrpSpPr>
@@ -7557,7 +7582,7 @@
       </p:grpSpPr>
       <p:sp>
         <p:nvSpPr>
-          <p:cNvPr id="481" name="Google Shape;481;g21c071ec57b_0_92:notes"/>
+          <p:cNvPr id="475" name="Google Shape;475;g21c071ec57b_0_66:notes"/>
           <p:cNvSpPr>
             <a:spLocks noGrp="1" noRot="1" noChangeAspect="1"/>
           </p:cNvSpPr>
@@ -7598,7 +7623,7 @@
       </p:sp>
       <p:sp>
         <p:nvSpPr>
-          <p:cNvPr id="482" name="Google Shape;482;g21c071ec57b_0_92:notes"/>
+          <p:cNvPr id="476" name="Google Shape;476;g21c071ec57b_0_66:notes"/>
           <p:cNvSpPr txBox="1">
             <a:spLocks noGrp="1"/>
           </p:cNvSpPr>
@@ -7647,7 +7672,7 @@
   <p:cSld>
     <p:spTree>
       <p:nvGrpSpPr>
-        <p:cNvPr id="1" name="Shape 84"/>
+        <p:cNvPr id="1" name="Shape 77"/>
         <p:cNvGrpSpPr/>
         <p:nvPr/>
       </p:nvGrpSpPr>
@@ -7661,7 +7686,7 @@
       </p:grpSpPr>
       <p:sp>
         <p:nvSpPr>
-          <p:cNvPr id="85" name="Google Shape;85;g2ee24c4f4fb_0_46:notes"/>
+          <p:cNvPr id="78" name="Google Shape;78;g2ee24c4f4fb_0_92:notes"/>
           <p:cNvSpPr>
             <a:spLocks noGrp="1" noRot="1" noChangeAspect="1"/>
           </p:cNvSpPr>
@@ -7702,7 +7727,7 @@
       </p:sp>
       <p:sp>
         <p:nvSpPr>
-          <p:cNvPr id="86" name="Google Shape;86;g2ee24c4f4fb_0_46:notes"/>
+          <p:cNvPr id="79" name="Google Shape;79;g2ee24c4f4fb_0_92:notes"/>
           <p:cNvSpPr txBox="1">
             <a:spLocks noGrp="1"/>
           </p:cNvSpPr>
@@ -7751,7 +7776,7 @@
   <p:cSld>
     <p:spTree>
       <p:nvGrpSpPr>
-        <p:cNvPr id="1" name="Shape 486"/>
+        <p:cNvPr id="1" name="Shape 480"/>
         <p:cNvGrpSpPr/>
         <p:nvPr/>
       </p:nvGrpSpPr>
@@ -7765,7 +7790,7 @@
       </p:grpSpPr>
       <p:sp>
         <p:nvSpPr>
-          <p:cNvPr id="487" name="Google Shape;487;g21c071ec57b_0_100:notes"/>
+          <p:cNvPr id="481" name="Google Shape;481;g21c071ec57b_0_92:notes"/>
           <p:cNvSpPr>
             <a:spLocks noGrp="1" noRot="1" noChangeAspect="1"/>
           </p:cNvSpPr>
@@ -7806,7 +7831,7 @@
       </p:sp>
       <p:sp>
         <p:nvSpPr>
-          <p:cNvPr id="488" name="Google Shape;488;g21c071ec57b_0_100:notes"/>
+          <p:cNvPr id="482" name="Google Shape;482;g21c071ec57b_0_92:notes"/>
           <p:cNvSpPr txBox="1">
             <a:spLocks noGrp="1"/>
           </p:cNvSpPr>
@@ -7855,7 +7880,7 @@
   <p:cSld>
     <p:spTree>
       <p:nvGrpSpPr>
-        <p:cNvPr id="1" name="Shape 492"/>
+        <p:cNvPr id="1" name="Shape 486"/>
         <p:cNvGrpSpPr/>
         <p:nvPr/>
       </p:nvGrpSpPr>
@@ -7869,7 +7894,7 @@
       </p:grpSpPr>
       <p:sp>
         <p:nvSpPr>
-          <p:cNvPr id="493" name="Google Shape;493;g2d41ccaf975_0_13:notes"/>
+          <p:cNvPr id="487" name="Google Shape;487;g21c071ec57b_0_100:notes"/>
           <p:cNvSpPr>
             <a:spLocks noGrp="1" noRot="1" noChangeAspect="1"/>
           </p:cNvSpPr>
@@ -7879,7 +7904,7 @@
         </p:nvSpPr>
         <p:spPr>
           <a:xfrm>
-            <a:off x="381000" y="685800"/>
+            <a:off x="381300" y="685800"/>
             <a:ext cx="6096000" cy="3429000"/>
           </a:xfrm>
           <a:custGeom>
@@ -7910,7 +7935,7 @@
       </p:sp>
       <p:sp>
         <p:nvSpPr>
-          <p:cNvPr id="494" name="Google Shape;494;g2d41ccaf975_0_13:notes"/>
+          <p:cNvPr id="488" name="Google Shape;488;g21c071ec57b_0_100:notes"/>
           <p:cNvSpPr txBox="1">
             <a:spLocks noGrp="1"/>
           </p:cNvSpPr>
@@ -7954,12 +7979,12 @@
 </p:notes>
 </file>
 
-<file path=ppt/notesSlides/notesSlide8.xml><?xml version="1.0" encoding="utf-8"?>
+<file path=ppt/notesSlides/notesSlide72.xml><?xml version="1.0" encoding="utf-8"?>
 <p:notes xmlns:a="http://schemas.openxmlformats.org/drawingml/2006/main" xmlns:r="http://schemas.openxmlformats.org/officeDocument/2006/relationships" xmlns:p="http://schemas.openxmlformats.org/presentationml/2006/main" showMasterSp="0" showMasterPhAnim="0">
   <p:cSld>
     <p:spTree>
       <p:nvGrpSpPr>
-        <p:cNvPr id="1" name="Shape 92"/>
+        <p:cNvPr id="1" name="Shape 492"/>
         <p:cNvGrpSpPr/>
         <p:nvPr/>
       </p:nvGrpSpPr>
@@ -7973,7 +7998,7 @@
       </p:grpSpPr>
       <p:sp>
         <p:nvSpPr>
-          <p:cNvPr id="93" name="Google Shape;93;g2ee24c4f4fb_0_66:notes"/>
+          <p:cNvPr id="493" name="Google Shape;493;g2d41ccaf975_0_13:notes"/>
           <p:cNvSpPr>
             <a:spLocks noGrp="1" noRot="1" noChangeAspect="1"/>
           </p:cNvSpPr>
@@ -7983,7 +8008,7 @@
         </p:nvSpPr>
         <p:spPr>
           <a:xfrm>
-            <a:off x="381300" y="685800"/>
+            <a:off x="381000" y="685800"/>
             <a:ext cx="6096000" cy="3429000"/>
           </a:xfrm>
           <a:custGeom>
@@ -8014,7 +8039,7 @@
       </p:sp>
       <p:sp>
         <p:nvSpPr>
-          <p:cNvPr id="94" name="Google Shape;94;g2ee24c4f4fb_0_66:notes"/>
+          <p:cNvPr id="494" name="Google Shape;494;g2d41ccaf975_0_13:notes"/>
           <p:cNvSpPr txBox="1">
             <a:spLocks noGrp="1"/>
           </p:cNvSpPr>
@@ -8058,12 +8083,12 @@
 </p:notes>
 </file>
 
-<file path=ppt/notesSlides/notesSlide9.xml><?xml version="1.0" encoding="utf-8"?>
+<file path=ppt/notesSlides/notesSlide8.xml><?xml version="1.0" encoding="utf-8"?>
 <p:notes xmlns:a="http://schemas.openxmlformats.org/drawingml/2006/main" xmlns:r="http://schemas.openxmlformats.org/officeDocument/2006/relationships" xmlns:p="http://schemas.openxmlformats.org/presentationml/2006/main" showMasterSp="0" showMasterPhAnim="0">
   <p:cSld>
     <p:spTree>
       <p:nvGrpSpPr>
-        <p:cNvPr id="1" name="Shape 102"/>
+        <p:cNvPr id="1" name="Shape 84"/>
         <p:cNvGrpSpPr/>
         <p:nvPr/>
       </p:nvGrpSpPr>
@@ -8077,7 +8102,7 @@
       </p:grpSpPr>
       <p:sp>
         <p:nvSpPr>
-          <p:cNvPr id="103" name="Google Shape;103;g2ee24c4f4fb_0_112:notes"/>
+          <p:cNvPr id="85" name="Google Shape;85;g2ee24c4f4fb_0_46:notes"/>
           <p:cNvSpPr>
             <a:spLocks noGrp="1" noRot="1" noChangeAspect="1"/>
           </p:cNvSpPr>
@@ -8118,7 +8143,111 @@
       </p:sp>
       <p:sp>
         <p:nvSpPr>
-          <p:cNvPr id="104" name="Google Shape;104;g2ee24c4f4fb_0_112:notes"/>
+          <p:cNvPr id="86" name="Google Shape;86;g2ee24c4f4fb_0_46:notes"/>
+          <p:cNvSpPr txBox="1">
+            <a:spLocks noGrp="1"/>
+          </p:cNvSpPr>
+          <p:nvPr>
+            <p:ph type="body" idx="1"/>
+          </p:nvPr>
+        </p:nvSpPr>
+        <p:spPr>
+          <a:xfrm>
+            <a:off x="685800" y="4343400"/>
+            <a:ext cx="5486400" cy="4114800"/>
+          </a:xfrm>
+          <a:prstGeom prst="rect">
+            <a:avLst/>
+          </a:prstGeom>
+        </p:spPr>
+        <p:txBody>
+          <a:bodyPr spcFirstLastPara="1" wrap="square" lIns="91425" tIns="91425" rIns="91425" bIns="91425" anchor="t" anchorCtr="0">
+            <a:noAutofit/>
+          </a:bodyPr>
+          <a:lstStyle/>
+          <a:p>
+            <a:pPr marL="0" lvl="0" indent="0" algn="l" rtl="0">
+              <a:spcBef>
+                <a:spcPts val="0"/>
+              </a:spcBef>
+              <a:spcAft>
+                <a:spcPts val="0"/>
+              </a:spcAft>
+              <a:buNone/>
+            </a:pPr>
+            <a:endParaRPr/>
+          </a:p>
+        </p:txBody>
+      </p:sp>
+    </p:spTree>
+  </p:cSld>
+  <p:clrMapOvr>
+    <a:masterClrMapping/>
+  </p:clrMapOvr>
+</p:notes>
+</file>
+
+<file path=ppt/notesSlides/notesSlide9.xml><?xml version="1.0" encoding="utf-8"?>
+<p:notes xmlns:a="http://schemas.openxmlformats.org/drawingml/2006/main" xmlns:r="http://schemas.openxmlformats.org/officeDocument/2006/relationships" xmlns:p="http://schemas.openxmlformats.org/presentationml/2006/main" showMasterSp="0" showMasterPhAnim="0">
+  <p:cSld>
+    <p:spTree>
+      <p:nvGrpSpPr>
+        <p:cNvPr id="1" name="Shape 92"/>
+        <p:cNvGrpSpPr/>
+        <p:nvPr/>
+      </p:nvGrpSpPr>
+      <p:grpSpPr>
+        <a:xfrm>
+          <a:off x="0" y="0"/>
+          <a:ext cx="0" cy="0"/>
+          <a:chOff x="0" y="0"/>
+          <a:chExt cx="0" cy="0"/>
+        </a:xfrm>
+      </p:grpSpPr>
+      <p:sp>
+        <p:nvSpPr>
+          <p:cNvPr id="93" name="Google Shape;93;g2ee24c4f4fb_0_66:notes"/>
+          <p:cNvSpPr>
+            <a:spLocks noGrp="1" noRot="1" noChangeAspect="1"/>
+          </p:cNvSpPr>
+          <p:nvPr>
+            <p:ph type="sldImg" idx="2"/>
+          </p:nvPr>
+        </p:nvSpPr>
+        <p:spPr>
+          <a:xfrm>
+            <a:off x="381300" y="685800"/>
+            <a:ext cx="6096000" cy="3429000"/>
+          </a:xfrm>
+          <a:custGeom>
+            <a:avLst/>
+            <a:gdLst/>
+            <a:ahLst/>
+            <a:cxnLst/>
+            <a:rect l="l" t="t" r="r" b="b"/>
+            <a:pathLst>
+              <a:path w="120000" h="120000" extrusionOk="0">
+                <a:moveTo>
+                  <a:pt x="0" y="0"/>
+                </a:moveTo>
+                <a:lnTo>
+                  <a:pt x="120000" y="0"/>
+                </a:lnTo>
+                <a:lnTo>
+                  <a:pt x="120000" y="120000"/>
+                </a:lnTo>
+                <a:lnTo>
+                  <a:pt x="0" y="120000"/>
+                </a:lnTo>
+                <a:close/>
+              </a:path>
+            </a:pathLst>
+          </a:custGeom>
+        </p:spPr>
+      </p:sp>
+      <p:sp>
+        <p:nvSpPr>
+          <p:cNvPr id="94" name="Google Shape;94;g2ee24c4f4fb_0_66:notes"/>
           <p:cNvSpPr txBox="1">
             <a:spLocks noGrp="1"/>
           </p:cNvSpPr>
@@ -13030,10 +13159,14 @@
               <a:buNone/>
             </a:pPr>
             <a:r>
-              <a:rPr lang="pl"/>
-              <a:t>Main libraries</a:t>
+              <a:rPr lang="pl-PL" dirty="0"/>
+              <a:t>Directory of </a:t>
             </a:r>
-            <a:endParaRPr/>
+            <a:r>
+              <a:rPr lang="pl-PL" dirty="0" err="1"/>
+              <a:t>visualizations</a:t>
+            </a:r>
+            <a:endParaRPr lang="pl-PL" dirty="0"/>
           </a:p>
         </p:txBody>
       </p:sp>
@@ -13046,6 +13179,526 @@
 </file>
 
 <file path=ppt/slides/slide11.xml><?xml version="1.0" encoding="utf-8"?>
+<p:sld xmlns:a="http://schemas.openxmlformats.org/drawingml/2006/main" xmlns:r="http://schemas.openxmlformats.org/officeDocument/2006/relationships" xmlns:p="http://schemas.openxmlformats.org/presentationml/2006/main">
+  <p:cSld>
+    <p:spTree>
+      <p:nvGrpSpPr>
+        <p:cNvPr id="1" name=""/>
+        <p:cNvGrpSpPr/>
+        <p:nvPr/>
+      </p:nvGrpSpPr>
+      <p:grpSpPr>
+        <a:xfrm>
+          <a:off x="0" y="0"/>
+          <a:ext cx="0" cy="0"/>
+          <a:chOff x="0" y="0"/>
+          <a:chExt cx="0" cy="0"/>
+        </a:xfrm>
+      </p:grpSpPr>
+      <p:pic>
+        <p:nvPicPr>
+          <p:cNvPr id="16" name="Obraz 15" descr="Obraz zawierający Prostokąt, zrzut ekranu, diagram, design&#10;&#10;Opis wygenerowany automatycznie">
+            <a:extLst>
+              <a:ext uri="{FF2B5EF4-FFF2-40B4-BE49-F238E27FC236}">
+                <a16:creationId xmlns:a16="http://schemas.microsoft.com/office/drawing/2014/main" id="{9398A705-87CA-2571-9294-683DB6EC83C0}"/>
+              </a:ext>
+            </a:extLst>
+          </p:cNvPr>
+          <p:cNvPicPr>
+            <a:picLocks noChangeAspect="1"/>
+          </p:cNvPicPr>
+          <p:nvPr/>
+        </p:nvPicPr>
+        <p:blipFill>
+          <a:blip r:embed="rId2"/>
+          <a:stretch>
+            <a:fillRect/>
+          </a:stretch>
+        </p:blipFill>
+        <p:spPr>
+          <a:xfrm>
+            <a:off x="3711409" y="722288"/>
+            <a:ext cx="1721181" cy="1721181"/>
+          </a:xfrm>
+          <a:prstGeom prst="rect">
+            <a:avLst/>
+          </a:prstGeom>
+        </p:spPr>
+      </p:pic>
+      <p:pic>
+        <p:nvPicPr>
+          <p:cNvPr id="18" name="Obraz 17" descr="Obraz zawierający tekst, diagram, linia, zrzut ekranu&#10;&#10;Opis wygenerowany automatycznie">
+            <a:extLst>
+              <a:ext uri="{FF2B5EF4-FFF2-40B4-BE49-F238E27FC236}">
+                <a16:creationId xmlns:a16="http://schemas.microsoft.com/office/drawing/2014/main" id="{450A8DC2-9E9C-0AF2-778F-A8BF02453DDF}"/>
+              </a:ext>
+            </a:extLst>
+          </p:cNvPr>
+          <p:cNvPicPr>
+            <a:picLocks noChangeAspect="1"/>
+          </p:cNvPicPr>
+          <p:nvPr/>
+        </p:nvPicPr>
+        <p:blipFill>
+          <a:blip r:embed="rId3"/>
+          <a:stretch>
+            <a:fillRect/>
+          </a:stretch>
+        </p:blipFill>
+        <p:spPr>
+          <a:xfrm>
+            <a:off x="724903" y="722289"/>
+            <a:ext cx="1721181" cy="1721181"/>
+          </a:xfrm>
+          <a:prstGeom prst="rect">
+            <a:avLst/>
+          </a:prstGeom>
+        </p:spPr>
+      </p:pic>
+      <p:pic>
+        <p:nvPicPr>
+          <p:cNvPr id="20" name="Obraz 19" descr="Obraz zawierający mapa, diagram, Plan, design&#10;&#10;Opis wygenerowany automatycznie">
+            <a:extLst>
+              <a:ext uri="{FF2B5EF4-FFF2-40B4-BE49-F238E27FC236}">
+                <a16:creationId xmlns:a16="http://schemas.microsoft.com/office/drawing/2014/main" id="{31F9E99F-26B2-EFE8-AA6E-B7667273FF71}"/>
+              </a:ext>
+            </a:extLst>
+          </p:cNvPr>
+          <p:cNvPicPr>
+            <a:picLocks noChangeAspect="1"/>
+          </p:cNvPicPr>
+          <p:nvPr/>
+        </p:nvPicPr>
+        <p:blipFill>
+          <a:blip r:embed="rId4"/>
+          <a:stretch>
+            <a:fillRect/>
+          </a:stretch>
+        </p:blipFill>
+        <p:spPr>
+          <a:xfrm>
+            <a:off x="6703485" y="3169727"/>
+            <a:ext cx="1715611" cy="1715611"/>
+          </a:xfrm>
+          <a:prstGeom prst="rect">
+            <a:avLst/>
+          </a:prstGeom>
+        </p:spPr>
+      </p:pic>
+      <p:pic>
+        <p:nvPicPr>
+          <p:cNvPr id="22" name="Obraz 21" descr="Obraz zawierający Czcionka, krąg, Grafika, logo&#10;&#10;Opis wygenerowany automatycznie">
+            <a:extLst>
+              <a:ext uri="{FF2B5EF4-FFF2-40B4-BE49-F238E27FC236}">
+                <a16:creationId xmlns:a16="http://schemas.microsoft.com/office/drawing/2014/main" id="{A0B71AAB-A0D9-22F8-E20C-009987CC39A2}"/>
+              </a:ext>
+            </a:extLst>
+          </p:cNvPr>
+          <p:cNvPicPr>
+            <a:picLocks noChangeAspect="1"/>
+          </p:cNvPicPr>
+          <p:nvPr/>
+        </p:nvPicPr>
+        <p:blipFill>
+          <a:blip r:embed="rId5"/>
+          <a:stretch>
+            <a:fillRect/>
+          </a:stretch>
+        </p:blipFill>
+        <p:spPr>
+          <a:xfrm>
+            <a:off x="6697915" y="722288"/>
+            <a:ext cx="1721181" cy="1721181"/>
+          </a:xfrm>
+          <a:prstGeom prst="rect">
+            <a:avLst/>
+          </a:prstGeom>
+        </p:spPr>
+      </p:pic>
+      <p:pic>
+        <p:nvPicPr>
+          <p:cNvPr id="24" name="Obraz 23" descr="Obraz zawierający zrzut ekranu, diagram, linia, Czcionka&#10;&#10;Opis wygenerowany automatycznie">
+            <a:extLst>
+              <a:ext uri="{FF2B5EF4-FFF2-40B4-BE49-F238E27FC236}">
+                <a16:creationId xmlns:a16="http://schemas.microsoft.com/office/drawing/2014/main" id="{95DFF7B8-99E1-A089-220E-970F4DA1A0F6}"/>
+              </a:ext>
+            </a:extLst>
+          </p:cNvPr>
+          <p:cNvPicPr>
+            <a:picLocks noChangeAspect="1"/>
+          </p:cNvPicPr>
+          <p:nvPr/>
+        </p:nvPicPr>
+        <p:blipFill>
+          <a:blip r:embed="rId6"/>
+          <a:stretch>
+            <a:fillRect/>
+          </a:stretch>
+        </p:blipFill>
+        <p:spPr>
+          <a:xfrm>
+            <a:off x="3711409" y="3164157"/>
+            <a:ext cx="1721181" cy="1721181"/>
+          </a:xfrm>
+          <a:prstGeom prst="rect">
+            <a:avLst/>
+          </a:prstGeom>
+        </p:spPr>
+      </p:pic>
+      <p:pic>
+        <p:nvPicPr>
+          <p:cNvPr id="26" name="Obraz 25" descr="Obraz zawierający zrzut ekranu, diagram, Jaskrawoniebieski, linia&#10;&#10;Opis wygenerowany automatycznie">
+            <a:extLst>
+              <a:ext uri="{FF2B5EF4-FFF2-40B4-BE49-F238E27FC236}">
+                <a16:creationId xmlns:a16="http://schemas.microsoft.com/office/drawing/2014/main" id="{11FA4893-6B56-7FC9-7580-8DC67E5A7946}"/>
+              </a:ext>
+            </a:extLst>
+          </p:cNvPr>
+          <p:cNvPicPr>
+            <a:picLocks noChangeAspect="1"/>
+          </p:cNvPicPr>
+          <p:nvPr/>
+        </p:nvPicPr>
+        <p:blipFill>
+          <a:blip r:embed="rId7"/>
+          <a:stretch>
+            <a:fillRect/>
+          </a:stretch>
+        </p:blipFill>
+        <p:spPr>
+          <a:xfrm>
+            <a:off x="724903" y="3164156"/>
+            <a:ext cx="1721181" cy="1721181"/>
+          </a:xfrm>
+          <a:prstGeom prst="rect">
+            <a:avLst/>
+          </a:prstGeom>
+        </p:spPr>
+      </p:pic>
+      <p:sp>
+        <p:nvSpPr>
+          <p:cNvPr id="27" name="pole tekstowe 26">
+            <a:extLst>
+              <a:ext uri="{FF2B5EF4-FFF2-40B4-BE49-F238E27FC236}">
+                <a16:creationId xmlns:a16="http://schemas.microsoft.com/office/drawing/2014/main" id="{BD11810A-5C45-468C-BEB0-6B8B74B411B6}"/>
+              </a:ext>
+            </a:extLst>
+          </p:cNvPr>
+          <p:cNvSpPr txBox="1"/>
+          <p:nvPr/>
+        </p:nvSpPr>
+        <p:spPr>
+          <a:xfrm>
+            <a:off x="561109" y="235527"/>
+            <a:ext cx="2057400" cy="461665"/>
+          </a:xfrm>
+          <a:prstGeom prst="rect">
+            <a:avLst/>
+          </a:prstGeom>
+          <a:noFill/>
+        </p:spPr>
+        <p:txBody>
+          <a:bodyPr wrap="square" rtlCol="0">
+            <a:spAutoFit/>
+          </a:bodyPr>
+          <a:lstStyle/>
+          <a:p>
+            <a:pPr algn="ctr"/>
+            <a:r>
+              <a:rPr lang="pl-PL" sz="2400" dirty="0" err="1"/>
+              <a:t>Distributions</a:t>
+            </a:r>
+            <a:endParaRPr lang="pl-PL" sz="2400" dirty="0"/>
+          </a:p>
+        </p:txBody>
+      </p:sp>
+      <p:sp>
+        <p:nvSpPr>
+          <p:cNvPr id="28" name="pole tekstowe 27">
+            <a:extLst>
+              <a:ext uri="{FF2B5EF4-FFF2-40B4-BE49-F238E27FC236}">
+                <a16:creationId xmlns:a16="http://schemas.microsoft.com/office/drawing/2014/main" id="{D097D56A-2B88-EE5B-26D9-0C8B768344A5}"/>
+              </a:ext>
+            </a:extLst>
+          </p:cNvPr>
+          <p:cNvSpPr txBox="1"/>
+          <p:nvPr/>
+        </p:nvSpPr>
+        <p:spPr>
+          <a:xfrm>
+            <a:off x="3543299" y="235527"/>
+            <a:ext cx="2057400" cy="461665"/>
+          </a:xfrm>
+          <a:prstGeom prst="rect">
+            <a:avLst/>
+          </a:prstGeom>
+          <a:noFill/>
+        </p:spPr>
+        <p:txBody>
+          <a:bodyPr wrap="square" rtlCol="0">
+            <a:spAutoFit/>
+          </a:bodyPr>
+          <a:lstStyle/>
+          <a:p>
+            <a:pPr algn="ctr"/>
+            <a:r>
+              <a:rPr lang="pl-PL" sz="2400" dirty="0" err="1"/>
+              <a:t>Amounts</a:t>
+            </a:r>
+            <a:endParaRPr lang="pl-PL" sz="2400" dirty="0"/>
+          </a:p>
+        </p:txBody>
+      </p:sp>
+      <p:sp>
+        <p:nvSpPr>
+          <p:cNvPr id="29" name="pole tekstowe 28">
+            <a:extLst>
+              <a:ext uri="{FF2B5EF4-FFF2-40B4-BE49-F238E27FC236}">
+                <a16:creationId xmlns:a16="http://schemas.microsoft.com/office/drawing/2014/main" id="{354C0267-C79C-0C19-297C-43F5ADE42932}"/>
+              </a:ext>
+            </a:extLst>
+          </p:cNvPr>
+          <p:cNvSpPr txBox="1"/>
+          <p:nvPr/>
+        </p:nvSpPr>
+        <p:spPr>
+          <a:xfrm>
+            <a:off x="6503610" y="235526"/>
+            <a:ext cx="2057400" cy="461665"/>
+          </a:xfrm>
+          <a:prstGeom prst="rect">
+            <a:avLst/>
+          </a:prstGeom>
+          <a:noFill/>
+        </p:spPr>
+        <p:txBody>
+          <a:bodyPr wrap="square" rtlCol="0">
+            <a:spAutoFit/>
+          </a:bodyPr>
+          <a:lstStyle/>
+          <a:p>
+            <a:pPr algn="ctr"/>
+            <a:r>
+              <a:rPr lang="pl-PL" sz="2400" dirty="0" err="1"/>
+              <a:t>Proportions</a:t>
+            </a:r>
+            <a:endParaRPr lang="pl-PL" sz="2400" dirty="0"/>
+          </a:p>
+        </p:txBody>
+      </p:sp>
+      <p:sp>
+        <p:nvSpPr>
+          <p:cNvPr id="30" name="pole tekstowe 29">
+            <a:extLst>
+              <a:ext uri="{FF2B5EF4-FFF2-40B4-BE49-F238E27FC236}">
+                <a16:creationId xmlns:a16="http://schemas.microsoft.com/office/drawing/2014/main" id="{1C92822C-F42B-2D95-9FFB-9B034E6E3958}"/>
+              </a:ext>
+            </a:extLst>
+          </p:cNvPr>
+          <p:cNvSpPr txBox="1"/>
+          <p:nvPr/>
+        </p:nvSpPr>
+        <p:spPr>
+          <a:xfrm>
+            <a:off x="210430" y="2680600"/>
+            <a:ext cx="2750126" cy="461665"/>
+          </a:xfrm>
+          <a:prstGeom prst="rect">
+            <a:avLst/>
+          </a:prstGeom>
+          <a:noFill/>
+        </p:spPr>
+        <p:txBody>
+          <a:bodyPr wrap="square" rtlCol="0">
+            <a:spAutoFit/>
+          </a:bodyPr>
+          <a:lstStyle/>
+          <a:p>
+            <a:pPr algn="ctr"/>
+            <a:r>
+              <a:rPr lang="pl-PL" sz="2400" dirty="0"/>
+              <a:t>x-y </a:t>
+            </a:r>
+            <a:r>
+              <a:rPr lang="pl-PL" sz="2400" dirty="0" err="1"/>
+              <a:t>relationships</a:t>
+            </a:r>
+            <a:endParaRPr lang="pl-PL" sz="2400" dirty="0"/>
+          </a:p>
+        </p:txBody>
+      </p:sp>
+      <p:sp>
+        <p:nvSpPr>
+          <p:cNvPr id="31" name="pole tekstowe 30">
+            <a:extLst>
+              <a:ext uri="{FF2B5EF4-FFF2-40B4-BE49-F238E27FC236}">
+                <a16:creationId xmlns:a16="http://schemas.microsoft.com/office/drawing/2014/main" id="{9E3A74F0-759F-DDE4-8DC6-D7B1666ACD92}"/>
+              </a:ext>
+            </a:extLst>
+          </p:cNvPr>
+          <p:cNvSpPr txBox="1"/>
+          <p:nvPr/>
+        </p:nvSpPr>
+        <p:spPr>
+          <a:xfrm>
+            <a:off x="3500637" y="2700030"/>
+            <a:ext cx="2057400" cy="461665"/>
+          </a:xfrm>
+          <a:prstGeom prst="rect">
+            <a:avLst/>
+          </a:prstGeom>
+          <a:noFill/>
+        </p:spPr>
+        <p:txBody>
+          <a:bodyPr wrap="square" rtlCol="0">
+            <a:spAutoFit/>
+          </a:bodyPr>
+          <a:lstStyle/>
+          <a:p>
+            <a:pPr algn="ctr"/>
+            <a:r>
+              <a:rPr lang="pl-PL" sz="2400" dirty="0" err="1"/>
+              <a:t>Uncertainty</a:t>
+            </a:r>
+            <a:endParaRPr lang="pl-PL" sz="2400" dirty="0"/>
+          </a:p>
+        </p:txBody>
+      </p:sp>
+      <p:sp>
+        <p:nvSpPr>
+          <p:cNvPr id="32" name="pole tekstowe 31">
+            <a:extLst>
+              <a:ext uri="{FF2B5EF4-FFF2-40B4-BE49-F238E27FC236}">
+                <a16:creationId xmlns:a16="http://schemas.microsoft.com/office/drawing/2014/main" id="{9430BD68-41B2-6180-12D9-5A853DC0B2BE}"/>
+              </a:ext>
+            </a:extLst>
+          </p:cNvPr>
+          <p:cNvSpPr txBox="1"/>
+          <p:nvPr/>
+        </p:nvSpPr>
+        <p:spPr>
+          <a:xfrm>
+            <a:off x="6529809" y="2675279"/>
+            <a:ext cx="2057400" cy="461665"/>
+          </a:xfrm>
+          <a:prstGeom prst="rect">
+            <a:avLst/>
+          </a:prstGeom>
+          <a:noFill/>
+        </p:spPr>
+        <p:txBody>
+          <a:bodyPr wrap="square" rtlCol="0">
+            <a:spAutoFit/>
+          </a:bodyPr>
+          <a:lstStyle/>
+          <a:p>
+            <a:pPr algn="ctr"/>
+            <a:r>
+              <a:rPr lang="pl-PL" sz="2400" dirty="0" err="1"/>
+              <a:t>Geospatial</a:t>
+            </a:r>
+            <a:endParaRPr lang="pl-PL" sz="2400" dirty="0"/>
+          </a:p>
+        </p:txBody>
+      </p:sp>
+    </p:spTree>
+    <p:extLst>
+      <p:ext uri="{BB962C8B-B14F-4D97-AF65-F5344CB8AC3E}">
+        <p14:creationId xmlns:p14="http://schemas.microsoft.com/office/powerpoint/2010/main" val="2123387006"/>
+      </p:ext>
+    </p:extLst>
+  </p:cSld>
+  <p:clrMapOvr>
+    <a:masterClrMapping/>
+  </p:clrMapOvr>
+</p:sld>
+</file>
+
+<file path=ppt/slides/slide12.xml><?xml version="1.0" encoding="utf-8"?>
+<p:sld xmlns:a="http://schemas.openxmlformats.org/drawingml/2006/main" xmlns:r="http://schemas.openxmlformats.org/officeDocument/2006/relationships" xmlns:p="http://schemas.openxmlformats.org/presentationml/2006/main">
+  <p:cSld>
+    <p:spTree>
+      <p:nvGrpSpPr>
+        <p:cNvPr id="1" name="Shape 75">
+          <a:extLst>
+            <a:ext uri="{FF2B5EF4-FFF2-40B4-BE49-F238E27FC236}">
+              <a16:creationId xmlns:a16="http://schemas.microsoft.com/office/drawing/2014/main" id="{73314E7F-2812-B645-3ADE-FABA870927D9}"/>
+            </a:ext>
+          </a:extLst>
+        </p:cNvPr>
+        <p:cNvGrpSpPr/>
+        <p:nvPr/>
+      </p:nvGrpSpPr>
+      <p:grpSpPr>
+        <a:xfrm>
+          <a:off x="0" y="0"/>
+          <a:ext cx="0" cy="0"/>
+          <a:chOff x="0" y="0"/>
+          <a:chExt cx="0" cy="0"/>
+        </a:xfrm>
+      </p:grpSpPr>
+      <p:sp>
+        <p:nvSpPr>
+          <p:cNvPr id="76" name="Google Shape;76;p17">
+            <a:extLst>
+              <a:ext uri="{FF2B5EF4-FFF2-40B4-BE49-F238E27FC236}">
+                <a16:creationId xmlns:a16="http://schemas.microsoft.com/office/drawing/2014/main" id="{34A3726D-BC00-367B-8EFE-8E5CD603738E}"/>
+              </a:ext>
+            </a:extLst>
+          </p:cNvPr>
+          <p:cNvSpPr txBox="1">
+            <a:spLocks noGrp="1"/>
+          </p:cNvSpPr>
+          <p:nvPr>
+            <p:ph type="ctrTitle"/>
+          </p:nvPr>
+        </p:nvSpPr>
+        <p:spPr>
+          <a:xfrm>
+            <a:off x="311700" y="744575"/>
+            <a:ext cx="8520600" cy="2201100"/>
+          </a:xfrm>
+          <a:prstGeom prst="rect">
+            <a:avLst/>
+          </a:prstGeom>
+        </p:spPr>
+        <p:txBody>
+          <a:bodyPr spcFirstLastPara="1" wrap="square" lIns="91425" tIns="91425" rIns="91425" bIns="91425" anchor="b" anchorCtr="0">
+            <a:normAutofit/>
+          </a:bodyPr>
+          <a:lstStyle/>
+          <a:p>
+            <a:pPr marL="0" lvl="0" indent="0" algn="ctr" rtl="0">
+              <a:spcBef>
+                <a:spcPts val="0"/>
+              </a:spcBef>
+              <a:spcAft>
+                <a:spcPts val="0"/>
+              </a:spcAft>
+              <a:buNone/>
+            </a:pPr>
+            <a:r>
+              <a:rPr lang="pl"/>
+              <a:t>Main libraries</a:t>
+            </a:r>
+            <a:endParaRPr/>
+          </a:p>
+        </p:txBody>
+      </p:sp>
+    </p:spTree>
+    <p:extLst>
+      <p:ext uri="{BB962C8B-B14F-4D97-AF65-F5344CB8AC3E}">
+        <p14:creationId xmlns:p14="http://schemas.microsoft.com/office/powerpoint/2010/main" val="1675739922"/>
+      </p:ext>
+    </p:extLst>
+  </p:cSld>
+  <p:clrMapOvr>
+    <a:masterClrMapping/>
+  </p:clrMapOvr>
+</p:sld>
+</file>
+
+<file path=ppt/slides/slide13.xml><?xml version="1.0" encoding="utf-8"?>
 <p:sld xmlns:a="http://schemas.openxmlformats.org/drawingml/2006/main" xmlns:r="http://schemas.openxmlformats.org/officeDocument/2006/relationships" xmlns:p="http://schemas.openxmlformats.org/presentationml/2006/main">
   <p:cSld>
     <p:spTree>
@@ -13182,7 +13835,7 @@
 </p:sld>
 </file>
 
-<file path=ppt/slides/slide12.xml><?xml version="1.0" encoding="utf-8"?>
+<file path=ppt/slides/slide14.xml><?xml version="1.0" encoding="utf-8"?>
 <p:sld xmlns:a="http://schemas.openxmlformats.org/drawingml/2006/main" xmlns:r="http://schemas.openxmlformats.org/officeDocument/2006/relationships" xmlns:p="http://schemas.openxmlformats.org/presentationml/2006/main">
   <p:cSld>
     <p:spTree>
@@ -13347,7 +14000,7 @@
 </p:sld>
 </file>
 
-<file path=ppt/slides/slide13.xml><?xml version="1.0" encoding="utf-8"?>
+<file path=ppt/slides/slide15.xml><?xml version="1.0" encoding="utf-8"?>
 <p:sld xmlns:a="http://schemas.openxmlformats.org/drawingml/2006/main" xmlns:r="http://schemas.openxmlformats.org/officeDocument/2006/relationships" xmlns:p="http://schemas.openxmlformats.org/presentationml/2006/main">
   <p:cSld>
     <p:spTree>
@@ -13590,7 +14243,7 @@
 </p:sld>
 </file>
 
-<file path=ppt/slides/slide14.xml><?xml version="1.0" encoding="utf-8"?>
+<file path=ppt/slides/slide16.xml><?xml version="1.0" encoding="utf-8"?>
 <p:sld xmlns:a="http://schemas.openxmlformats.org/drawingml/2006/main" xmlns:r="http://schemas.openxmlformats.org/officeDocument/2006/relationships" xmlns:p="http://schemas.openxmlformats.org/presentationml/2006/main">
   <p:cSld>
     <p:spTree>
@@ -13953,7 +14606,7 @@
 </p:sld>
 </file>
 
-<file path=ppt/slides/slide15.xml><?xml version="1.0" encoding="utf-8"?>
+<file path=ppt/slides/slide17.xml><?xml version="1.0" encoding="utf-8"?>
 <p:sld xmlns:a="http://schemas.openxmlformats.org/drawingml/2006/main" xmlns:r="http://schemas.openxmlformats.org/officeDocument/2006/relationships" xmlns:p="http://schemas.openxmlformats.org/presentationml/2006/main">
   <p:cSld>
     <p:spTree>
@@ -14344,7 +14997,7 @@
 </p:sld>
 </file>
 
-<file path=ppt/slides/slide16.xml><?xml version="1.0" encoding="utf-8"?>
+<file path=ppt/slides/slide18.xml><?xml version="1.0" encoding="utf-8"?>
 <p:sld xmlns:a="http://schemas.openxmlformats.org/drawingml/2006/main" xmlns:r="http://schemas.openxmlformats.org/officeDocument/2006/relationships" xmlns:p="http://schemas.openxmlformats.org/presentationml/2006/main">
   <p:cSld>
     <p:spTree>
@@ -14411,7 +15064,7 @@
 </p:sld>
 </file>
 
-<file path=ppt/slides/slide17.xml><?xml version="1.0" encoding="utf-8"?>
+<file path=ppt/slides/slide19.xml><?xml version="1.0" encoding="utf-8"?>
 <p:sld xmlns:a="http://schemas.openxmlformats.org/drawingml/2006/main" xmlns:r="http://schemas.openxmlformats.org/officeDocument/2006/relationships" xmlns:p="http://schemas.openxmlformats.org/presentationml/2006/main">
   <p:cSld>
     <p:spTree>
@@ -14562,7 +15215,74 @@
 </p:sld>
 </file>
 
-<file path=ppt/slides/slide18.xml><?xml version="1.0" encoding="utf-8"?>
+<file path=ppt/slides/slide2.xml><?xml version="1.0" encoding="utf-8"?>
+<p:sld xmlns:a="http://schemas.openxmlformats.org/drawingml/2006/main" xmlns:r="http://schemas.openxmlformats.org/officeDocument/2006/relationships" xmlns:p="http://schemas.openxmlformats.org/presentationml/2006/main">
+  <p:cSld>
+    <p:spTree>
+      <p:nvGrpSpPr>
+        <p:cNvPr id="1" name="Shape 58"/>
+        <p:cNvGrpSpPr/>
+        <p:nvPr/>
+      </p:nvGrpSpPr>
+      <p:grpSpPr>
+        <a:xfrm>
+          <a:off x="0" y="0"/>
+          <a:ext cx="0" cy="0"/>
+          <a:chOff x="0" y="0"/>
+          <a:chExt cx="0" cy="0"/>
+        </a:xfrm>
+      </p:grpSpPr>
+      <p:sp>
+        <p:nvSpPr>
+          <p:cNvPr id="59" name="Google Shape;59;p14"/>
+          <p:cNvSpPr txBox="1">
+            <a:spLocks noGrp="1"/>
+          </p:cNvSpPr>
+          <p:nvPr>
+            <p:ph type="ctrTitle"/>
+          </p:nvPr>
+        </p:nvSpPr>
+        <p:spPr>
+          <a:xfrm>
+            <a:off x="311700" y="979350"/>
+            <a:ext cx="8520600" cy="2407200"/>
+          </a:xfrm>
+          <a:prstGeom prst="rect">
+            <a:avLst/>
+          </a:prstGeom>
+        </p:spPr>
+        <p:txBody>
+          <a:bodyPr spcFirstLastPara="1" wrap="square" lIns="91425" tIns="91425" rIns="91425" bIns="91425" anchor="b" anchorCtr="0">
+            <a:normAutofit/>
+          </a:bodyPr>
+          <a:lstStyle/>
+          <a:p>
+            <a:pPr marL="0" lvl="0" indent="0" algn="ctr" rtl="0">
+              <a:spcBef>
+                <a:spcPts val="0"/>
+              </a:spcBef>
+              <a:spcAft>
+                <a:spcPts val="0"/>
+              </a:spcAft>
+              <a:buNone/>
+            </a:pPr>
+            <a:r>
+              <a:rPr lang="pl" dirty="0"/>
+              <a:t>Why do we need visualizations?</a:t>
+            </a:r>
+            <a:endParaRPr dirty="0"/>
+          </a:p>
+        </p:txBody>
+      </p:sp>
+    </p:spTree>
+  </p:cSld>
+  <p:clrMapOvr>
+    <a:masterClrMapping/>
+  </p:clrMapOvr>
+</p:sld>
+</file>
+
+<file path=ppt/slides/slide20.xml><?xml version="1.0" encoding="utf-8"?>
 <p:sld xmlns:a="http://schemas.openxmlformats.org/drawingml/2006/main" xmlns:r="http://schemas.openxmlformats.org/officeDocument/2006/relationships" xmlns:p="http://schemas.openxmlformats.org/presentationml/2006/main">
   <p:cSld>
     <p:spTree>
@@ -14629,7 +15349,7 @@
 </p:sld>
 </file>
 
-<file path=ppt/slides/slide19.xml><?xml version="1.0" encoding="utf-8"?>
+<file path=ppt/slides/slide21.xml><?xml version="1.0" encoding="utf-8"?>
 <p:sld xmlns:a="http://schemas.openxmlformats.org/drawingml/2006/main" xmlns:r="http://schemas.openxmlformats.org/officeDocument/2006/relationships" xmlns:p="http://schemas.openxmlformats.org/presentationml/2006/main">
   <p:cSld>
     <p:bg>
@@ -14690,74 +15410,7 @@
 </p:sld>
 </file>
 
-<file path=ppt/slides/slide2.xml><?xml version="1.0" encoding="utf-8"?>
-<p:sld xmlns:a="http://schemas.openxmlformats.org/drawingml/2006/main" xmlns:r="http://schemas.openxmlformats.org/officeDocument/2006/relationships" xmlns:p="http://schemas.openxmlformats.org/presentationml/2006/main">
-  <p:cSld>
-    <p:spTree>
-      <p:nvGrpSpPr>
-        <p:cNvPr id="1" name="Shape 58"/>
-        <p:cNvGrpSpPr/>
-        <p:nvPr/>
-      </p:nvGrpSpPr>
-      <p:grpSpPr>
-        <a:xfrm>
-          <a:off x="0" y="0"/>
-          <a:ext cx="0" cy="0"/>
-          <a:chOff x="0" y="0"/>
-          <a:chExt cx="0" cy="0"/>
-        </a:xfrm>
-      </p:grpSpPr>
-      <p:sp>
-        <p:nvSpPr>
-          <p:cNvPr id="59" name="Google Shape;59;p14"/>
-          <p:cNvSpPr txBox="1">
-            <a:spLocks noGrp="1"/>
-          </p:cNvSpPr>
-          <p:nvPr>
-            <p:ph type="ctrTitle"/>
-          </p:nvPr>
-        </p:nvSpPr>
-        <p:spPr>
-          <a:xfrm>
-            <a:off x="311700" y="979350"/>
-            <a:ext cx="8520600" cy="2407200"/>
-          </a:xfrm>
-          <a:prstGeom prst="rect">
-            <a:avLst/>
-          </a:prstGeom>
-        </p:spPr>
-        <p:txBody>
-          <a:bodyPr spcFirstLastPara="1" wrap="square" lIns="91425" tIns="91425" rIns="91425" bIns="91425" anchor="b" anchorCtr="0">
-            <a:normAutofit/>
-          </a:bodyPr>
-          <a:lstStyle/>
-          <a:p>
-            <a:pPr marL="0" lvl="0" indent="0" algn="ctr" rtl="0">
-              <a:spcBef>
-                <a:spcPts val="0"/>
-              </a:spcBef>
-              <a:spcAft>
-                <a:spcPts val="0"/>
-              </a:spcAft>
-              <a:buNone/>
-            </a:pPr>
-            <a:r>
-              <a:rPr lang="pl" dirty="0"/>
-              <a:t>Why do we need visualizations?</a:t>
-            </a:r>
-            <a:endParaRPr dirty="0"/>
-          </a:p>
-        </p:txBody>
-      </p:sp>
-    </p:spTree>
-  </p:cSld>
-  <p:clrMapOvr>
-    <a:masterClrMapping/>
-  </p:clrMapOvr>
-</p:sld>
-</file>
-
-<file path=ppt/slides/slide20.xml><?xml version="1.0" encoding="utf-8"?>
+<file path=ppt/slides/slide22.xml><?xml version="1.0" encoding="utf-8"?>
 <p:sld xmlns:a="http://schemas.openxmlformats.org/drawingml/2006/main" xmlns:r="http://schemas.openxmlformats.org/officeDocument/2006/relationships" xmlns:p="http://schemas.openxmlformats.org/presentationml/2006/main">
   <p:cSld>
     <p:bg>
@@ -14818,7 +15471,7 @@
 </p:sld>
 </file>
 
-<file path=ppt/slides/slide21.xml><?xml version="1.0" encoding="utf-8"?>
+<file path=ppt/slides/slide23.xml><?xml version="1.0" encoding="utf-8"?>
 <p:sld xmlns:a="http://schemas.openxmlformats.org/drawingml/2006/main" xmlns:r="http://schemas.openxmlformats.org/officeDocument/2006/relationships" xmlns:p="http://schemas.openxmlformats.org/presentationml/2006/main">
   <p:cSld>
     <p:bg>
@@ -14879,7 +15532,7 @@
 </p:sld>
 </file>
 
-<file path=ppt/slides/slide22.xml><?xml version="1.0" encoding="utf-8"?>
+<file path=ppt/slides/slide24.xml><?xml version="1.0" encoding="utf-8"?>
 <p:sld xmlns:a="http://schemas.openxmlformats.org/drawingml/2006/main" xmlns:r="http://schemas.openxmlformats.org/officeDocument/2006/relationships" xmlns:p="http://schemas.openxmlformats.org/presentationml/2006/main">
   <p:cSld>
     <p:spTree>
@@ -14982,7 +15635,7 @@
 </p:sld>
 </file>
 
-<file path=ppt/slides/slide23.xml><?xml version="1.0" encoding="utf-8"?>
+<file path=ppt/slides/slide25.xml><?xml version="1.0" encoding="utf-8"?>
 <p:sld xmlns:a="http://schemas.openxmlformats.org/drawingml/2006/main" xmlns:r="http://schemas.openxmlformats.org/officeDocument/2006/relationships" xmlns:p="http://schemas.openxmlformats.org/presentationml/2006/main">
   <p:cSld>
     <p:spTree>
@@ -15085,7 +15738,7 @@
 </p:sld>
 </file>
 
-<file path=ppt/slides/slide24.xml><?xml version="1.0" encoding="utf-8"?>
+<file path=ppt/slides/slide26.xml><?xml version="1.0" encoding="utf-8"?>
 <p:sld xmlns:a="http://schemas.openxmlformats.org/drawingml/2006/main" xmlns:r="http://schemas.openxmlformats.org/officeDocument/2006/relationships" xmlns:p="http://schemas.openxmlformats.org/presentationml/2006/main">
   <p:cSld>
     <p:spTree>
@@ -15160,7 +15813,7 @@
 </p:sld>
 </file>
 
-<file path=ppt/slides/slide25.xml><?xml version="1.0" encoding="utf-8"?>
+<file path=ppt/slides/slide27.xml><?xml version="1.0" encoding="utf-8"?>
 <p:sld xmlns:a="http://schemas.openxmlformats.org/drawingml/2006/main" xmlns:r="http://schemas.openxmlformats.org/officeDocument/2006/relationships" xmlns:p="http://schemas.openxmlformats.org/presentationml/2006/main">
   <p:cSld>
     <p:spTree>
@@ -15246,7 +15899,7 @@
 </p:sld>
 </file>
 
-<file path=ppt/slides/slide26.xml><?xml version="1.0" encoding="utf-8"?>
+<file path=ppt/slides/slide28.xml><?xml version="1.0" encoding="utf-8"?>
 <p:sld xmlns:a="http://schemas.openxmlformats.org/drawingml/2006/main" xmlns:r="http://schemas.openxmlformats.org/officeDocument/2006/relationships" xmlns:p="http://schemas.openxmlformats.org/presentationml/2006/main">
   <p:cSld>
     <p:spTree>
@@ -15375,7 +16028,7 @@
 </p:sld>
 </file>
 
-<file path=ppt/slides/slide27.xml><?xml version="1.0" encoding="utf-8"?>
+<file path=ppt/slides/slide29.xml><?xml version="1.0" encoding="utf-8"?>
 <p:sld xmlns:a="http://schemas.openxmlformats.org/drawingml/2006/main" xmlns:r="http://schemas.openxmlformats.org/officeDocument/2006/relationships" xmlns:p="http://schemas.openxmlformats.org/presentationml/2006/main">
   <p:cSld>
     <p:spTree>
@@ -15469,325 +16122,6 @@
           </a:ln>
         </p:spPr>
       </p:pic>
-    </p:spTree>
-  </p:cSld>
-  <p:clrMapOvr>
-    <a:masterClrMapping/>
-  </p:clrMapOvr>
-</p:sld>
-</file>
-
-<file path=ppt/slides/slide28.xml><?xml version="1.0" encoding="utf-8"?>
-<p:sld xmlns:a="http://schemas.openxmlformats.org/drawingml/2006/main" xmlns:r="http://schemas.openxmlformats.org/officeDocument/2006/relationships" xmlns:p="http://schemas.openxmlformats.org/presentationml/2006/main">
-  <p:cSld>
-    <p:spTree>
-      <p:nvGrpSpPr>
-        <p:cNvPr id="1" name="Shape 200"/>
-        <p:cNvGrpSpPr/>
-        <p:nvPr/>
-      </p:nvGrpSpPr>
-      <p:grpSpPr>
-        <a:xfrm>
-          <a:off x="0" y="0"/>
-          <a:ext cx="0" cy="0"/>
-          <a:chOff x="0" y="0"/>
-          <a:chExt cx="0" cy="0"/>
-        </a:xfrm>
-      </p:grpSpPr>
-      <p:sp>
-        <p:nvSpPr>
-          <p:cNvPr id="201" name="Google Shape;201;p35"/>
-          <p:cNvSpPr txBox="1"/>
-          <p:nvPr/>
-        </p:nvSpPr>
-        <p:spPr>
-          <a:xfrm>
-            <a:off x="1390550" y="134575"/>
-            <a:ext cx="6526500" cy="564000"/>
-          </a:xfrm>
-          <a:prstGeom prst="rect">
-            <a:avLst/>
-          </a:prstGeom>
-          <a:noFill/>
-          <a:ln>
-            <a:noFill/>
-          </a:ln>
-        </p:spPr>
-        <p:txBody>
-          <a:bodyPr spcFirstLastPara="1" wrap="square" lIns="91425" tIns="91425" rIns="91425" bIns="91425" anchor="t" anchorCtr="0">
-            <a:noAutofit/>
-          </a:bodyPr>
-          <a:lstStyle/>
-          <a:p>
-            <a:pPr marL="0" lvl="0" indent="0" algn="ctr" rtl="0">
-              <a:spcBef>
-                <a:spcPts val="0"/>
-              </a:spcBef>
-              <a:spcAft>
-                <a:spcPts val="0"/>
-              </a:spcAft>
-              <a:buNone/>
-            </a:pPr>
-            <a:r>
-              <a:rPr lang="pl" sz="3200">
-                <a:solidFill>
-                  <a:schemeClr val="dk1"/>
-                </a:solidFill>
-              </a:rPr>
-              <a:t>Density plot</a:t>
-            </a:r>
-            <a:endParaRPr sz="3200">
-              <a:solidFill>
-                <a:schemeClr val="dk1"/>
-              </a:solidFill>
-            </a:endParaRPr>
-          </a:p>
-        </p:txBody>
-      </p:sp>
-      <p:pic>
-        <p:nvPicPr>
-          <p:cNvPr id="202" name="Google Shape;202;p35" title="1_9obULl-lPPC9npJzmfPuXg.png"/>
-          <p:cNvPicPr preferRelativeResize="0"/>
-          <p:nvPr/>
-        </p:nvPicPr>
-        <p:blipFill rotWithShape="1">
-          <a:blip r:embed="rId3">
-            <a:alphaModFix/>
-          </a:blip>
-          <a:srcRect l="34634" r="35859"/>
-          <a:stretch/>
-        </p:blipFill>
-        <p:spPr>
-          <a:xfrm>
-            <a:off x="3408463" y="1144575"/>
-            <a:ext cx="2327075" cy="542925"/>
-          </a:xfrm>
-          <a:prstGeom prst="rect">
-            <a:avLst/>
-          </a:prstGeom>
-          <a:noFill/>
-          <a:ln>
-            <a:noFill/>
-          </a:ln>
-        </p:spPr>
-      </p:pic>
-      <p:pic>
-        <p:nvPicPr>
-          <p:cNvPr id="203" name="Google Shape;203;p35" title="1_HXdNtNDelrcEeOqnl818Sg.png"/>
-          <p:cNvPicPr preferRelativeResize="0"/>
-          <p:nvPr/>
-        </p:nvPicPr>
-        <p:blipFill rotWithShape="1">
-          <a:blip r:embed="rId4">
-            <a:alphaModFix/>
-          </a:blip>
-          <a:srcRect l="31322" r="34207"/>
-          <a:stretch/>
-        </p:blipFill>
-        <p:spPr>
-          <a:xfrm>
-            <a:off x="3212725" y="1943100"/>
-            <a:ext cx="2718550" cy="1257300"/>
-          </a:xfrm>
-          <a:prstGeom prst="rect">
-            <a:avLst/>
-          </a:prstGeom>
-          <a:noFill/>
-          <a:ln>
-            <a:noFill/>
-          </a:ln>
-        </p:spPr>
-      </p:pic>
-    </p:spTree>
-  </p:cSld>
-  <p:clrMapOvr>
-    <a:masterClrMapping/>
-  </p:clrMapOvr>
-</p:sld>
-</file>
-
-<file path=ppt/slides/slide29.xml><?xml version="1.0" encoding="utf-8"?>
-<p:sld xmlns:a="http://schemas.openxmlformats.org/drawingml/2006/main" xmlns:r="http://schemas.openxmlformats.org/officeDocument/2006/relationships" xmlns:p="http://schemas.openxmlformats.org/presentationml/2006/main">
-  <p:cSld>
-    <p:spTree>
-      <p:nvGrpSpPr>
-        <p:cNvPr id="1" name="Shape 207"/>
-        <p:cNvGrpSpPr/>
-        <p:nvPr/>
-      </p:nvGrpSpPr>
-      <p:grpSpPr>
-        <a:xfrm>
-          <a:off x="0" y="0"/>
-          <a:ext cx="0" cy="0"/>
-          <a:chOff x="0" y="0"/>
-          <a:chExt cx="0" cy="0"/>
-        </a:xfrm>
-      </p:grpSpPr>
-      <p:sp>
-        <p:nvSpPr>
-          <p:cNvPr id="208" name="Google Shape;208;p36"/>
-          <p:cNvSpPr txBox="1"/>
-          <p:nvPr/>
-        </p:nvSpPr>
-        <p:spPr>
-          <a:xfrm>
-            <a:off x="1390550" y="134575"/>
-            <a:ext cx="6526500" cy="564000"/>
-          </a:xfrm>
-          <a:prstGeom prst="rect">
-            <a:avLst/>
-          </a:prstGeom>
-          <a:noFill/>
-          <a:ln>
-            <a:noFill/>
-          </a:ln>
-        </p:spPr>
-        <p:txBody>
-          <a:bodyPr spcFirstLastPara="1" wrap="square" lIns="91425" tIns="91425" rIns="91425" bIns="91425" anchor="t" anchorCtr="0">
-            <a:noAutofit/>
-          </a:bodyPr>
-          <a:lstStyle/>
-          <a:p>
-            <a:pPr marL="0" lvl="0" indent="0" algn="ctr" rtl="0">
-              <a:spcBef>
-                <a:spcPts val="0"/>
-              </a:spcBef>
-              <a:spcAft>
-                <a:spcPts val="0"/>
-              </a:spcAft>
-              <a:buNone/>
-            </a:pPr>
-            <a:r>
-              <a:rPr lang="pl" sz="3200">
-                <a:solidFill>
-                  <a:schemeClr val="dk1"/>
-                </a:solidFill>
-              </a:rPr>
-              <a:t>Density plot</a:t>
-            </a:r>
-            <a:endParaRPr sz="3200">
-              <a:solidFill>
-                <a:schemeClr val="dk1"/>
-              </a:solidFill>
-            </a:endParaRPr>
-          </a:p>
-        </p:txBody>
-      </p:sp>
-      <p:pic>
-        <p:nvPicPr>
-          <p:cNvPr id="209" name="Google Shape;209;p36" title="1_9obULl-lPPC9npJzmfPuXg.png"/>
-          <p:cNvPicPr preferRelativeResize="0"/>
-          <p:nvPr/>
-        </p:nvPicPr>
-        <p:blipFill rotWithShape="1">
-          <a:blip r:embed="rId3">
-            <a:alphaModFix/>
-          </a:blip>
-          <a:srcRect l="34634" r="35859"/>
-          <a:stretch/>
-        </p:blipFill>
-        <p:spPr>
-          <a:xfrm>
-            <a:off x="3408463" y="1144575"/>
-            <a:ext cx="2327075" cy="542925"/>
-          </a:xfrm>
-          <a:prstGeom prst="rect">
-            <a:avLst/>
-          </a:prstGeom>
-          <a:noFill/>
-          <a:ln>
-            <a:noFill/>
-          </a:ln>
-        </p:spPr>
-      </p:pic>
-      <p:pic>
-        <p:nvPicPr>
-          <p:cNvPr id="210" name="Google Shape;210;p36" title="1_HXdNtNDelrcEeOqnl818Sg.png"/>
-          <p:cNvPicPr preferRelativeResize="0"/>
-          <p:nvPr/>
-        </p:nvPicPr>
-        <p:blipFill rotWithShape="1">
-          <a:blip r:embed="rId4">
-            <a:alphaModFix/>
-          </a:blip>
-          <a:srcRect l="31322" r="34207"/>
-          <a:stretch/>
-        </p:blipFill>
-        <p:spPr>
-          <a:xfrm>
-            <a:off x="3212725" y="1943100"/>
-            <a:ext cx="2718550" cy="1257300"/>
-          </a:xfrm>
-          <a:prstGeom prst="rect">
-            <a:avLst/>
-          </a:prstGeom>
-          <a:noFill/>
-          <a:ln>
-            <a:noFill/>
-          </a:ln>
-        </p:spPr>
-      </p:pic>
-      <p:sp>
-        <p:nvSpPr>
-          <p:cNvPr id="211" name="Google Shape;211;p36"/>
-          <p:cNvSpPr txBox="1"/>
-          <p:nvPr/>
-        </p:nvSpPr>
-        <p:spPr>
-          <a:xfrm>
-            <a:off x="350150" y="461075"/>
-            <a:ext cx="3207900" cy="1609500"/>
-          </a:xfrm>
-          <a:prstGeom prst="rect">
-            <a:avLst/>
-          </a:prstGeom>
-          <a:noFill/>
-          <a:ln>
-            <a:noFill/>
-          </a:ln>
-        </p:spPr>
-        <p:txBody>
-          <a:bodyPr spcFirstLastPara="1" wrap="square" lIns="91425" tIns="91425" rIns="91425" bIns="91425" anchor="t" anchorCtr="0">
-            <a:noAutofit/>
-          </a:bodyPr>
-          <a:lstStyle/>
-          <a:p>
-            <a:pPr marL="0" lvl="0" indent="0" algn="l" rtl="0">
-              <a:spcBef>
-                <a:spcPts val="0"/>
-              </a:spcBef>
-              <a:spcAft>
-                <a:spcPts val="0"/>
-              </a:spcAft>
-              <a:buNone/>
-            </a:pPr>
-            <a:r>
-              <a:rPr lang="pl" sz="1800">
-                <a:solidFill>
-                  <a:schemeClr val="dk2"/>
-                </a:solidFill>
-              </a:rPr>
-              <a:t>h - </a:t>
-            </a:r>
-            <a:r>
-              <a:rPr lang="pl" sz="1800">
-                <a:solidFill>
-                  <a:srgbClr val="242424"/>
-                </a:solidFill>
-                <a:highlight>
-                  <a:srgbClr val="FFFFFF"/>
-                </a:highlight>
-              </a:rPr>
-              <a:t>kernel bandwidth</a:t>
-            </a:r>
-            <a:endParaRPr sz="1800">
-              <a:solidFill>
-                <a:schemeClr val="dk2"/>
-              </a:solidFill>
-            </a:endParaRPr>
-          </a:p>
-        </p:txBody>
-      </p:sp>
     </p:spTree>
   </p:cSld>
   <p:clrMapOvr>
@@ -15904,7 +16238,7 @@
   <p:cSld>
     <p:spTree>
       <p:nvGrpSpPr>
-        <p:cNvPr id="1" name="Shape 215"/>
+        <p:cNvPr id="1" name="Shape 200"/>
         <p:cNvGrpSpPr/>
         <p:nvPr/>
       </p:nvGrpSpPr>
@@ -15918,7 +16252,7 @@
       </p:grpSpPr>
       <p:sp>
         <p:nvSpPr>
-          <p:cNvPr id="216" name="Google Shape;216;p37"/>
+          <p:cNvPr id="201" name="Google Shape;201;p35"/>
           <p:cNvSpPr txBox="1"/>
           <p:nvPr/>
         </p:nvSpPr>
@@ -15968,7 +16302,7 @@
       </p:sp>
       <p:pic>
         <p:nvPicPr>
-          <p:cNvPr id="217" name="Google Shape;217;p37" title="1_9obULl-lPPC9npJzmfPuXg.png"/>
+          <p:cNvPr id="202" name="Google Shape;202;p35" title="1_9obULl-lPPC9npJzmfPuXg.png"/>
           <p:cNvPicPr preferRelativeResize="0"/>
           <p:nvPr/>
         </p:nvPicPr>
@@ -15995,7 +16329,7 @@
       </p:pic>
       <p:pic>
         <p:nvPicPr>
-          <p:cNvPr id="218" name="Google Shape;218;p37" title="1_HXdNtNDelrcEeOqnl818Sg.png"/>
+          <p:cNvPr id="203" name="Google Shape;203;p35" title="1_HXdNtNDelrcEeOqnl818Sg.png"/>
           <p:cNvPicPr preferRelativeResize="0"/>
           <p:nvPr/>
         </p:nvPicPr>
@@ -16020,23 +16354,98 @@
           </a:ln>
         </p:spPr>
       </p:pic>
+    </p:spTree>
+  </p:cSld>
+  <p:clrMapOvr>
+    <a:masterClrMapping/>
+  </p:clrMapOvr>
+</p:sld>
+</file>
+
+<file path=ppt/slides/slide31.xml><?xml version="1.0" encoding="utf-8"?>
+<p:sld xmlns:a="http://schemas.openxmlformats.org/drawingml/2006/main" xmlns:r="http://schemas.openxmlformats.org/officeDocument/2006/relationships" xmlns:p="http://schemas.openxmlformats.org/presentationml/2006/main">
+  <p:cSld>
+    <p:spTree>
+      <p:nvGrpSpPr>
+        <p:cNvPr id="1" name="Shape 207"/>
+        <p:cNvGrpSpPr/>
+        <p:nvPr/>
+      </p:nvGrpSpPr>
+      <p:grpSpPr>
+        <a:xfrm>
+          <a:off x="0" y="0"/>
+          <a:ext cx="0" cy="0"/>
+          <a:chOff x="0" y="0"/>
+          <a:chExt cx="0" cy="0"/>
+        </a:xfrm>
+      </p:grpSpPr>
+      <p:sp>
+        <p:nvSpPr>
+          <p:cNvPr id="208" name="Google Shape;208;p36"/>
+          <p:cNvSpPr txBox="1"/>
+          <p:nvPr/>
+        </p:nvSpPr>
+        <p:spPr>
+          <a:xfrm>
+            <a:off x="1390550" y="134575"/>
+            <a:ext cx="6526500" cy="564000"/>
+          </a:xfrm>
+          <a:prstGeom prst="rect">
+            <a:avLst/>
+          </a:prstGeom>
+          <a:noFill/>
+          <a:ln>
+            <a:noFill/>
+          </a:ln>
+        </p:spPr>
+        <p:txBody>
+          <a:bodyPr spcFirstLastPara="1" wrap="square" lIns="91425" tIns="91425" rIns="91425" bIns="91425" anchor="t" anchorCtr="0">
+            <a:noAutofit/>
+          </a:bodyPr>
+          <a:lstStyle/>
+          <a:p>
+            <a:pPr marL="0" lvl="0" indent="0" algn="ctr" rtl="0">
+              <a:spcBef>
+                <a:spcPts val="0"/>
+              </a:spcBef>
+              <a:spcAft>
+                <a:spcPts val="0"/>
+              </a:spcAft>
+              <a:buNone/>
+            </a:pPr>
+            <a:r>
+              <a:rPr lang="pl" sz="3200">
+                <a:solidFill>
+                  <a:schemeClr val="dk1"/>
+                </a:solidFill>
+              </a:rPr>
+              <a:t>Density plot</a:t>
+            </a:r>
+            <a:endParaRPr sz="3200">
+              <a:solidFill>
+                <a:schemeClr val="dk1"/>
+              </a:solidFill>
+            </a:endParaRPr>
+          </a:p>
+        </p:txBody>
+      </p:sp>
       <p:pic>
         <p:nvPicPr>
-          <p:cNvPr id="219" name="Google Shape;219;p37" title="1_3DpCSNd8X-dltjclCU0HbQ.png"/>
+          <p:cNvPr id="209" name="Google Shape;209;p36" title="1_9obULl-lPPC9npJzmfPuXg.png"/>
           <p:cNvPicPr preferRelativeResize="0"/>
           <p:nvPr/>
         </p:nvPicPr>
         <p:blipFill rotWithShape="1">
-          <a:blip r:embed="rId5">
+          <a:blip r:embed="rId3">
             <a:alphaModFix/>
           </a:blip>
-          <a:srcRect l="29945" r="32688"/>
+          <a:srcRect l="34634" r="35859"/>
           <a:stretch/>
         </p:blipFill>
         <p:spPr>
           <a:xfrm>
-            <a:off x="3098550" y="3510600"/>
-            <a:ext cx="2946900" cy="1200150"/>
+            <a:off x="3408463" y="1144575"/>
+            <a:ext cx="2327075" cy="542925"/>
           </a:xfrm>
           <a:prstGeom prst="rect">
             <a:avLst/>
@@ -16047,9 +16456,36 @@
           </a:ln>
         </p:spPr>
       </p:pic>
-      <p:sp>
-        <p:nvSpPr>
-          <p:cNvPr id="220" name="Google Shape;220;p37"/>
+      <p:pic>
+        <p:nvPicPr>
+          <p:cNvPr id="210" name="Google Shape;210;p36" title="1_HXdNtNDelrcEeOqnl818Sg.png"/>
+          <p:cNvPicPr preferRelativeResize="0"/>
+          <p:nvPr/>
+        </p:nvPicPr>
+        <p:blipFill rotWithShape="1">
+          <a:blip r:embed="rId4">
+            <a:alphaModFix/>
+          </a:blip>
+          <a:srcRect l="31322" r="34207"/>
+          <a:stretch/>
+        </p:blipFill>
+        <p:spPr>
+          <a:xfrm>
+            <a:off x="3212725" y="1943100"/>
+            <a:ext cx="2718550" cy="1257300"/>
+          </a:xfrm>
+          <a:prstGeom prst="rect">
+            <a:avLst/>
+          </a:prstGeom>
+          <a:noFill/>
+          <a:ln>
+            <a:noFill/>
+          </a:ln>
+        </p:spPr>
+      </p:pic>
+      <p:sp>
+        <p:nvSpPr>
+          <p:cNvPr id="211" name="Google Shape;211;p36"/>
           <p:cNvSpPr txBox="1"/>
           <p:nvPr/>
         </p:nvSpPr>
@@ -16116,7 +16552,224 @@
 </p:sld>
 </file>
 
-<file path=ppt/slides/slide31.xml><?xml version="1.0" encoding="utf-8"?>
+<file path=ppt/slides/slide32.xml><?xml version="1.0" encoding="utf-8"?>
+<p:sld xmlns:a="http://schemas.openxmlformats.org/drawingml/2006/main" xmlns:r="http://schemas.openxmlformats.org/officeDocument/2006/relationships" xmlns:p="http://schemas.openxmlformats.org/presentationml/2006/main">
+  <p:cSld>
+    <p:spTree>
+      <p:nvGrpSpPr>
+        <p:cNvPr id="1" name="Shape 215"/>
+        <p:cNvGrpSpPr/>
+        <p:nvPr/>
+      </p:nvGrpSpPr>
+      <p:grpSpPr>
+        <a:xfrm>
+          <a:off x="0" y="0"/>
+          <a:ext cx="0" cy="0"/>
+          <a:chOff x="0" y="0"/>
+          <a:chExt cx="0" cy="0"/>
+        </a:xfrm>
+      </p:grpSpPr>
+      <p:sp>
+        <p:nvSpPr>
+          <p:cNvPr id="216" name="Google Shape;216;p37"/>
+          <p:cNvSpPr txBox="1"/>
+          <p:nvPr/>
+        </p:nvSpPr>
+        <p:spPr>
+          <a:xfrm>
+            <a:off x="1390550" y="134575"/>
+            <a:ext cx="6526500" cy="564000"/>
+          </a:xfrm>
+          <a:prstGeom prst="rect">
+            <a:avLst/>
+          </a:prstGeom>
+          <a:noFill/>
+          <a:ln>
+            <a:noFill/>
+          </a:ln>
+        </p:spPr>
+        <p:txBody>
+          <a:bodyPr spcFirstLastPara="1" wrap="square" lIns="91425" tIns="91425" rIns="91425" bIns="91425" anchor="t" anchorCtr="0">
+            <a:noAutofit/>
+          </a:bodyPr>
+          <a:lstStyle/>
+          <a:p>
+            <a:pPr marL="0" lvl="0" indent="0" algn="ctr" rtl="0">
+              <a:spcBef>
+                <a:spcPts val="0"/>
+              </a:spcBef>
+              <a:spcAft>
+                <a:spcPts val="0"/>
+              </a:spcAft>
+              <a:buNone/>
+            </a:pPr>
+            <a:r>
+              <a:rPr lang="pl" sz="3200">
+                <a:solidFill>
+                  <a:schemeClr val="dk1"/>
+                </a:solidFill>
+              </a:rPr>
+              <a:t>Density plot</a:t>
+            </a:r>
+            <a:endParaRPr sz="3200">
+              <a:solidFill>
+                <a:schemeClr val="dk1"/>
+              </a:solidFill>
+            </a:endParaRPr>
+          </a:p>
+        </p:txBody>
+      </p:sp>
+      <p:pic>
+        <p:nvPicPr>
+          <p:cNvPr id="217" name="Google Shape;217;p37" title="1_9obULl-lPPC9npJzmfPuXg.png"/>
+          <p:cNvPicPr preferRelativeResize="0"/>
+          <p:nvPr/>
+        </p:nvPicPr>
+        <p:blipFill rotWithShape="1">
+          <a:blip r:embed="rId3">
+            <a:alphaModFix/>
+          </a:blip>
+          <a:srcRect l="34634" r="35859"/>
+          <a:stretch/>
+        </p:blipFill>
+        <p:spPr>
+          <a:xfrm>
+            <a:off x="3408463" y="1144575"/>
+            <a:ext cx="2327075" cy="542925"/>
+          </a:xfrm>
+          <a:prstGeom prst="rect">
+            <a:avLst/>
+          </a:prstGeom>
+          <a:noFill/>
+          <a:ln>
+            <a:noFill/>
+          </a:ln>
+        </p:spPr>
+      </p:pic>
+      <p:pic>
+        <p:nvPicPr>
+          <p:cNvPr id="218" name="Google Shape;218;p37" title="1_HXdNtNDelrcEeOqnl818Sg.png"/>
+          <p:cNvPicPr preferRelativeResize="0"/>
+          <p:nvPr/>
+        </p:nvPicPr>
+        <p:blipFill rotWithShape="1">
+          <a:blip r:embed="rId4">
+            <a:alphaModFix/>
+          </a:blip>
+          <a:srcRect l="31322" r="34207"/>
+          <a:stretch/>
+        </p:blipFill>
+        <p:spPr>
+          <a:xfrm>
+            <a:off x="3212725" y="1943100"/>
+            <a:ext cx="2718550" cy="1257300"/>
+          </a:xfrm>
+          <a:prstGeom prst="rect">
+            <a:avLst/>
+          </a:prstGeom>
+          <a:noFill/>
+          <a:ln>
+            <a:noFill/>
+          </a:ln>
+        </p:spPr>
+      </p:pic>
+      <p:pic>
+        <p:nvPicPr>
+          <p:cNvPr id="219" name="Google Shape;219;p37" title="1_3DpCSNd8X-dltjclCU0HbQ.png"/>
+          <p:cNvPicPr preferRelativeResize="0"/>
+          <p:nvPr/>
+        </p:nvPicPr>
+        <p:blipFill rotWithShape="1">
+          <a:blip r:embed="rId5">
+            <a:alphaModFix/>
+          </a:blip>
+          <a:srcRect l="29945" r="32688"/>
+          <a:stretch/>
+        </p:blipFill>
+        <p:spPr>
+          <a:xfrm>
+            <a:off x="3098550" y="3510600"/>
+            <a:ext cx="2946900" cy="1200150"/>
+          </a:xfrm>
+          <a:prstGeom prst="rect">
+            <a:avLst/>
+          </a:prstGeom>
+          <a:noFill/>
+          <a:ln>
+            <a:noFill/>
+          </a:ln>
+        </p:spPr>
+      </p:pic>
+      <p:sp>
+        <p:nvSpPr>
+          <p:cNvPr id="220" name="Google Shape;220;p37"/>
+          <p:cNvSpPr txBox="1"/>
+          <p:nvPr/>
+        </p:nvSpPr>
+        <p:spPr>
+          <a:xfrm>
+            <a:off x="350150" y="461075"/>
+            <a:ext cx="3207900" cy="1609500"/>
+          </a:xfrm>
+          <a:prstGeom prst="rect">
+            <a:avLst/>
+          </a:prstGeom>
+          <a:noFill/>
+          <a:ln>
+            <a:noFill/>
+          </a:ln>
+        </p:spPr>
+        <p:txBody>
+          <a:bodyPr spcFirstLastPara="1" wrap="square" lIns="91425" tIns="91425" rIns="91425" bIns="91425" anchor="t" anchorCtr="0">
+            <a:noAutofit/>
+          </a:bodyPr>
+          <a:lstStyle/>
+          <a:p>
+            <a:pPr marL="0" lvl="0" indent="0" algn="l" rtl="0">
+              <a:spcBef>
+                <a:spcPts val="0"/>
+              </a:spcBef>
+              <a:spcAft>
+                <a:spcPts val="0"/>
+              </a:spcAft>
+              <a:buNone/>
+            </a:pPr>
+            <a:r>
+              <a:rPr lang="pl" sz="1800">
+                <a:solidFill>
+                  <a:schemeClr val="dk2"/>
+                </a:solidFill>
+              </a:rPr>
+              <a:t>h - </a:t>
+            </a:r>
+            <a:r>
+              <a:rPr lang="pl" sz="1800">
+                <a:solidFill>
+                  <a:srgbClr val="242424"/>
+                </a:solidFill>
+                <a:highlight>
+                  <a:srgbClr val="FFFFFF"/>
+                </a:highlight>
+              </a:rPr>
+              <a:t>kernel bandwidth</a:t>
+            </a:r>
+            <a:endParaRPr sz="1800">
+              <a:solidFill>
+                <a:schemeClr val="dk2"/>
+              </a:solidFill>
+            </a:endParaRPr>
+          </a:p>
+        </p:txBody>
+      </p:sp>
+    </p:spTree>
+  </p:cSld>
+  <p:clrMapOvr>
+    <a:masterClrMapping/>
+  </p:clrMapOvr>
+</p:sld>
+</file>
+
+<file path=ppt/slides/slide33.xml><?xml version="1.0" encoding="utf-8"?>
 <p:sld xmlns:a="http://schemas.openxmlformats.org/drawingml/2006/main" xmlns:r="http://schemas.openxmlformats.org/officeDocument/2006/relationships" xmlns:p="http://schemas.openxmlformats.org/presentationml/2006/main">
   <p:cSld>
     <p:spTree>
@@ -16219,7 +16872,7 @@
 </p:sld>
 </file>
 
-<file path=ppt/slides/slide32.xml><?xml version="1.0" encoding="utf-8"?>
+<file path=ppt/slides/slide34.xml><?xml version="1.0" encoding="utf-8"?>
 <p:sld xmlns:a="http://schemas.openxmlformats.org/drawingml/2006/main" xmlns:r="http://schemas.openxmlformats.org/officeDocument/2006/relationships" xmlns:p="http://schemas.openxmlformats.org/presentationml/2006/main">
   <p:cSld>
     <p:spTree>
@@ -16349,7 +17002,7 @@
 </p:sld>
 </file>
 
-<file path=ppt/slides/slide33.xml><?xml version="1.0" encoding="utf-8"?>
+<file path=ppt/slides/slide35.xml><?xml version="1.0" encoding="utf-8"?>
 <p:sld xmlns:a="http://schemas.openxmlformats.org/drawingml/2006/main" xmlns:r="http://schemas.openxmlformats.org/officeDocument/2006/relationships" xmlns:p="http://schemas.openxmlformats.org/presentationml/2006/main">
   <p:cSld>
     <p:spTree>
@@ -16507,7 +17160,7 @@
 </p:sld>
 </file>
 
-<file path=ppt/slides/slide34.xml><?xml version="1.0" encoding="utf-8"?>
+<file path=ppt/slides/slide36.xml><?xml version="1.0" encoding="utf-8"?>
 <p:sld xmlns:a="http://schemas.openxmlformats.org/drawingml/2006/main" xmlns:r="http://schemas.openxmlformats.org/officeDocument/2006/relationships" xmlns:p="http://schemas.openxmlformats.org/presentationml/2006/main">
   <p:cSld>
     <p:spTree>
@@ -16609,7 +17262,7 @@
 </p:sld>
 </file>
 
-<file path=ppt/slides/slide35.xml><?xml version="1.0" encoding="utf-8"?>
+<file path=ppt/slides/slide37.xml><?xml version="1.0" encoding="utf-8"?>
 <p:sld xmlns:a="http://schemas.openxmlformats.org/drawingml/2006/main" xmlns:r="http://schemas.openxmlformats.org/officeDocument/2006/relationships" xmlns:p="http://schemas.openxmlformats.org/presentationml/2006/main">
   <p:cSld>
     <p:spTree>
@@ -16757,7 +17410,7 @@
 </p:sld>
 </file>
 
-<file path=ppt/slides/slide36.xml><?xml version="1.0" encoding="utf-8"?>
+<file path=ppt/slides/slide38.xml><?xml version="1.0" encoding="utf-8"?>
 <p:sld xmlns:a="http://schemas.openxmlformats.org/drawingml/2006/main" xmlns:r="http://schemas.openxmlformats.org/officeDocument/2006/relationships" xmlns:p="http://schemas.openxmlformats.org/presentationml/2006/main">
   <p:cSld>
     <p:spTree>
@@ -16860,7 +17513,7 @@
 </p:sld>
 </file>
 
-<file path=ppt/slides/slide37.xml><?xml version="1.0" encoding="utf-8"?>
+<file path=ppt/slides/slide39.xml><?xml version="1.0" encoding="utf-8"?>
 <p:sld xmlns:a="http://schemas.openxmlformats.org/drawingml/2006/main" xmlns:r="http://schemas.openxmlformats.org/officeDocument/2006/relationships" xmlns:p="http://schemas.openxmlformats.org/presentationml/2006/main">
   <p:cSld>
     <p:spTree>
@@ -16945,211 +17598,6 @@
           <a:xfrm>
             <a:off x="1379400" y="1970250"/>
             <a:ext cx="6385176" cy="1203000"/>
-          </a:xfrm>
-          <a:prstGeom prst="rect">
-            <a:avLst/>
-          </a:prstGeom>
-          <a:noFill/>
-          <a:ln>
-            <a:noFill/>
-          </a:ln>
-        </p:spPr>
-      </p:pic>
-    </p:spTree>
-  </p:cSld>
-  <p:clrMapOvr>
-    <a:masterClrMapping/>
-  </p:clrMapOvr>
-</p:sld>
-</file>
-
-<file path=ppt/slides/slide38.xml><?xml version="1.0" encoding="utf-8"?>
-<p:sld xmlns:a="http://schemas.openxmlformats.org/drawingml/2006/main" xmlns:r="http://schemas.openxmlformats.org/officeDocument/2006/relationships" xmlns:p="http://schemas.openxmlformats.org/presentationml/2006/main">
-  <p:cSld>
-    <p:spTree>
-      <p:nvGrpSpPr>
-        <p:cNvPr id="1" name="Shape 270"/>
-        <p:cNvGrpSpPr/>
-        <p:nvPr/>
-      </p:nvGrpSpPr>
-      <p:grpSpPr>
-        <a:xfrm>
-          <a:off x="0" y="0"/>
-          <a:ext cx="0" cy="0"/>
-          <a:chOff x="0" y="0"/>
-          <a:chExt cx="0" cy="0"/>
-        </a:xfrm>
-      </p:grpSpPr>
-      <p:sp>
-        <p:nvSpPr>
-          <p:cNvPr id="271" name="Google Shape;271;p45"/>
-          <p:cNvSpPr txBox="1"/>
-          <p:nvPr/>
-        </p:nvSpPr>
-        <p:spPr>
-          <a:xfrm>
-            <a:off x="1390550" y="134575"/>
-            <a:ext cx="6526500" cy="564000"/>
-          </a:xfrm>
-          <a:prstGeom prst="rect">
-            <a:avLst/>
-          </a:prstGeom>
-          <a:noFill/>
-          <a:ln>
-            <a:noFill/>
-          </a:ln>
-        </p:spPr>
-        <p:txBody>
-          <a:bodyPr spcFirstLastPara="1" wrap="square" lIns="91425" tIns="91425" rIns="91425" bIns="91425" anchor="t" anchorCtr="0">
-            <a:noAutofit/>
-          </a:bodyPr>
-          <a:lstStyle/>
-          <a:p>
-            <a:pPr marL="0" lvl="0" indent="0" algn="ctr" rtl="0">
-              <a:spcBef>
-                <a:spcPts val="0"/>
-              </a:spcBef>
-              <a:spcAft>
-                <a:spcPts val="0"/>
-              </a:spcAft>
-              <a:buNone/>
-            </a:pPr>
-            <a:r>
-              <a:rPr lang="pl" sz="3200">
-                <a:solidFill>
-                  <a:schemeClr val="dk1"/>
-                </a:solidFill>
-              </a:rPr>
-              <a:t>Density plot</a:t>
-            </a:r>
-            <a:endParaRPr sz="3200">
-              <a:solidFill>
-                <a:schemeClr val="dk1"/>
-              </a:solidFill>
-            </a:endParaRPr>
-          </a:p>
-        </p:txBody>
-      </p:sp>
-      <p:pic>
-        <p:nvPicPr>
-          <p:cNvPr id="272" name="Google Shape;272;p45" title="graph1.png"/>
-          <p:cNvPicPr preferRelativeResize="0"/>
-          <p:nvPr/>
-        </p:nvPicPr>
-        <p:blipFill>
-          <a:blip r:embed="rId3">
-            <a:alphaModFix/>
-          </a:blip>
-          <a:stretch>
-            <a:fillRect/>
-          </a:stretch>
-        </p:blipFill>
-        <p:spPr>
-          <a:xfrm>
-            <a:off x="152400" y="850975"/>
-            <a:ext cx="8839200" cy="3535680"/>
-          </a:xfrm>
-          <a:prstGeom prst="rect">
-            <a:avLst/>
-          </a:prstGeom>
-          <a:noFill/>
-          <a:ln>
-            <a:noFill/>
-          </a:ln>
-        </p:spPr>
-      </p:pic>
-    </p:spTree>
-  </p:cSld>
-  <p:clrMapOvr>
-    <a:masterClrMapping/>
-  </p:clrMapOvr>
-</p:sld>
-</file>
-
-<file path=ppt/slides/slide39.xml><?xml version="1.0" encoding="utf-8"?>
-<p:sld xmlns:a="http://schemas.openxmlformats.org/drawingml/2006/main" xmlns:r="http://schemas.openxmlformats.org/officeDocument/2006/relationships" xmlns:p="http://schemas.openxmlformats.org/presentationml/2006/main">
-  <p:cSld>
-    <p:spTree>
-      <p:nvGrpSpPr>
-        <p:cNvPr id="1" name="Shape 276"/>
-        <p:cNvGrpSpPr/>
-        <p:nvPr/>
-      </p:nvGrpSpPr>
-      <p:grpSpPr>
-        <a:xfrm>
-          <a:off x="0" y="0"/>
-          <a:ext cx="0" cy="0"/>
-          <a:chOff x="0" y="0"/>
-          <a:chExt cx="0" cy="0"/>
-        </a:xfrm>
-      </p:grpSpPr>
-      <p:sp>
-        <p:nvSpPr>
-          <p:cNvPr id="277" name="Google Shape;277;p46"/>
-          <p:cNvSpPr txBox="1"/>
-          <p:nvPr/>
-        </p:nvSpPr>
-        <p:spPr>
-          <a:xfrm>
-            <a:off x="1390550" y="134575"/>
-            <a:ext cx="6526500" cy="564000"/>
-          </a:xfrm>
-          <a:prstGeom prst="rect">
-            <a:avLst/>
-          </a:prstGeom>
-          <a:noFill/>
-          <a:ln>
-            <a:noFill/>
-          </a:ln>
-        </p:spPr>
-        <p:txBody>
-          <a:bodyPr spcFirstLastPara="1" wrap="square" lIns="91425" tIns="91425" rIns="91425" bIns="91425" anchor="t" anchorCtr="0">
-            <a:noAutofit/>
-          </a:bodyPr>
-          <a:lstStyle/>
-          <a:p>
-            <a:pPr marL="0" lvl="0" indent="0" algn="ctr" rtl="0">
-              <a:spcBef>
-                <a:spcPts val="0"/>
-              </a:spcBef>
-              <a:spcAft>
-                <a:spcPts val="0"/>
-              </a:spcAft>
-              <a:buNone/>
-            </a:pPr>
-            <a:r>
-              <a:rPr lang="pl" sz="3200">
-                <a:solidFill>
-                  <a:schemeClr val="dk1"/>
-                </a:solidFill>
-              </a:rPr>
-              <a:t>Density plot</a:t>
-            </a:r>
-            <a:endParaRPr sz="3200">
-              <a:solidFill>
-                <a:schemeClr val="dk1"/>
-              </a:solidFill>
-            </a:endParaRPr>
-          </a:p>
-        </p:txBody>
-      </p:sp>
-      <p:pic>
-        <p:nvPicPr>
-          <p:cNvPr id="278" name="Google Shape;278;p46"/>
-          <p:cNvPicPr preferRelativeResize="0"/>
-          <p:nvPr/>
-        </p:nvPicPr>
-        <p:blipFill rotWithShape="1">
-          <a:blip r:embed="rId3">
-            <a:alphaModFix/>
-          </a:blip>
-          <a:srcRect/>
-          <a:stretch/>
-        </p:blipFill>
-        <p:spPr>
-          <a:xfrm>
-            <a:off x="152400" y="850975"/>
-            <a:ext cx="8839200" cy="3535680"/>
           </a:xfrm>
           <a:prstGeom prst="rect">
             <a:avLst/>
@@ -17276,7 +17724,7 @@
   <p:cSld>
     <p:spTree>
       <p:nvGrpSpPr>
-        <p:cNvPr id="1" name="Shape 282"/>
+        <p:cNvPr id="1" name="Shape 270"/>
         <p:cNvGrpSpPr/>
         <p:nvPr/>
       </p:nvGrpSpPr>
@@ -17290,7 +17738,7 @@
       </p:grpSpPr>
       <p:sp>
         <p:nvSpPr>
-          <p:cNvPr id="283" name="Google Shape;283;p47"/>
+          <p:cNvPr id="271" name="Google Shape;271;p45"/>
           <p:cNvSpPr txBox="1"/>
           <p:nvPr/>
         </p:nvSpPr>
@@ -17340,6 +17788,211 @@
       </p:sp>
       <p:pic>
         <p:nvPicPr>
+          <p:cNvPr id="272" name="Google Shape;272;p45" title="graph1.png"/>
+          <p:cNvPicPr preferRelativeResize="0"/>
+          <p:nvPr/>
+        </p:nvPicPr>
+        <p:blipFill>
+          <a:blip r:embed="rId3">
+            <a:alphaModFix/>
+          </a:blip>
+          <a:stretch>
+            <a:fillRect/>
+          </a:stretch>
+        </p:blipFill>
+        <p:spPr>
+          <a:xfrm>
+            <a:off x="152400" y="850975"/>
+            <a:ext cx="8839200" cy="3535680"/>
+          </a:xfrm>
+          <a:prstGeom prst="rect">
+            <a:avLst/>
+          </a:prstGeom>
+          <a:noFill/>
+          <a:ln>
+            <a:noFill/>
+          </a:ln>
+        </p:spPr>
+      </p:pic>
+    </p:spTree>
+  </p:cSld>
+  <p:clrMapOvr>
+    <a:masterClrMapping/>
+  </p:clrMapOvr>
+</p:sld>
+</file>
+
+<file path=ppt/slides/slide41.xml><?xml version="1.0" encoding="utf-8"?>
+<p:sld xmlns:a="http://schemas.openxmlformats.org/drawingml/2006/main" xmlns:r="http://schemas.openxmlformats.org/officeDocument/2006/relationships" xmlns:p="http://schemas.openxmlformats.org/presentationml/2006/main">
+  <p:cSld>
+    <p:spTree>
+      <p:nvGrpSpPr>
+        <p:cNvPr id="1" name="Shape 276"/>
+        <p:cNvGrpSpPr/>
+        <p:nvPr/>
+      </p:nvGrpSpPr>
+      <p:grpSpPr>
+        <a:xfrm>
+          <a:off x="0" y="0"/>
+          <a:ext cx="0" cy="0"/>
+          <a:chOff x="0" y="0"/>
+          <a:chExt cx="0" cy="0"/>
+        </a:xfrm>
+      </p:grpSpPr>
+      <p:sp>
+        <p:nvSpPr>
+          <p:cNvPr id="277" name="Google Shape;277;p46"/>
+          <p:cNvSpPr txBox="1"/>
+          <p:nvPr/>
+        </p:nvSpPr>
+        <p:spPr>
+          <a:xfrm>
+            <a:off x="1390550" y="134575"/>
+            <a:ext cx="6526500" cy="564000"/>
+          </a:xfrm>
+          <a:prstGeom prst="rect">
+            <a:avLst/>
+          </a:prstGeom>
+          <a:noFill/>
+          <a:ln>
+            <a:noFill/>
+          </a:ln>
+        </p:spPr>
+        <p:txBody>
+          <a:bodyPr spcFirstLastPara="1" wrap="square" lIns="91425" tIns="91425" rIns="91425" bIns="91425" anchor="t" anchorCtr="0">
+            <a:noAutofit/>
+          </a:bodyPr>
+          <a:lstStyle/>
+          <a:p>
+            <a:pPr marL="0" lvl="0" indent="0" algn="ctr" rtl="0">
+              <a:spcBef>
+                <a:spcPts val="0"/>
+              </a:spcBef>
+              <a:spcAft>
+                <a:spcPts val="0"/>
+              </a:spcAft>
+              <a:buNone/>
+            </a:pPr>
+            <a:r>
+              <a:rPr lang="pl" sz="3200">
+                <a:solidFill>
+                  <a:schemeClr val="dk1"/>
+                </a:solidFill>
+              </a:rPr>
+              <a:t>Density plot</a:t>
+            </a:r>
+            <a:endParaRPr sz="3200">
+              <a:solidFill>
+                <a:schemeClr val="dk1"/>
+              </a:solidFill>
+            </a:endParaRPr>
+          </a:p>
+        </p:txBody>
+      </p:sp>
+      <p:pic>
+        <p:nvPicPr>
+          <p:cNvPr id="278" name="Google Shape;278;p46"/>
+          <p:cNvPicPr preferRelativeResize="0"/>
+          <p:nvPr/>
+        </p:nvPicPr>
+        <p:blipFill rotWithShape="1">
+          <a:blip r:embed="rId3">
+            <a:alphaModFix/>
+          </a:blip>
+          <a:srcRect/>
+          <a:stretch/>
+        </p:blipFill>
+        <p:spPr>
+          <a:xfrm>
+            <a:off x="152400" y="850975"/>
+            <a:ext cx="8839200" cy="3535680"/>
+          </a:xfrm>
+          <a:prstGeom prst="rect">
+            <a:avLst/>
+          </a:prstGeom>
+          <a:noFill/>
+          <a:ln>
+            <a:noFill/>
+          </a:ln>
+        </p:spPr>
+      </p:pic>
+    </p:spTree>
+  </p:cSld>
+  <p:clrMapOvr>
+    <a:masterClrMapping/>
+  </p:clrMapOvr>
+</p:sld>
+</file>
+
+<file path=ppt/slides/slide42.xml><?xml version="1.0" encoding="utf-8"?>
+<p:sld xmlns:a="http://schemas.openxmlformats.org/drawingml/2006/main" xmlns:r="http://schemas.openxmlformats.org/officeDocument/2006/relationships" xmlns:p="http://schemas.openxmlformats.org/presentationml/2006/main">
+  <p:cSld>
+    <p:spTree>
+      <p:nvGrpSpPr>
+        <p:cNvPr id="1" name="Shape 282"/>
+        <p:cNvGrpSpPr/>
+        <p:nvPr/>
+      </p:nvGrpSpPr>
+      <p:grpSpPr>
+        <a:xfrm>
+          <a:off x="0" y="0"/>
+          <a:ext cx="0" cy="0"/>
+          <a:chOff x="0" y="0"/>
+          <a:chExt cx="0" cy="0"/>
+        </a:xfrm>
+      </p:grpSpPr>
+      <p:sp>
+        <p:nvSpPr>
+          <p:cNvPr id="283" name="Google Shape;283;p47"/>
+          <p:cNvSpPr txBox="1"/>
+          <p:nvPr/>
+        </p:nvSpPr>
+        <p:spPr>
+          <a:xfrm>
+            <a:off x="1390550" y="134575"/>
+            <a:ext cx="6526500" cy="564000"/>
+          </a:xfrm>
+          <a:prstGeom prst="rect">
+            <a:avLst/>
+          </a:prstGeom>
+          <a:noFill/>
+          <a:ln>
+            <a:noFill/>
+          </a:ln>
+        </p:spPr>
+        <p:txBody>
+          <a:bodyPr spcFirstLastPara="1" wrap="square" lIns="91425" tIns="91425" rIns="91425" bIns="91425" anchor="t" anchorCtr="0">
+            <a:noAutofit/>
+          </a:bodyPr>
+          <a:lstStyle/>
+          <a:p>
+            <a:pPr marL="0" lvl="0" indent="0" algn="ctr" rtl="0">
+              <a:spcBef>
+                <a:spcPts val="0"/>
+              </a:spcBef>
+              <a:spcAft>
+                <a:spcPts val="0"/>
+              </a:spcAft>
+              <a:buNone/>
+            </a:pPr>
+            <a:r>
+              <a:rPr lang="pl" sz="3200">
+                <a:solidFill>
+                  <a:schemeClr val="dk1"/>
+                </a:solidFill>
+              </a:rPr>
+              <a:t>Density plot</a:t>
+            </a:r>
+            <a:endParaRPr sz="3200">
+              <a:solidFill>
+                <a:schemeClr val="dk1"/>
+              </a:solidFill>
+            </a:endParaRPr>
+          </a:p>
+        </p:txBody>
+      </p:sp>
+      <p:pic>
+        <p:nvPicPr>
           <p:cNvPr id="284" name="Google Shape;284;p47"/>
           <p:cNvPicPr preferRelativeResize="0"/>
           <p:nvPr/>
@@ -17373,7 +18026,7 @@
 </p:sld>
 </file>
 
-<file path=ppt/slides/slide41.xml><?xml version="1.0" encoding="utf-8"?>
+<file path=ppt/slides/slide43.xml><?xml version="1.0" encoding="utf-8"?>
 <p:sld xmlns:a="http://schemas.openxmlformats.org/drawingml/2006/main" xmlns:r="http://schemas.openxmlformats.org/officeDocument/2006/relationships" xmlns:p="http://schemas.openxmlformats.org/presentationml/2006/main">
   <p:cSld>
     <p:spTree>
@@ -17476,7 +18129,7 @@
 </p:sld>
 </file>
 
-<file path=ppt/slides/slide42.xml><?xml version="1.0" encoding="utf-8"?>
+<file path=ppt/slides/slide44.xml><?xml version="1.0" encoding="utf-8"?>
 <p:sld xmlns:a="http://schemas.openxmlformats.org/drawingml/2006/main" xmlns:r="http://schemas.openxmlformats.org/officeDocument/2006/relationships" xmlns:p="http://schemas.openxmlformats.org/presentationml/2006/main">
   <p:cSld>
     <p:spTree>
@@ -17578,7 +18231,7 @@
 </p:sld>
 </file>
 
-<file path=ppt/slides/slide43.xml><?xml version="1.0" encoding="utf-8"?>
+<file path=ppt/slides/slide45.xml><?xml version="1.0" encoding="utf-8"?>
 <p:sld xmlns:a="http://schemas.openxmlformats.org/drawingml/2006/main" xmlns:r="http://schemas.openxmlformats.org/officeDocument/2006/relationships" xmlns:p="http://schemas.openxmlformats.org/presentationml/2006/main">
   <p:cSld>
     <p:spTree>
@@ -17680,7 +18333,7 @@
 </p:sld>
 </file>
 
-<file path=ppt/slides/slide44.xml><?xml version="1.0" encoding="utf-8"?>
+<file path=ppt/slides/slide46.xml><?xml version="1.0" encoding="utf-8"?>
 <p:sld xmlns:a="http://schemas.openxmlformats.org/drawingml/2006/main" xmlns:r="http://schemas.openxmlformats.org/officeDocument/2006/relationships" xmlns:p="http://schemas.openxmlformats.org/presentationml/2006/main">
   <p:cSld>
     <p:spTree>
@@ -17782,7 +18435,7 @@
 </p:sld>
 </file>
 
-<file path=ppt/slides/slide45.xml><?xml version="1.0" encoding="utf-8"?>
+<file path=ppt/slides/slide47.xml><?xml version="1.0" encoding="utf-8"?>
 <p:sld xmlns:a="http://schemas.openxmlformats.org/drawingml/2006/main" xmlns:r="http://schemas.openxmlformats.org/officeDocument/2006/relationships" xmlns:p="http://schemas.openxmlformats.org/presentationml/2006/main">
   <p:cSld>
     <p:spTree>
@@ -17884,7 +18537,7 @@
 </p:sld>
 </file>
 
-<file path=ppt/slides/slide46.xml><?xml version="1.0" encoding="utf-8"?>
+<file path=ppt/slides/slide48.xml><?xml version="1.0" encoding="utf-8"?>
 <p:sld xmlns:a="http://schemas.openxmlformats.org/drawingml/2006/main" xmlns:r="http://schemas.openxmlformats.org/officeDocument/2006/relationships" xmlns:p="http://schemas.openxmlformats.org/presentationml/2006/main">
   <p:cSld>
     <p:spTree>
@@ -17986,7 +18639,7 @@
 </p:sld>
 </file>
 
-<file path=ppt/slides/slide47.xml><?xml version="1.0" encoding="utf-8"?>
+<file path=ppt/slides/slide49.xml><?xml version="1.0" encoding="utf-8"?>
 <p:sld xmlns:a="http://schemas.openxmlformats.org/drawingml/2006/main" xmlns:r="http://schemas.openxmlformats.org/officeDocument/2006/relationships" xmlns:p="http://schemas.openxmlformats.org/presentationml/2006/main">
   <p:cSld>
     <p:spTree>
@@ -18056,210 +18709,6 @@
       <p:pic>
         <p:nvPicPr>
           <p:cNvPr id="326" name="Google Shape;326;p54"/>
-          <p:cNvPicPr preferRelativeResize="0"/>
-          <p:nvPr/>
-        </p:nvPicPr>
-        <p:blipFill rotWithShape="1">
-          <a:blip r:embed="rId3">
-            <a:alphaModFix/>
-          </a:blip>
-          <a:srcRect/>
-          <a:stretch/>
-        </p:blipFill>
-        <p:spPr>
-          <a:xfrm>
-            <a:off x="152400" y="850975"/>
-            <a:ext cx="8839200" cy="3535680"/>
-          </a:xfrm>
-          <a:prstGeom prst="rect">
-            <a:avLst/>
-          </a:prstGeom>
-          <a:noFill/>
-          <a:ln>
-            <a:noFill/>
-          </a:ln>
-        </p:spPr>
-      </p:pic>
-    </p:spTree>
-  </p:cSld>
-  <p:clrMapOvr>
-    <a:masterClrMapping/>
-  </p:clrMapOvr>
-</p:sld>
-</file>
-
-<file path=ppt/slides/slide48.xml><?xml version="1.0" encoding="utf-8"?>
-<p:sld xmlns:a="http://schemas.openxmlformats.org/drawingml/2006/main" xmlns:r="http://schemas.openxmlformats.org/officeDocument/2006/relationships" xmlns:p="http://schemas.openxmlformats.org/presentationml/2006/main">
-  <p:cSld>
-    <p:spTree>
-      <p:nvGrpSpPr>
-        <p:cNvPr id="1" name="Shape 330"/>
-        <p:cNvGrpSpPr/>
-        <p:nvPr/>
-      </p:nvGrpSpPr>
-      <p:grpSpPr>
-        <a:xfrm>
-          <a:off x="0" y="0"/>
-          <a:ext cx="0" cy="0"/>
-          <a:chOff x="0" y="0"/>
-          <a:chExt cx="0" cy="0"/>
-        </a:xfrm>
-      </p:grpSpPr>
-      <p:sp>
-        <p:nvSpPr>
-          <p:cNvPr id="331" name="Google Shape;331;p55"/>
-          <p:cNvSpPr txBox="1"/>
-          <p:nvPr/>
-        </p:nvSpPr>
-        <p:spPr>
-          <a:xfrm>
-            <a:off x="1390550" y="134575"/>
-            <a:ext cx="6526500" cy="564000"/>
-          </a:xfrm>
-          <a:prstGeom prst="rect">
-            <a:avLst/>
-          </a:prstGeom>
-          <a:noFill/>
-          <a:ln>
-            <a:noFill/>
-          </a:ln>
-        </p:spPr>
-        <p:txBody>
-          <a:bodyPr spcFirstLastPara="1" wrap="square" lIns="91425" tIns="91425" rIns="91425" bIns="91425" anchor="t" anchorCtr="0">
-            <a:noAutofit/>
-          </a:bodyPr>
-          <a:lstStyle/>
-          <a:p>
-            <a:pPr marL="0" lvl="0" indent="0" algn="ctr" rtl="0">
-              <a:spcBef>
-                <a:spcPts val="0"/>
-              </a:spcBef>
-              <a:spcAft>
-                <a:spcPts val="0"/>
-              </a:spcAft>
-              <a:buNone/>
-            </a:pPr>
-            <a:r>
-              <a:rPr lang="pl" sz="3200">
-                <a:solidFill>
-                  <a:schemeClr val="dk1"/>
-                </a:solidFill>
-              </a:rPr>
-              <a:t>Density plot</a:t>
-            </a:r>
-            <a:endParaRPr sz="3200">
-              <a:solidFill>
-                <a:schemeClr val="dk1"/>
-              </a:solidFill>
-            </a:endParaRPr>
-          </a:p>
-        </p:txBody>
-      </p:sp>
-      <p:pic>
-        <p:nvPicPr>
-          <p:cNvPr id="332" name="Google Shape;332;p55"/>
-          <p:cNvPicPr preferRelativeResize="0"/>
-          <p:nvPr/>
-        </p:nvPicPr>
-        <p:blipFill rotWithShape="1">
-          <a:blip r:embed="rId3">
-            <a:alphaModFix/>
-          </a:blip>
-          <a:srcRect/>
-          <a:stretch/>
-        </p:blipFill>
-        <p:spPr>
-          <a:xfrm>
-            <a:off x="152400" y="850975"/>
-            <a:ext cx="8839200" cy="3535680"/>
-          </a:xfrm>
-          <a:prstGeom prst="rect">
-            <a:avLst/>
-          </a:prstGeom>
-          <a:noFill/>
-          <a:ln>
-            <a:noFill/>
-          </a:ln>
-        </p:spPr>
-      </p:pic>
-    </p:spTree>
-  </p:cSld>
-  <p:clrMapOvr>
-    <a:masterClrMapping/>
-  </p:clrMapOvr>
-</p:sld>
-</file>
-
-<file path=ppt/slides/slide49.xml><?xml version="1.0" encoding="utf-8"?>
-<p:sld xmlns:a="http://schemas.openxmlformats.org/drawingml/2006/main" xmlns:r="http://schemas.openxmlformats.org/officeDocument/2006/relationships" xmlns:p="http://schemas.openxmlformats.org/presentationml/2006/main">
-  <p:cSld>
-    <p:spTree>
-      <p:nvGrpSpPr>
-        <p:cNvPr id="1" name="Shape 336"/>
-        <p:cNvGrpSpPr/>
-        <p:nvPr/>
-      </p:nvGrpSpPr>
-      <p:grpSpPr>
-        <a:xfrm>
-          <a:off x="0" y="0"/>
-          <a:ext cx="0" cy="0"/>
-          <a:chOff x="0" y="0"/>
-          <a:chExt cx="0" cy="0"/>
-        </a:xfrm>
-      </p:grpSpPr>
-      <p:sp>
-        <p:nvSpPr>
-          <p:cNvPr id="337" name="Google Shape;337;p56"/>
-          <p:cNvSpPr txBox="1"/>
-          <p:nvPr/>
-        </p:nvSpPr>
-        <p:spPr>
-          <a:xfrm>
-            <a:off x="1390550" y="134575"/>
-            <a:ext cx="6526500" cy="564000"/>
-          </a:xfrm>
-          <a:prstGeom prst="rect">
-            <a:avLst/>
-          </a:prstGeom>
-          <a:noFill/>
-          <a:ln>
-            <a:noFill/>
-          </a:ln>
-        </p:spPr>
-        <p:txBody>
-          <a:bodyPr spcFirstLastPara="1" wrap="square" lIns="91425" tIns="91425" rIns="91425" bIns="91425" anchor="t" anchorCtr="0">
-            <a:noAutofit/>
-          </a:bodyPr>
-          <a:lstStyle/>
-          <a:p>
-            <a:pPr marL="0" lvl="0" indent="0" algn="ctr" rtl="0">
-              <a:spcBef>
-                <a:spcPts val="0"/>
-              </a:spcBef>
-              <a:spcAft>
-                <a:spcPts val="0"/>
-              </a:spcAft>
-              <a:buNone/>
-            </a:pPr>
-            <a:r>
-              <a:rPr lang="pl" sz="3200">
-                <a:solidFill>
-                  <a:schemeClr val="dk1"/>
-                </a:solidFill>
-              </a:rPr>
-              <a:t>Density plot</a:t>
-            </a:r>
-            <a:endParaRPr sz="3200">
-              <a:solidFill>
-                <a:schemeClr val="dk1"/>
-              </a:solidFill>
-            </a:endParaRPr>
-          </a:p>
-        </p:txBody>
-      </p:sp>
-      <p:pic>
-        <p:nvPicPr>
-          <p:cNvPr id="338" name="Google Shape;338;p56"/>
           <p:cNvPicPr preferRelativeResize="0"/>
           <p:nvPr/>
         </p:nvPicPr>
@@ -18363,7 +18812,7 @@
   <p:cSld>
     <p:spTree>
       <p:nvGrpSpPr>
-        <p:cNvPr id="1" name="Shape 342"/>
+        <p:cNvPr id="1" name="Shape 330"/>
         <p:cNvGrpSpPr/>
         <p:nvPr/>
       </p:nvGrpSpPr>
@@ -18377,7 +18826,7 @@
       </p:grpSpPr>
       <p:sp>
         <p:nvSpPr>
-          <p:cNvPr id="343" name="Google Shape;343;p57"/>
+          <p:cNvPr id="331" name="Google Shape;331;p55"/>
           <p:cNvSpPr txBox="1"/>
           <p:nvPr/>
         </p:nvSpPr>
@@ -18427,6 +18876,210 @@
       </p:sp>
       <p:pic>
         <p:nvPicPr>
+          <p:cNvPr id="332" name="Google Shape;332;p55"/>
+          <p:cNvPicPr preferRelativeResize="0"/>
+          <p:nvPr/>
+        </p:nvPicPr>
+        <p:blipFill rotWithShape="1">
+          <a:blip r:embed="rId3">
+            <a:alphaModFix/>
+          </a:blip>
+          <a:srcRect/>
+          <a:stretch/>
+        </p:blipFill>
+        <p:spPr>
+          <a:xfrm>
+            <a:off x="152400" y="850975"/>
+            <a:ext cx="8839200" cy="3535680"/>
+          </a:xfrm>
+          <a:prstGeom prst="rect">
+            <a:avLst/>
+          </a:prstGeom>
+          <a:noFill/>
+          <a:ln>
+            <a:noFill/>
+          </a:ln>
+        </p:spPr>
+      </p:pic>
+    </p:spTree>
+  </p:cSld>
+  <p:clrMapOvr>
+    <a:masterClrMapping/>
+  </p:clrMapOvr>
+</p:sld>
+</file>
+
+<file path=ppt/slides/slide51.xml><?xml version="1.0" encoding="utf-8"?>
+<p:sld xmlns:a="http://schemas.openxmlformats.org/drawingml/2006/main" xmlns:r="http://schemas.openxmlformats.org/officeDocument/2006/relationships" xmlns:p="http://schemas.openxmlformats.org/presentationml/2006/main">
+  <p:cSld>
+    <p:spTree>
+      <p:nvGrpSpPr>
+        <p:cNvPr id="1" name="Shape 336"/>
+        <p:cNvGrpSpPr/>
+        <p:nvPr/>
+      </p:nvGrpSpPr>
+      <p:grpSpPr>
+        <a:xfrm>
+          <a:off x="0" y="0"/>
+          <a:ext cx="0" cy="0"/>
+          <a:chOff x="0" y="0"/>
+          <a:chExt cx="0" cy="0"/>
+        </a:xfrm>
+      </p:grpSpPr>
+      <p:sp>
+        <p:nvSpPr>
+          <p:cNvPr id="337" name="Google Shape;337;p56"/>
+          <p:cNvSpPr txBox="1"/>
+          <p:nvPr/>
+        </p:nvSpPr>
+        <p:spPr>
+          <a:xfrm>
+            <a:off x="1390550" y="134575"/>
+            <a:ext cx="6526500" cy="564000"/>
+          </a:xfrm>
+          <a:prstGeom prst="rect">
+            <a:avLst/>
+          </a:prstGeom>
+          <a:noFill/>
+          <a:ln>
+            <a:noFill/>
+          </a:ln>
+        </p:spPr>
+        <p:txBody>
+          <a:bodyPr spcFirstLastPara="1" wrap="square" lIns="91425" tIns="91425" rIns="91425" bIns="91425" anchor="t" anchorCtr="0">
+            <a:noAutofit/>
+          </a:bodyPr>
+          <a:lstStyle/>
+          <a:p>
+            <a:pPr marL="0" lvl="0" indent="0" algn="ctr" rtl="0">
+              <a:spcBef>
+                <a:spcPts val="0"/>
+              </a:spcBef>
+              <a:spcAft>
+                <a:spcPts val="0"/>
+              </a:spcAft>
+              <a:buNone/>
+            </a:pPr>
+            <a:r>
+              <a:rPr lang="pl" sz="3200">
+                <a:solidFill>
+                  <a:schemeClr val="dk1"/>
+                </a:solidFill>
+              </a:rPr>
+              <a:t>Density plot</a:t>
+            </a:r>
+            <a:endParaRPr sz="3200">
+              <a:solidFill>
+                <a:schemeClr val="dk1"/>
+              </a:solidFill>
+            </a:endParaRPr>
+          </a:p>
+        </p:txBody>
+      </p:sp>
+      <p:pic>
+        <p:nvPicPr>
+          <p:cNvPr id="338" name="Google Shape;338;p56"/>
+          <p:cNvPicPr preferRelativeResize="0"/>
+          <p:nvPr/>
+        </p:nvPicPr>
+        <p:blipFill rotWithShape="1">
+          <a:blip r:embed="rId3">
+            <a:alphaModFix/>
+          </a:blip>
+          <a:srcRect/>
+          <a:stretch/>
+        </p:blipFill>
+        <p:spPr>
+          <a:xfrm>
+            <a:off x="152400" y="850975"/>
+            <a:ext cx="8839200" cy="3535680"/>
+          </a:xfrm>
+          <a:prstGeom prst="rect">
+            <a:avLst/>
+          </a:prstGeom>
+          <a:noFill/>
+          <a:ln>
+            <a:noFill/>
+          </a:ln>
+        </p:spPr>
+      </p:pic>
+    </p:spTree>
+  </p:cSld>
+  <p:clrMapOvr>
+    <a:masterClrMapping/>
+  </p:clrMapOvr>
+</p:sld>
+</file>
+
+<file path=ppt/slides/slide52.xml><?xml version="1.0" encoding="utf-8"?>
+<p:sld xmlns:a="http://schemas.openxmlformats.org/drawingml/2006/main" xmlns:r="http://schemas.openxmlformats.org/officeDocument/2006/relationships" xmlns:p="http://schemas.openxmlformats.org/presentationml/2006/main">
+  <p:cSld>
+    <p:spTree>
+      <p:nvGrpSpPr>
+        <p:cNvPr id="1" name="Shape 342"/>
+        <p:cNvGrpSpPr/>
+        <p:nvPr/>
+      </p:nvGrpSpPr>
+      <p:grpSpPr>
+        <a:xfrm>
+          <a:off x="0" y="0"/>
+          <a:ext cx="0" cy="0"/>
+          <a:chOff x="0" y="0"/>
+          <a:chExt cx="0" cy="0"/>
+        </a:xfrm>
+      </p:grpSpPr>
+      <p:sp>
+        <p:nvSpPr>
+          <p:cNvPr id="343" name="Google Shape;343;p57"/>
+          <p:cNvSpPr txBox="1"/>
+          <p:nvPr/>
+        </p:nvSpPr>
+        <p:spPr>
+          <a:xfrm>
+            <a:off x="1390550" y="134575"/>
+            <a:ext cx="6526500" cy="564000"/>
+          </a:xfrm>
+          <a:prstGeom prst="rect">
+            <a:avLst/>
+          </a:prstGeom>
+          <a:noFill/>
+          <a:ln>
+            <a:noFill/>
+          </a:ln>
+        </p:spPr>
+        <p:txBody>
+          <a:bodyPr spcFirstLastPara="1" wrap="square" lIns="91425" tIns="91425" rIns="91425" bIns="91425" anchor="t" anchorCtr="0">
+            <a:noAutofit/>
+          </a:bodyPr>
+          <a:lstStyle/>
+          <a:p>
+            <a:pPr marL="0" lvl="0" indent="0" algn="ctr" rtl="0">
+              <a:spcBef>
+                <a:spcPts val="0"/>
+              </a:spcBef>
+              <a:spcAft>
+                <a:spcPts val="0"/>
+              </a:spcAft>
+              <a:buNone/>
+            </a:pPr>
+            <a:r>
+              <a:rPr lang="pl" sz="3200">
+                <a:solidFill>
+                  <a:schemeClr val="dk1"/>
+                </a:solidFill>
+              </a:rPr>
+              <a:t>Density plot</a:t>
+            </a:r>
+            <a:endParaRPr sz="3200">
+              <a:solidFill>
+                <a:schemeClr val="dk1"/>
+              </a:solidFill>
+            </a:endParaRPr>
+          </a:p>
+        </p:txBody>
+      </p:sp>
+      <p:pic>
+        <p:nvPicPr>
           <p:cNvPr id="344" name="Google Shape;344;p57"/>
           <p:cNvPicPr preferRelativeResize="0"/>
           <p:nvPr/>
@@ -18460,7 +19113,7 @@
 </p:sld>
 </file>
 
-<file path=ppt/slides/slide51.xml><?xml version="1.0" encoding="utf-8"?>
+<file path=ppt/slides/slide53.xml><?xml version="1.0" encoding="utf-8"?>
 <p:sld xmlns:a="http://schemas.openxmlformats.org/drawingml/2006/main" xmlns:r="http://schemas.openxmlformats.org/officeDocument/2006/relationships" xmlns:p="http://schemas.openxmlformats.org/presentationml/2006/main">
   <p:cSld>
     <p:spTree>
@@ -18546,7 +19199,7 @@
 </p:sld>
 </file>
 
-<file path=ppt/slides/slide52.xml><?xml version="1.0" encoding="utf-8"?>
+<file path=ppt/slides/slide54.xml><?xml version="1.0" encoding="utf-8"?>
 <p:sld xmlns:a="http://schemas.openxmlformats.org/drawingml/2006/main" xmlns:r="http://schemas.openxmlformats.org/officeDocument/2006/relationships" xmlns:p="http://schemas.openxmlformats.org/presentationml/2006/main">
   <p:cSld>
     <p:spTree>
@@ -18702,7 +19355,7 @@
 </p:sld>
 </file>
 
-<file path=ppt/slides/slide53.xml><?xml version="1.0" encoding="utf-8"?>
+<file path=ppt/slides/slide55.xml><?xml version="1.0" encoding="utf-8"?>
 <p:sld xmlns:a="http://schemas.openxmlformats.org/drawingml/2006/main" xmlns:r="http://schemas.openxmlformats.org/officeDocument/2006/relationships" xmlns:p="http://schemas.openxmlformats.org/presentationml/2006/main">
   <p:cSld>
     <p:spTree>
@@ -18777,7 +19430,7 @@
 </p:sld>
 </file>
 
-<file path=ppt/slides/slide54.xml><?xml version="1.0" encoding="utf-8"?>
+<file path=ppt/slides/slide56.xml><?xml version="1.0" encoding="utf-8"?>
 <p:sld xmlns:a="http://schemas.openxmlformats.org/drawingml/2006/main" xmlns:r="http://schemas.openxmlformats.org/officeDocument/2006/relationships" xmlns:p="http://schemas.openxmlformats.org/presentationml/2006/main">
   <p:cSld>
     <p:spTree>
@@ -18880,7 +19533,7 @@
 </p:sld>
 </file>
 
-<file path=ppt/slides/slide55.xml><?xml version="1.0" encoding="utf-8"?>
+<file path=ppt/slides/slide57.xml><?xml version="1.0" encoding="utf-8"?>
 <p:sld xmlns:a="http://schemas.openxmlformats.org/drawingml/2006/main" xmlns:r="http://schemas.openxmlformats.org/officeDocument/2006/relationships" xmlns:p="http://schemas.openxmlformats.org/presentationml/2006/main">
   <p:cSld>
     <p:spTree>
@@ -18983,7 +19636,7 @@
 </p:sld>
 </file>
 
-<file path=ppt/slides/slide56.xml><?xml version="1.0" encoding="utf-8"?>
+<file path=ppt/slides/slide58.xml><?xml version="1.0" encoding="utf-8"?>
 <p:sld xmlns:a="http://schemas.openxmlformats.org/drawingml/2006/main" xmlns:r="http://schemas.openxmlformats.org/officeDocument/2006/relationships" xmlns:p="http://schemas.openxmlformats.org/presentationml/2006/main">
   <p:cSld>
     <p:spTree>
@@ -19086,7 +19739,7 @@
 </p:sld>
 </file>
 
-<file path=ppt/slides/slide57.xml><?xml version="1.0" encoding="utf-8"?>
+<file path=ppt/slides/slide59.xml><?xml version="1.0" encoding="utf-8"?>
 <p:sld xmlns:a="http://schemas.openxmlformats.org/drawingml/2006/main" xmlns:r="http://schemas.openxmlformats.org/officeDocument/2006/relationships" xmlns:p="http://schemas.openxmlformats.org/presentationml/2006/main">
   <p:cSld>
     <p:spTree>
@@ -19171,212 +19824,6 @@
           <a:xfrm>
             <a:off x="715075" y="1091175"/>
             <a:ext cx="7713849" cy="3989625"/>
-          </a:xfrm>
-          <a:prstGeom prst="rect">
-            <a:avLst/>
-          </a:prstGeom>
-          <a:noFill/>
-          <a:ln>
-            <a:noFill/>
-          </a:ln>
-        </p:spPr>
-      </p:pic>
-    </p:spTree>
-  </p:cSld>
-  <p:clrMapOvr>
-    <a:masterClrMapping/>
-  </p:clrMapOvr>
-</p:sld>
-</file>
-
-<file path=ppt/slides/slide58.xml><?xml version="1.0" encoding="utf-8"?>
-<p:sld xmlns:a="http://schemas.openxmlformats.org/drawingml/2006/main" xmlns:r="http://schemas.openxmlformats.org/officeDocument/2006/relationships" xmlns:p="http://schemas.openxmlformats.org/presentationml/2006/main">
-  <p:cSld>
-    <p:spTree>
-      <p:nvGrpSpPr>
-        <p:cNvPr id="1" name="Shape 377"/>
-        <p:cNvGrpSpPr/>
-        <p:nvPr/>
-      </p:nvGrpSpPr>
-      <p:grpSpPr>
-        <a:xfrm>
-          <a:off x="0" y="0"/>
-          <a:ext cx="0" cy="0"/>
-          <a:chOff x="0" y="0"/>
-          <a:chExt cx="0" cy="0"/>
-        </a:xfrm>
-      </p:grpSpPr>
-      <p:sp>
-        <p:nvSpPr>
-          <p:cNvPr id="378" name="Google Shape;378;p63"/>
-          <p:cNvSpPr txBox="1"/>
-          <p:nvPr/>
-        </p:nvSpPr>
-        <p:spPr>
-          <a:xfrm>
-            <a:off x="1390550" y="134575"/>
-            <a:ext cx="6526500" cy="564000"/>
-          </a:xfrm>
-          <a:prstGeom prst="rect">
-            <a:avLst/>
-          </a:prstGeom>
-          <a:noFill/>
-          <a:ln>
-            <a:noFill/>
-          </a:ln>
-        </p:spPr>
-        <p:txBody>
-          <a:bodyPr spcFirstLastPara="1" wrap="square" lIns="91425" tIns="91425" rIns="91425" bIns="91425" anchor="t" anchorCtr="0">
-            <a:noAutofit/>
-          </a:bodyPr>
-          <a:lstStyle/>
-          <a:p>
-            <a:pPr marL="0" lvl="0" indent="0" algn="ctr" rtl="0">
-              <a:spcBef>
-                <a:spcPts val="0"/>
-              </a:spcBef>
-              <a:spcAft>
-                <a:spcPts val="0"/>
-              </a:spcAft>
-              <a:buNone/>
-            </a:pPr>
-            <a:r>
-              <a:rPr lang="pl" sz="3200">
-                <a:solidFill>
-                  <a:schemeClr val="dk1"/>
-                </a:solidFill>
-              </a:rPr>
-              <a:t>Box plots</a:t>
-            </a:r>
-            <a:endParaRPr sz="3200">
-              <a:solidFill>
-                <a:schemeClr val="dk1"/>
-              </a:solidFill>
-            </a:endParaRPr>
-          </a:p>
-        </p:txBody>
-      </p:sp>
-      <p:pic>
-        <p:nvPicPr>
-          <p:cNvPr id="379" name="Google Shape;379;p63" title="box.png"/>
-          <p:cNvPicPr preferRelativeResize="0"/>
-          <p:nvPr/>
-        </p:nvPicPr>
-        <p:blipFill>
-          <a:blip r:embed="rId3">
-            <a:alphaModFix/>
-          </a:blip>
-          <a:stretch>
-            <a:fillRect/>
-          </a:stretch>
-        </p:blipFill>
-        <p:spPr>
-          <a:xfrm>
-            <a:off x="1943188" y="948150"/>
-            <a:ext cx="5421221" cy="4140125"/>
-          </a:xfrm>
-          <a:prstGeom prst="rect">
-            <a:avLst/>
-          </a:prstGeom>
-          <a:noFill/>
-          <a:ln>
-            <a:noFill/>
-          </a:ln>
-        </p:spPr>
-      </p:pic>
-    </p:spTree>
-  </p:cSld>
-  <p:clrMapOvr>
-    <a:masterClrMapping/>
-  </p:clrMapOvr>
-</p:sld>
-</file>
-
-<file path=ppt/slides/slide59.xml><?xml version="1.0" encoding="utf-8"?>
-<p:sld xmlns:a="http://schemas.openxmlformats.org/drawingml/2006/main" xmlns:r="http://schemas.openxmlformats.org/officeDocument/2006/relationships" xmlns:p="http://schemas.openxmlformats.org/presentationml/2006/main">
-  <p:cSld>
-    <p:spTree>
-      <p:nvGrpSpPr>
-        <p:cNvPr id="1" name="Shape 383"/>
-        <p:cNvGrpSpPr/>
-        <p:nvPr/>
-      </p:nvGrpSpPr>
-      <p:grpSpPr>
-        <a:xfrm>
-          <a:off x="0" y="0"/>
-          <a:ext cx="0" cy="0"/>
-          <a:chOff x="0" y="0"/>
-          <a:chExt cx="0" cy="0"/>
-        </a:xfrm>
-      </p:grpSpPr>
-      <p:sp>
-        <p:nvSpPr>
-          <p:cNvPr id="384" name="Google Shape;384;p64"/>
-          <p:cNvSpPr txBox="1"/>
-          <p:nvPr/>
-        </p:nvSpPr>
-        <p:spPr>
-          <a:xfrm>
-            <a:off x="1390550" y="134575"/>
-            <a:ext cx="6526500" cy="564000"/>
-          </a:xfrm>
-          <a:prstGeom prst="rect">
-            <a:avLst/>
-          </a:prstGeom>
-          <a:noFill/>
-          <a:ln>
-            <a:noFill/>
-          </a:ln>
-        </p:spPr>
-        <p:txBody>
-          <a:bodyPr spcFirstLastPara="1" wrap="square" lIns="91425" tIns="91425" rIns="91425" bIns="91425" anchor="t" anchorCtr="0">
-            <a:noAutofit/>
-          </a:bodyPr>
-          <a:lstStyle/>
-          <a:p>
-            <a:pPr marL="0" lvl="0" indent="0" algn="ctr" rtl="0">
-              <a:spcBef>
-                <a:spcPts val="0"/>
-              </a:spcBef>
-              <a:spcAft>
-                <a:spcPts val="0"/>
-              </a:spcAft>
-              <a:buNone/>
-            </a:pPr>
-            <a:r>
-              <a:rPr lang="pl" sz="3200">
-                <a:solidFill>
-                  <a:schemeClr val="dk1"/>
-                </a:solidFill>
-              </a:rPr>
-              <a:t>Violin plot</a:t>
-            </a:r>
-            <a:endParaRPr sz="3200">
-              <a:solidFill>
-                <a:schemeClr val="dk1"/>
-              </a:solidFill>
-            </a:endParaRPr>
-          </a:p>
-        </p:txBody>
-      </p:sp>
-      <p:pic>
-        <p:nvPicPr>
-          <p:cNvPr id="385" name="Google Shape;385;p64" title="violin.png"/>
-          <p:cNvPicPr preferRelativeResize="0"/>
-          <p:nvPr/>
-        </p:nvPicPr>
-        <p:blipFill>
-          <a:blip r:embed="rId3">
-            <a:alphaModFix/>
-          </a:blip>
-          <a:stretch>
-            <a:fillRect/>
-          </a:stretch>
-        </p:blipFill>
-        <p:spPr>
-          <a:xfrm>
-            <a:off x="1861388" y="1003375"/>
-            <a:ext cx="5421221" cy="4140125"/>
           </a:xfrm>
           <a:prstGeom prst="rect">
             <a:avLst/>
@@ -19496,6 +19943,212 @@
   <p:cSld>
     <p:spTree>
       <p:nvGrpSpPr>
+        <p:cNvPr id="1" name="Shape 377"/>
+        <p:cNvGrpSpPr/>
+        <p:nvPr/>
+      </p:nvGrpSpPr>
+      <p:grpSpPr>
+        <a:xfrm>
+          <a:off x="0" y="0"/>
+          <a:ext cx="0" cy="0"/>
+          <a:chOff x="0" y="0"/>
+          <a:chExt cx="0" cy="0"/>
+        </a:xfrm>
+      </p:grpSpPr>
+      <p:sp>
+        <p:nvSpPr>
+          <p:cNvPr id="378" name="Google Shape;378;p63"/>
+          <p:cNvSpPr txBox="1"/>
+          <p:nvPr/>
+        </p:nvSpPr>
+        <p:spPr>
+          <a:xfrm>
+            <a:off x="1390550" y="134575"/>
+            <a:ext cx="6526500" cy="564000"/>
+          </a:xfrm>
+          <a:prstGeom prst="rect">
+            <a:avLst/>
+          </a:prstGeom>
+          <a:noFill/>
+          <a:ln>
+            <a:noFill/>
+          </a:ln>
+        </p:spPr>
+        <p:txBody>
+          <a:bodyPr spcFirstLastPara="1" wrap="square" lIns="91425" tIns="91425" rIns="91425" bIns="91425" anchor="t" anchorCtr="0">
+            <a:noAutofit/>
+          </a:bodyPr>
+          <a:lstStyle/>
+          <a:p>
+            <a:pPr marL="0" lvl="0" indent="0" algn="ctr" rtl="0">
+              <a:spcBef>
+                <a:spcPts val="0"/>
+              </a:spcBef>
+              <a:spcAft>
+                <a:spcPts val="0"/>
+              </a:spcAft>
+              <a:buNone/>
+            </a:pPr>
+            <a:r>
+              <a:rPr lang="pl" sz="3200">
+                <a:solidFill>
+                  <a:schemeClr val="dk1"/>
+                </a:solidFill>
+              </a:rPr>
+              <a:t>Box plots</a:t>
+            </a:r>
+            <a:endParaRPr sz="3200">
+              <a:solidFill>
+                <a:schemeClr val="dk1"/>
+              </a:solidFill>
+            </a:endParaRPr>
+          </a:p>
+        </p:txBody>
+      </p:sp>
+      <p:pic>
+        <p:nvPicPr>
+          <p:cNvPr id="379" name="Google Shape;379;p63" title="box.png"/>
+          <p:cNvPicPr preferRelativeResize="0"/>
+          <p:nvPr/>
+        </p:nvPicPr>
+        <p:blipFill>
+          <a:blip r:embed="rId3">
+            <a:alphaModFix/>
+          </a:blip>
+          <a:stretch>
+            <a:fillRect/>
+          </a:stretch>
+        </p:blipFill>
+        <p:spPr>
+          <a:xfrm>
+            <a:off x="1943188" y="948150"/>
+            <a:ext cx="5421221" cy="4140125"/>
+          </a:xfrm>
+          <a:prstGeom prst="rect">
+            <a:avLst/>
+          </a:prstGeom>
+          <a:noFill/>
+          <a:ln>
+            <a:noFill/>
+          </a:ln>
+        </p:spPr>
+      </p:pic>
+    </p:spTree>
+  </p:cSld>
+  <p:clrMapOvr>
+    <a:masterClrMapping/>
+  </p:clrMapOvr>
+</p:sld>
+</file>
+
+<file path=ppt/slides/slide61.xml><?xml version="1.0" encoding="utf-8"?>
+<p:sld xmlns:a="http://schemas.openxmlformats.org/drawingml/2006/main" xmlns:r="http://schemas.openxmlformats.org/officeDocument/2006/relationships" xmlns:p="http://schemas.openxmlformats.org/presentationml/2006/main">
+  <p:cSld>
+    <p:spTree>
+      <p:nvGrpSpPr>
+        <p:cNvPr id="1" name="Shape 383"/>
+        <p:cNvGrpSpPr/>
+        <p:nvPr/>
+      </p:nvGrpSpPr>
+      <p:grpSpPr>
+        <a:xfrm>
+          <a:off x="0" y="0"/>
+          <a:ext cx="0" cy="0"/>
+          <a:chOff x="0" y="0"/>
+          <a:chExt cx="0" cy="0"/>
+        </a:xfrm>
+      </p:grpSpPr>
+      <p:sp>
+        <p:nvSpPr>
+          <p:cNvPr id="384" name="Google Shape;384;p64"/>
+          <p:cNvSpPr txBox="1"/>
+          <p:nvPr/>
+        </p:nvSpPr>
+        <p:spPr>
+          <a:xfrm>
+            <a:off x="1390550" y="134575"/>
+            <a:ext cx="6526500" cy="564000"/>
+          </a:xfrm>
+          <a:prstGeom prst="rect">
+            <a:avLst/>
+          </a:prstGeom>
+          <a:noFill/>
+          <a:ln>
+            <a:noFill/>
+          </a:ln>
+        </p:spPr>
+        <p:txBody>
+          <a:bodyPr spcFirstLastPara="1" wrap="square" lIns="91425" tIns="91425" rIns="91425" bIns="91425" anchor="t" anchorCtr="0">
+            <a:noAutofit/>
+          </a:bodyPr>
+          <a:lstStyle/>
+          <a:p>
+            <a:pPr marL="0" lvl="0" indent="0" algn="ctr" rtl="0">
+              <a:spcBef>
+                <a:spcPts val="0"/>
+              </a:spcBef>
+              <a:spcAft>
+                <a:spcPts val="0"/>
+              </a:spcAft>
+              <a:buNone/>
+            </a:pPr>
+            <a:r>
+              <a:rPr lang="pl" sz="3200">
+                <a:solidFill>
+                  <a:schemeClr val="dk1"/>
+                </a:solidFill>
+              </a:rPr>
+              <a:t>Violin plot</a:t>
+            </a:r>
+            <a:endParaRPr sz="3200">
+              <a:solidFill>
+                <a:schemeClr val="dk1"/>
+              </a:solidFill>
+            </a:endParaRPr>
+          </a:p>
+        </p:txBody>
+      </p:sp>
+      <p:pic>
+        <p:nvPicPr>
+          <p:cNvPr id="385" name="Google Shape;385;p64" title="violin.png"/>
+          <p:cNvPicPr preferRelativeResize="0"/>
+          <p:nvPr/>
+        </p:nvPicPr>
+        <p:blipFill>
+          <a:blip r:embed="rId3">
+            <a:alphaModFix/>
+          </a:blip>
+          <a:stretch>
+            <a:fillRect/>
+          </a:stretch>
+        </p:blipFill>
+        <p:spPr>
+          <a:xfrm>
+            <a:off x="1861388" y="1003375"/>
+            <a:ext cx="5421221" cy="4140125"/>
+          </a:xfrm>
+          <a:prstGeom prst="rect">
+            <a:avLst/>
+          </a:prstGeom>
+          <a:noFill/>
+          <a:ln>
+            <a:noFill/>
+          </a:ln>
+        </p:spPr>
+      </p:pic>
+    </p:spTree>
+  </p:cSld>
+  <p:clrMapOvr>
+    <a:masterClrMapping/>
+  </p:clrMapOvr>
+</p:sld>
+</file>
+
+<file path=ppt/slides/slide62.xml><?xml version="1.0" encoding="utf-8"?>
+<p:sld xmlns:a="http://schemas.openxmlformats.org/drawingml/2006/main" xmlns:r="http://schemas.openxmlformats.org/officeDocument/2006/relationships" xmlns:p="http://schemas.openxmlformats.org/presentationml/2006/main">
+  <p:cSld>
+    <p:spTree>
+      <p:nvGrpSpPr>
         <p:cNvPr id="1" name="Shape 389"/>
         <p:cNvGrpSpPr/>
         <p:nvPr/>
@@ -19594,7 +20247,7 @@
 </p:sld>
 </file>
 
-<file path=ppt/slides/slide61.xml><?xml version="1.0" encoding="utf-8"?>
+<file path=ppt/slides/slide63.xml><?xml version="1.0" encoding="utf-8"?>
 <p:sld xmlns:a="http://schemas.openxmlformats.org/drawingml/2006/main" xmlns:r="http://schemas.openxmlformats.org/officeDocument/2006/relationships" xmlns:p="http://schemas.openxmlformats.org/presentationml/2006/main">
   <p:cSld>
     <p:spTree>
@@ -19669,7 +20322,7 @@
 </p:sld>
 </file>
 
-<file path=ppt/slides/slide62.xml><?xml version="1.0" encoding="utf-8"?>
+<file path=ppt/slides/slide64.xml><?xml version="1.0" encoding="utf-8"?>
 <p:sld xmlns:a="http://schemas.openxmlformats.org/drawingml/2006/main" xmlns:r="http://schemas.openxmlformats.org/officeDocument/2006/relationships" xmlns:p="http://schemas.openxmlformats.org/presentationml/2006/main">
   <p:cSld>
     <p:spTree>
@@ -19772,7 +20425,7 @@
 </p:sld>
 </file>
 
-<file path=ppt/slides/slide63.xml><?xml version="1.0" encoding="utf-8"?>
+<file path=ppt/slides/slide65.xml><?xml version="1.0" encoding="utf-8"?>
 <p:sld xmlns:a="http://schemas.openxmlformats.org/drawingml/2006/main" xmlns:r="http://schemas.openxmlformats.org/officeDocument/2006/relationships" xmlns:p="http://schemas.openxmlformats.org/presentationml/2006/main">
   <p:cSld>
     <p:spTree>
@@ -19847,7 +20500,7 @@
 </p:sld>
 </file>
 
-<file path=ppt/slides/slide64.xml><?xml version="1.0" encoding="utf-8"?>
+<file path=ppt/slides/slide66.xml><?xml version="1.0" encoding="utf-8"?>
 <p:sld xmlns:a="http://schemas.openxmlformats.org/drawingml/2006/main" xmlns:r="http://schemas.openxmlformats.org/officeDocument/2006/relationships" xmlns:p="http://schemas.openxmlformats.org/presentationml/2006/main">
   <p:cSld>
     <p:spTree>
@@ -19955,7 +20608,7 @@
 </p:sld>
 </file>
 
-<file path=ppt/slides/slide65.xml><?xml version="1.0" encoding="utf-8"?>
+<file path=ppt/slides/slide67.xml><?xml version="1.0" encoding="utf-8"?>
 <p:sld xmlns:a="http://schemas.openxmlformats.org/drawingml/2006/main" xmlns:r="http://schemas.openxmlformats.org/officeDocument/2006/relationships" xmlns:p="http://schemas.openxmlformats.org/presentationml/2006/main">
   <p:cSld>
     <p:spTree>
@@ -20063,7 +20716,7 @@
 </p:sld>
 </file>
 
-<file path=ppt/slides/slide66.xml><?xml version="1.0" encoding="utf-8"?>
+<file path=ppt/slides/slide68.xml><?xml version="1.0" encoding="utf-8"?>
 <p:sld xmlns:a="http://schemas.openxmlformats.org/drawingml/2006/main" xmlns:r="http://schemas.openxmlformats.org/officeDocument/2006/relationships" xmlns:p="http://schemas.openxmlformats.org/presentationml/2006/main">
   <p:cSld>
     <p:spTree>
@@ -20138,7 +20791,7 @@
 </p:sld>
 </file>
 
-<file path=ppt/slides/slide67.xml><?xml version="1.0" encoding="utf-8"?>
+<file path=ppt/slides/slide69.xml><?xml version="1.0" encoding="utf-8"?>
 <p:sld xmlns:a="http://schemas.openxmlformats.org/drawingml/2006/main" xmlns:r="http://schemas.openxmlformats.org/officeDocument/2006/relationships" xmlns:p="http://schemas.openxmlformats.org/presentationml/2006/main">
   <p:cSld>
     <p:spTree>
@@ -20260,212 +20913,6 @@
           </a:ln>
         </p:spPr>
       </p:pic>
-    </p:spTree>
-  </p:cSld>
-  <p:clrMapOvr>
-    <a:masterClrMapping/>
-  </p:clrMapOvr>
-</p:sld>
-</file>
-
-<file path=ppt/slides/slide68.xml><?xml version="1.0" encoding="utf-8"?>
-<p:sld xmlns:a="http://schemas.openxmlformats.org/drawingml/2006/main" xmlns:r="http://schemas.openxmlformats.org/officeDocument/2006/relationships" xmlns:p="http://schemas.openxmlformats.org/presentationml/2006/main">
-  <p:cSld>
-    <p:spTree>
-      <p:nvGrpSpPr>
-        <p:cNvPr id="1" name="Shape 435"/>
-        <p:cNvGrpSpPr/>
-        <p:nvPr/>
-      </p:nvGrpSpPr>
-      <p:grpSpPr>
-        <a:xfrm>
-          <a:off x="0" y="0"/>
-          <a:ext cx="0" cy="0"/>
-          <a:chOff x="0" y="0"/>
-          <a:chExt cx="0" cy="0"/>
-        </a:xfrm>
-      </p:grpSpPr>
-      <p:sp>
-        <p:nvSpPr>
-          <p:cNvPr id="436" name="Google Shape;436;p73"/>
-          <p:cNvSpPr txBox="1"/>
-          <p:nvPr/>
-        </p:nvSpPr>
-        <p:spPr>
-          <a:xfrm>
-            <a:off x="1390550" y="134575"/>
-            <a:ext cx="6526500" cy="564000"/>
-          </a:xfrm>
-          <a:prstGeom prst="rect">
-            <a:avLst/>
-          </a:prstGeom>
-          <a:noFill/>
-          <a:ln>
-            <a:noFill/>
-          </a:ln>
-        </p:spPr>
-        <p:txBody>
-          <a:bodyPr spcFirstLastPara="1" wrap="square" lIns="91425" tIns="91425" rIns="91425" bIns="91425" anchor="t" anchorCtr="0">
-            <a:noAutofit/>
-          </a:bodyPr>
-          <a:lstStyle/>
-          <a:p>
-            <a:pPr marL="0" lvl="0" indent="0" algn="ctr" rtl="0">
-              <a:spcBef>
-                <a:spcPts val="0"/>
-              </a:spcBef>
-              <a:spcAft>
-                <a:spcPts val="0"/>
-              </a:spcAft>
-              <a:buNone/>
-            </a:pPr>
-            <a:r>
-              <a:rPr lang="pl" sz="3200">
-                <a:solidFill>
-                  <a:schemeClr val="dk1"/>
-                </a:solidFill>
-              </a:rPr>
-              <a:t>Informing about missing data</a:t>
-            </a:r>
-            <a:endParaRPr sz="3200">
-              <a:solidFill>
-                <a:schemeClr val="dk1"/>
-              </a:solidFill>
-            </a:endParaRPr>
-          </a:p>
-        </p:txBody>
-      </p:sp>
-      <p:pic>
-        <p:nvPicPr>
-          <p:cNvPr id="437" name="Google Shape;437;p73" title="fiat_punto_base.png"/>
-          <p:cNvPicPr preferRelativeResize="0"/>
-          <p:nvPr/>
-        </p:nvPicPr>
-        <p:blipFill>
-          <a:blip r:embed="rId3">
-            <a:alphaModFix/>
-          </a:blip>
-          <a:stretch>
-            <a:fillRect/>
-          </a:stretch>
-        </p:blipFill>
-        <p:spPr>
-          <a:xfrm>
-            <a:off x="855125" y="1150025"/>
-            <a:ext cx="7022325" cy="3679500"/>
-          </a:xfrm>
-          <a:prstGeom prst="rect">
-            <a:avLst/>
-          </a:prstGeom>
-          <a:noFill/>
-          <a:ln>
-            <a:noFill/>
-          </a:ln>
-        </p:spPr>
-      </p:pic>
-    </p:spTree>
-  </p:cSld>
-  <p:clrMapOvr>
-    <a:masterClrMapping/>
-  </p:clrMapOvr>
-</p:sld>
-</file>
-
-<file path=ppt/slides/slide69.xml><?xml version="1.0" encoding="utf-8"?>
-<p:sld xmlns:a="http://schemas.openxmlformats.org/drawingml/2006/main" xmlns:r="http://schemas.openxmlformats.org/officeDocument/2006/relationships" xmlns:p="http://schemas.openxmlformats.org/presentationml/2006/main">
-  <p:cSld>
-    <p:spTree>
-      <p:nvGrpSpPr>
-        <p:cNvPr id="1" name="Shape 441"/>
-        <p:cNvGrpSpPr/>
-        <p:nvPr/>
-      </p:nvGrpSpPr>
-      <p:grpSpPr>
-        <a:xfrm>
-          <a:off x="0" y="0"/>
-          <a:ext cx="0" cy="0"/>
-          <a:chOff x="0" y="0"/>
-          <a:chExt cx="0" cy="0"/>
-        </a:xfrm>
-      </p:grpSpPr>
-      <p:pic>
-        <p:nvPicPr>
-          <p:cNvPr id="442" name="Google Shape;442;p74" title="fiat_punto_missing_bars.png"/>
-          <p:cNvPicPr preferRelativeResize="0"/>
-          <p:nvPr/>
-        </p:nvPicPr>
-        <p:blipFill>
-          <a:blip r:embed="rId3">
-            <a:alphaModFix/>
-          </a:blip>
-          <a:stretch>
-            <a:fillRect/>
-          </a:stretch>
-        </p:blipFill>
-        <p:spPr>
-          <a:xfrm>
-            <a:off x="855125" y="1150043"/>
-            <a:ext cx="7022325" cy="3679484"/>
-          </a:xfrm>
-          <a:prstGeom prst="rect">
-            <a:avLst/>
-          </a:prstGeom>
-          <a:noFill/>
-          <a:ln>
-            <a:noFill/>
-          </a:ln>
-        </p:spPr>
-      </p:pic>
-      <p:sp>
-        <p:nvSpPr>
-          <p:cNvPr id="443" name="Google Shape;443;p74"/>
-          <p:cNvSpPr txBox="1"/>
-          <p:nvPr/>
-        </p:nvSpPr>
-        <p:spPr>
-          <a:xfrm>
-            <a:off x="1390550" y="134575"/>
-            <a:ext cx="6526500" cy="564000"/>
-          </a:xfrm>
-          <a:prstGeom prst="rect">
-            <a:avLst/>
-          </a:prstGeom>
-          <a:noFill/>
-          <a:ln>
-            <a:noFill/>
-          </a:ln>
-        </p:spPr>
-        <p:txBody>
-          <a:bodyPr spcFirstLastPara="1" wrap="square" lIns="91425" tIns="91425" rIns="91425" bIns="91425" anchor="t" anchorCtr="0">
-            <a:noAutofit/>
-          </a:bodyPr>
-          <a:lstStyle/>
-          <a:p>
-            <a:pPr marL="0" lvl="0" indent="0" algn="ctr" rtl="0">
-              <a:spcBef>
-                <a:spcPts val="0"/>
-              </a:spcBef>
-              <a:spcAft>
-                <a:spcPts val="0"/>
-              </a:spcAft>
-              <a:buNone/>
-            </a:pPr>
-            <a:r>
-              <a:rPr lang="pl" sz="3200">
-                <a:solidFill>
-                  <a:schemeClr val="dk1"/>
-                </a:solidFill>
-              </a:rPr>
-              <a:t>Informing about missing data</a:t>
-            </a:r>
-            <a:endParaRPr sz="3200">
-              <a:solidFill>
-                <a:schemeClr val="dk1"/>
-              </a:solidFill>
-            </a:endParaRPr>
-          </a:p>
-        </p:txBody>
-      </p:sp>
     </p:spTree>
   </p:cSld>
   <p:clrMapOvr>
@@ -20575,6 +21022,212 @@
   <p:cSld>
     <p:spTree>
       <p:nvGrpSpPr>
+        <p:cNvPr id="1" name="Shape 435"/>
+        <p:cNvGrpSpPr/>
+        <p:nvPr/>
+      </p:nvGrpSpPr>
+      <p:grpSpPr>
+        <a:xfrm>
+          <a:off x="0" y="0"/>
+          <a:ext cx="0" cy="0"/>
+          <a:chOff x="0" y="0"/>
+          <a:chExt cx="0" cy="0"/>
+        </a:xfrm>
+      </p:grpSpPr>
+      <p:sp>
+        <p:nvSpPr>
+          <p:cNvPr id="436" name="Google Shape;436;p73"/>
+          <p:cNvSpPr txBox="1"/>
+          <p:nvPr/>
+        </p:nvSpPr>
+        <p:spPr>
+          <a:xfrm>
+            <a:off x="1390550" y="134575"/>
+            <a:ext cx="6526500" cy="564000"/>
+          </a:xfrm>
+          <a:prstGeom prst="rect">
+            <a:avLst/>
+          </a:prstGeom>
+          <a:noFill/>
+          <a:ln>
+            <a:noFill/>
+          </a:ln>
+        </p:spPr>
+        <p:txBody>
+          <a:bodyPr spcFirstLastPara="1" wrap="square" lIns="91425" tIns="91425" rIns="91425" bIns="91425" anchor="t" anchorCtr="0">
+            <a:noAutofit/>
+          </a:bodyPr>
+          <a:lstStyle/>
+          <a:p>
+            <a:pPr marL="0" lvl="0" indent="0" algn="ctr" rtl="0">
+              <a:spcBef>
+                <a:spcPts val="0"/>
+              </a:spcBef>
+              <a:spcAft>
+                <a:spcPts val="0"/>
+              </a:spcAft>
+              <a:buNone/>
+            </a:pPr>
+            <a:r>
+              <a:rPr lang="pl" sz="3200">
+                <a:solidFill>
+                  <a:schemeClr val="dk1"/>
+                </a:solidFill>
+              </a:rPr>
+              <a:t>Informing about missing data</a:t>
+            </a:r>
+            <a:endParaRPr sz="3200">
+              <a:solidFill>
+                <a:schemeClr val="dk1"/>
+              </a:solidFill>
+            </a:endParaRPr>
+          </a:p>
+        </p:txBody>
+      </p:sp>
+      <p:pic>
+        <p:nvPicPr>
+          <p:cNvPr id="437" name="Google Shape;437;p73" title="fiat_punto_base.png"/>
+          <p:cNvPicPr preferRelativeResize="0"/>
+          <p:nvPr/>
+        </p:nvPicPr>
+        <p:blipFill>
+          <a:blip r:embed="rId3">
+            <a:alphaModFix/>
+          </a:blip>
+          <a:stretch>
+            <a:fillRect/>
+          </a:stretch>
+        </p:blipFill>
+        <p:spPr>
+          <a:xfrm>
+            <a:off x="855125" y="1150025"/>
+            <a:ext cx="7022325" cy="3679500"/>
+          </a:xfrm>
+          <a:prstGeom prst="rect">
+            <a:avLst/>
+          </a:prstGeom>
+          <a:noFill/>
+          <a:ln>
+            <a:noFill/>
+          </a:ln>
+        </p:spPr>
+      </p:pic>
+    </p:spTree>
+  </p:cSld>
+  <p:clrMapOvr>
+    <a:masterClrMapping/>
+  </p:clrMapOvr>
+</p:sld>
+</file>
+
+<file path=ppt/slides/slide71.xml><?xml version="1.0" encoding="utf-8"?>
+<p:sld xmlns:a="http://schemas.openxmlformats.org/drawingml/2006/main" xmlns:r="http://schemas.openxmlformats.org/officeDocument/2006/relationships" xmlns:p="http://schemas.openxmlformats.org/presentationml/2006/main">
+  <p:cSld>
+    <p:spTree>
+      <p:nvGrpSpPr>
+        <p:cNvPr id="1" name="Shape 441"/>
+        <p:cNvGrpSpPr/>
+        <p:nvPr/>
+      </p:nvGrpSpPr>
+      <p:grpSpPr>
+        <a:xfrm>
+          <a:off x="0" y="0"/>
+          <a:ext cx="0" cy="0"/>
+          <a:chOff x="0" y="0"/>
+          <a:chExt cx="0" cy="0"/>
+        </a:xfrm>
+      </p:grpSpPr>
+      <p:pic>
+        <p:nvPicPr>
+          <p:cNvPr id="442" name="Google Shape;442;p74" title="fiat_punto_missing_bars.png"/>
+          <p:cNvPicPr preferRelativeResize="0"/>
+          <p:nvPr/>
+        </p:nvPicPr>
+        <p:blipFill>
+          <a:blip r:embed="rId3">
+            <a:alphaModFix/>
+          </a:blip>
+          <a:stretch>
+            <a:fillRect/>
+          </a:stretch>
+        </p:blipFill>
+        <p:spPr>
+          <a:xfrm>
+            <a:off x="855125" y="1150043"/>
+            <a:ext cx="7022325" cy="3679484"/>
+          </a:xfrm>
+          <a:prstGeom prst="rect">
+            <a:avLst/>
+          </a:prstGeom>
+          <a:noFill/>
+          <a:ln>
+            <a:noFill/>
+          </a:ln>
+        </p:spPr>
+      </p:pic>
+      <p:sp>
+        <p:nvSpPr>
+          <p:cNvPr id="443" name="Google Shape;443;p74"/>
+          <p:cNvSpPr txBox="1"/>
+          <p:nvPr/>
+        </p:nvSpPr>
+        <p:spPr>
+          <a:xfrm>
+            <a:off x="1390550" y="134575"/>
+            <a:ext cx="6526500" cy="564000"/>
+          </a:xfrm>
+          <a:prstGeom prst="rect">
+            <a:avLst/>
+          </a:prstGeom>
+          <a:noFill/>
+          <a:ln>
+            <a:noFill/>
+          </a:ln>
+        </p:spPr>
+        <p:txBody>
+          <a:bodyPr spcFirstLastPara="1" wrap="square" lIns="91425" tIns="91425" rIns="91425" bIns="91425" anchor="t" anchorCtr="0">
+            <a:noAutofit/>
+          </a:bodyPr>
+          <a:lstStyle/>
+          <a:p>
+            <a:pPr marL="0" lvl="0" indent="0" algn="ctr" rtl="0">
+              <a:spcBef>
+                <a:spcPts val="0"/>
+              </a:spcBef>
+              <a:spcAft>
+                <a:spcPts val="0"/>
+              </a:spcAft>
+              <a:buNone/>
+            </a:pPr>
+            <a:r>
+              <a:rPr lang="pl" sz="3200">
+                <a:solidFill>
+                  <a:schemeClr val="dk1"/>
+                </a:solidFill>
+              </a:rPr>
+              <a:t>Informing about missing data</a:t>
+            </a:r>
+            <a:endParaRPr sz="3200">
+              <a:solidFill>
+                <a:schemeClr val="dk1"/>
+              </a:solidFill>
+            </a:endParaRPr>
+          </a:p>
+        </p:txBody>
+      </p:sp>
+    </p:spTree>
+  </p:cSld>
+  <p:clrMapOvr>
+    <a:masterClrMapping/>
+  </p:clrMapOvr>
+</p:sld>
+</file>
+
+<file path=ppt/slides/slide72.xml><?xml version="1.0" encoding="utf-8"?>
+<p:sld xmlns:a="http://schemas.openxmlformats.org/drawingml/2006/main" xmlns:r="http://schemas.openxmlformats.org/officeDocument/2006/relationships" xmlns:p="http://schemas.openxmlformats.org/presentationml/2006/main">
+  <p:cSld>
+    <p:spTree>
+      <p:nvGrpSpPr>
         <p:cNvPr id="1" name="Shape 447"/>
         <p:cNvGrpSpPr/>
         <p:nvPr/>
@@ -20673,7 +21326,7 @@
 </p:sld>
 </file>
 
-<file path=ppt/slides/slide71.xml><?xml version="1.0" encoding="utf-8"?>
+<file path=ppt/slides/slide73.xml><?xml version="1.0" encoding="utf-8"?>
 <p:sld xmlns:a="http://schemas.openxmlformats.org/drawingml/2006/main" xmlns:r="http://schemas.openxmlformats.org/officeDocument/2006/relationships" xmlns:p="http://schemas.openxmlformats.org/presentationml/2006/main">
   <p:cSld>
     <p:spTree>
@@ -20776,7 +21429,7 @@
 </p:sld>
 </file>
 
-<file path=ppt/slides/slide72.xml><?xml version="1.0" encoding="utf-8"?>
+<file path=ppt/slides/slide74.xml><?xml version="1.0" encoding="utf-8"?>
 <p:sld xmlns:a="http://schemas.openxmlformats.org/drawingml/2006/main" xmlns:r="http://schemas.openxmlformats.org/officeDocument/2006/relationships" xmlns:p="http://schemas.openxmlformats.org/presentationml/2006/main">
   <p:cSld>
     <p:spTree>
@@ -20879,7 +21532,7 @@
 </p:sld>
 </file>
 
-<file path=ppt/slides/slide73.xml><?xml version="1.0" encoding="utf-8"?>
+<file path=ppt/slides/slide75.xml><?xml version="1.0" encoding="utf-8"?>
 <p:sld xmlns:a="http://schemas.openxmlformats.org/drawingml/2006/main" xmlns:r="http://schemas.openxmlformats.org/officeDocument/2006/relationships" xmlns:p="http://schemas.openxmlformats.org/presentationml/2006/main">
   <p:cSld>
     <p:spTree>
@@ -20982,7 +21635,7 @@
 </p:sld>
 </file>
 
-<file path=ppt/slides/slide74.xml><?xml version="1.0" encoding="utf-8"?>
+<file path=ppt/slides/slide76.xml><?xml version="1.0" encoding="utf-8"?>
 <p:sld xmlns:a="http://schemas.openxmlformats.org/drawingml/2006/main" xmlns:r="http://schemas.openxmlformats.org/officeDocument/2006/relationships" xmlns:p="http://schemas.openxmlformats.org/presentationml/2006/main">
   <p:cSld>
     <p:spTree>
@@ -21085,7 +21738,7 @@
 </p:sld>
 </file>
 
-<file path=ppt/slides/slide75.xml><?xml version="1.0" encoding="utf-8"?>
+<file path=ppt/slides/slide77.xml><?xml version="1.0" encoding="utf-8"?>
 <p:sld xmlns:a="http://schemas.openxmlformats.org/drawingml/2006/main" xmlns:r="http://schemas.openxmlformats.org/officeDocument/2006/relationships" xmlns:p="http://schemas.openxmlformats.org/presentationml/2006/main">
   <p:cSld>
     <p:spTree>
@@ -21188,7 +21841,7 @@
 </p:sld>
 </file>
 
-<file path=ppt/slides/slide76.xml><?xml version="1.0" encoding="utf-8"?>
+<file path=ppt/slides/slide78.xml><?xml version="1.0" encoding="utf-8"?>
 <p:sld xmlns:a="http://schemas.openxmlformats.org/drawingml/2006/main" xmlns:r="http://schemas.openxmlformats.org/officeDocument/2006/relationships" xmlns:p="http://schemas.openxmlformats.org/presentationml/2006/main">
   <p:cSld>
     <p:spTree>
@@ -21291,7 +21944,7 @@
 </p:sld>
 </file>
 
-<file path=ppt/slides/slide77.xml><?xml version="1.0" encoding="utf-8"?>
+<file path=ppt/slides/slide79.xml><?xml version="1.0" encoding="utf-8"?>
 <p:sld xmlns:a="http://schemas.openxmlformats.org/drawingml/2006/main" xmlns:r="http://schemas.openxmlformats.org/officeDocument/2006/relationships" xmlns:p="http://schemas.openxmlformats.org/presentationml/2006/main">
   <p:cSld>
     <p:spTree>
@@ -21415,7 +22068,175 @@
 </p:sld>
 </file>
 
-<file path=ppt/slides/slide78.xml><?xml version="1.0" encoding="utf-8"?>
+<file path=ppt/slides/slide8.xml><?xml version="1.0" encoding="utf-8"?>
+<p:sld xmlns:a="http://schemas.openxmlformats.org/drawingml/2006/main" xmlns:r="http://schemas.openxmlformats.org/officeDocument/2006/relationships" xmlns:p="http://schemas.openxmlformats.org/presentationml/2006/main">
+  <p:cSld>
+    <p:spTree>
+      <p:nvGrpSpPr>
+        <p:cNvPr id="1" name=""/>
+        <p:cNvGrpSpPr/>
+        <p:nvPr/>
+      </p:nvGrpSpPr>
+      <p:grpSpPr>
+        <a:xfrm>
+          <a:off x="0" y="0"/>
+          <a:ext cx="0" cy="0"/>
+          <a:chOff x="0" y="0"/>
+          <a:chExt cx="0" cy="0"/>
+        </a:xfrm>
+      </p:grpSpPr>
+      <p:sp>
+        <p:nvSpPr>
+          <p:cNvPr id="5" name="Prostokąt 4">
+            <a:extLst>
+              <a:ext uri="{FF2B5EF4-FFF2-40B4-BE49-F238E27FC236}">
+                <a16:creationId xmlns:a16="http://schemas.microsoft.com/office/drawing/2014/main" id="{4B50EF9D-1B6B-0172-F4DB-C9D70C72102A}"/>
+              </a:ext>
+            </a:extLst>
+          </p:cNvPr>
+          <p:cNvSpPr/>
+          <p:nvPr/>
+        </p:nvSpPr>
+        <p:spPr>
+          <a:xfrm>
+            <a:off x="0" y="0"/>
+            <a:ext cx="9143999" cy="5143499"/>
+          </a:xfrm>
+          <a:prstGeom prst="rect">
+            <a:avLst/>
+          </a:prstGeom>
+          <a:solidFill>
+            <a:srgbClr val="525659"/>
+          </a:solidFill>
+          <a:ln>
+            <a:solidFill>
+              <a:srgbClr val="525659"/>
+            </a:solidFill>
+          </a:ln>
+        </p:spPr>
+        <p:style>
+          <a:lnRef idx="2">
+            <a:schemeClr val="accent1">
+              <a:shade val="15000"/>
+            </a:schemeClr>
+          </a:lnRef>
+          <a:fillRef idx="1">
+            <a:schemeClr val="accent1"/>
+          </a:fillRef>
+          <a:effectRef idx="0">
+            <a:schemeClr val="accent1"/>
+          </a:effectRef>
+          <a:fontRef idx="minor">
+            <a:schemeClr val="lt1"/>
+          </a:fontRef>
+        </p:style>
+        <p:txBody>
+          <a:bodyPr rtlCol="0" anchor="ctr"/>
+          <a:lstStyle/>
+          <a:p>
+            <a:pPr algn="ctr"/>
+            <a:endParaRPr lang="pl-PL"/>
+          </a:p>
+        </p:txBody>
+      </p:sp>
+      <p:pic>
+        <p:nvPicPr>
+          <p:cNvPr id="4" name="Obraz 3" descr="Obraz zawierający tekst, zrzut ekranu, Czcionka&#10;&#10;Opis wygenerowany automatycznie">
+            <a:extLst>
+              <a:ext uri="{FF2B5EF4-FFF2-40B4-BE49-F238E27FC236}">
+                <a16:creationId xmlns:a16="http://schemas.microsoft.com/office/drawing/2014/main" id="{050FCAB1-5549-9048-2978-F7F6D5CBF8D4}"/>
+              </a:ext>
+            </a:extLst>
+          </p:cNvPr>
+          <p:cNvPicPr>
+            <a:picLocks noChangeAspect="1"/>
+          </p:cNvPicPr>
+          <p:nvPr/>
+        </p:nvPicPr>
+        <p:blipFill>
+          <a:blip r:embed="rId2"/>
+          <a:stretch>
+            <a:fillRect/>
+          </a:stretch>
+        </p:blipFill>
+        <p:spPr>
+          <a:xfrm>
+            <a:off x="897522" y="2119745"/>
+            <a:ext cx="7348955" cy="3023755"/>
+          </a:xfrm>
+          <a:prstGeom prst="rect">
+            <a:avLst/>
+          </a:prstGeom>
+        </p:spPr>
+      </p:pic>
+      <p:sp>
+        <p:nvSpPr>
+          <p:cNvPr id="6" name="Prostokąt 5">
+            <a:extLst>
+              <a:ext uri="{FF2B5EF4-FFF2-40B4-BE49-F238E27FC236}">
+                <a16:creationId xmlns:a16="http://schemas.microsoft.com/office/drawing/2014/main" id="{CC8CDB85-68DE-5F00-A9A4-43AACC926A62}"/>
+              </a:ext>
+            </a:extLst>
+          </p:cNvPr>
+          <p:cNvSpPr/>
+          <p:nvPr/>
+        </p:nvSpPr>
+        <p:spPr>
+          <a:xfrm>
+            <a:off x="756586" y="1"/>
+            <a:ext cx="7736250" cy="2763982"/>
+          </a:xfrm>
+          <a:prstGeom prst="rect">
+            <a:avLst/>
+          </a:prstGeom>
+          <a:solidFill>
+            <a:srgbClr val="525659"/>
+          </a:solidFill>
+          <a:ln>
+            <a:solidFill>
+              <a:srgbClr val="525659"/>
+            </a:solidFill>
+          </a:ln>
+        </p:spPr>
+        <p:style>
+          <a:lnRef idx="2">
+            <a:schemeClr val="accent1">
+              <a:shade val="15000"/>
+            </a:schemeClr>
+          </a:lnRef>
+          <a:fillRef idx="1">
+            <a:schemeClr val="accent1"/>
+          </a:fillRef>
+          <a:effectRef idx="0">
+            <a:schemeClr val="accent1"/>
+          </a:effectRef>
+          <a:fontRef idx="minor">
+            <a:schemeClr val="lt1"/>
+          </a:fontRef>
+        </p:style>
+        <p:txBody>
+          <a:bodyPr rtlCol="0" anchor="ctr"/>
+          <a:lstStyle/>
+          <a:p>
+            <a:pPr algn="ctr"/>
+            <a:endParaRPr lang="pl-PL"/>
+          </a:p>
+        </p:txBody>
+      </p:sp>
+    </p:spTree>
+    <p:extLst>
+      <p:ext uri="{BB962C8B-B14F-4D97-AF65-F5344CB8AC3E}">
+        <p14:creationId xmlns:p14="http://schemas.microsoft.com/office/powerpoint/2010/main" val="2834936080"/>
+      </p:ext>
+    </p:extLst>
+  </p:cSld>
+  <p:clrMapOvr>
+    <a:masterClrMapping/>
+  </p:clrMapOvr>
+</p:sld>
+</file>
+
+<file path=ppt/slides/slide80.xml><?xml version="1.0" encoding="utf-8"?>
 <p:sld xmlns:a="http://schemas.openxmlformats.org/drawingml/2006/main" xmlns:r="http://schemas.openxmlformats.org/officeDocument/2006/relationships" xmlns:p="http://schemas.openxmlformats.org/presentationml/2006/main">
   <p:cSld>
     <p:spTree>
@@ -21962,174 +22783,6 @@
         </p:txBody>
       </p:sp>
     </p:spTree>
-  </p:cSld>
-  <p:clrMapOvr>
-    <a:masterClrMapping/>
-  </p:clrMapOvr>
-</p:sld>
-</file>
-
-<file path=ppt/slides/slide8.xml><?xml version="1.0" encoding="utf-8"?>
-<p:sld xmlns:a="http://schemas.openxmlformats.org/drawingml/2006/main" xmlns:r="http://schemas.openxmlformats.org/officeDocument/2006/relationships" xmlns:p="http://schemas.openxmlformats.org/presentationml/2006/main">
-  <p:cSld>
-    <p:spTree>
-      <p:nvGrpSpPr>
-        <p:cNvPr id="1" name=""/>
-        <p:cNvGrpSpPr/>
-        <p:nvPr/>
-      </p:nvGrpSpPr>
-      <p:grpSpPr>
-        <a:xfrm>
-          <a:off x="0" y="0"/>
-          <a:ext cx="0" cy="0"/>
-          <a:chOff x="0" y="0"/>
-          <a:chExt cx="0" cy="0"/>
-        </a:xfrm>
-      </p:grpSpPr>
-      <p:sp>
-        <p:nvSpPr>
-          <p:cNvPr id="5" name="Prostokąt 4">
-            <a:extLst>
-              <a:ext uri="{FF2B5EF4-FFF2-40B4-BE49-F238E27FC236}">
-                <a16:creationId xmlns:a16="http://schemas.microsoft.com/office/drawing/2014/main" id="{4B50EF9D-1B6B-0172-F4DB-C9D70C72102A}"/>
-              </a:ext>
-            </a:extLst>
-          </p:cNvPr>
-          <p:cNvSpPr/>
-          <p:nvPr/>
-        </p:nvSpPr>
-        <p:spPr>
-          <a:xfrm>
-            <a:off x="0" y="0"/>
-            <a:ext cx="9143999" cy="5143499"/>
-          </a:xfrm>
-          <a:prstGeom prst="rect">
-            <a:avLst/>
-          </a:prstGeom>
-          <a:solidFill>
-            <a:srgbClr val="525659"/>
-          </a:solidFill>
-          <a:ln>
-            <a:solidFill>
-              <a:srgbClr val="525659"/>
-            </a:solidFill>
-          </a:ln>
-        </p:spPr>
-        <p:style>
-          <a:lnRef idx="2">
-            <a:schemeClr val="accent1">
-              <a:shade val="15000"/>
-            </a:schemeClr>
-          </a:lnRef>
-          <a:fillRef idx="1">
-            <a:schemeClr val="accent1"/>
-          </a:fillRef>
-          <a:effectRef idx="0">
-            <a:schemeClr val="accent1"/>
-          </a:effectRef>
-          <a:fontRef idx="minor">
-            <a:schemeClr val="lt1"/>
-          </a:fontRef>
-        </p:style>
-        <p:txBody>
-          <a:bodyPr rtlCol="0" anchor="ctr"/>
-          <a:lstStyle/>
-          <a:p>
-            <a:pPr algn="ctr"/>
-            <a:endParaRPr lang="pl-PL"/>
-          </a:p>
-        </p:txBody>
-      </p:sp>
-      <p:pic>
-        <p:nvPicPr>
-          <p:cNvPr id="4" name="Obraz 3" descr="Obraz zawierający tekst, zrzut ekranu, Czcionka&#10;&#10;Opis wygenerowany automatycznie">
-            <a:extLst>
-              <a:ext uri="{FF2B5EF4-FFF2-40B4-BE49-F238E27FC236}">
-                <a16:creationId xmlns:a16="http://schemas.microsoft.com/office/drawing/2014/main" id="{050FCAB1-5549-9048-2978-F7F6D5CBF8D4}"/>
-              </a:ext>
-            </a:extLst>
-          </p:cNvPr>
-          <p:cNvPicPr>
-            <a:picLocks noChangeAspect="1"/>
-          </p:cNvPicPr>
-          <p:nvPr/>
-        </p:nvPicPr>
-        <p:blipFill>
-          <a:blip r:embed="rId2"/>
-          <a:stretch>
-            <a:fillRect/>
-          </a:stretch>
-        </p:blipFill>
-        <p:spPr>
-          <a:xfrm>
-            <a:off x="897522" y="2119745"/>
-            <a:ext cx="7348955" cy="3023755"/>
-          </a:xfrm>
-          <a:prstGeom prst="rect">
-            <a:avLst/>
-          </a:prstGeom>
-        </p:spPr>
-      </p:pic>
-      <p:sp>
-        <p:nvSpPr>
-          <p:cNvPr id="6" name="Prostokąt 5">
-            <a:extLst>
-              <a:ext uri="{FF2B5EF4-FFF2-40B4-BE49-F238E27FC236}">
-                <a16:creationId xmlns:a16="http://schemas.microsoft.com/office/drawing/2014/main" id="{CC8CDB85-68DE-5F00-A9A4-43AACC926A62}"/>
-              </a:ext>
-            </a:extLst>
-          </p:cNvPr>
-          <p:cNvSpPr/>
-          <p:nvPr/>
-        </p:nvSpPr>
-        <p:spPr>
-          <a:xfrm>
-            <a:off x="756586" y="1"/>
-            <a:ext cx="7736250" cy="2763982"/>
-          </a:xfrm>
-          <a:prstGeom prst="rect">
-            <a:avLst/>
-          </a:prstGeom>
-          <a:solidFill>
-            <a:srgbClr val="525659"/>
-          </a:solidFill>
-          <a:ln>
-            <a:solidFill>
-              <a:srgbClr val="525659"/>
-            </a:solidFill>
-          </a:ln>
-        </p:spPr>
-        <p:style>
-          <a:lnRef idx="2">
-            <a:schemeClr val="accent1">
-              <a:shade val="15000"/>
-            </a:schemeClr>
-          </a:lnRef>
-          <a:fillRef idx="1">
-            <a:schemeClr val="accent1"/>
-          </a:fillRef>
-          <a:effectRef idx="0">
-            <a:schemeClr val="accent1"/>
-          </a:effectRef>
-          <a:fontRef idx="minor">
-            <a:schemeClr val="lt1"/>
-          </a:fontRef>
-        </p:style>
-        <p:txBody>
-          <a:bodyPr rtlCol="0" anchor="ctr"/>
-          <a:lstStyle/>
-          <a:p>
-            <a:pPr algn="ctr"/>
-            <a:endParaRPr lang="pl-PL"/>
-          </a:p>
-        </p:txBody>
-      </p:sp>
-    </p:spTree>
-    <p:extLst>
-      <p:ext uri="{BB962C8B-B14F-4D97-AF65-F5344CB8AC3E}">
-        <p14:creationId xmlns:p14="http://schemas.microsoft.com/office/powerpoint/2010/main" val="2834936080"/>
-      </p:ext>
-    </p:extLst>
   </p:cSld>
   <p:clrMapOvr>
     <a:masterClrMapping/>
